--- a/figures.pptx
+++ b/figures.pptx
@@ -1,12 +1,20 @@
 
 <file path=ppt/presentation.xml><?xml version="1.0" encoding="utf-8"?>
-<p:presentation xmlns:a="http://schemas.openxmlformats.org/drawingml/2006/main" xmlns:r="http://schemas.openxmlformats.org/officeDocument/2006/relationships" xmlns:p="http://schemas.openxmlformats.org/presentationml/2006/main" saveSubsetFonts="1">
+<p:presentation xmlns:a="http://schemas.openxmlformats.org/drawingml/2006/main" xmlns:r="http://schemas.openxmlformats.org/officeDocument/2006/relationships" xmlns:p="http://schemas.openxmlformats.org/presentationml/2006/main" saveSubsetFonts="1" bookmarkIdSeed="2">
   <p:sldMasterIdLst>
     <p:sldMasterId id="2147483648" r:id="rId1"/>
   </p:sldMasterIdLst>
   <p:sldIdLst>
     <p:sldId id="256" r:id="rId2"/>
     <p:sldId id="257" r:id="rId3"/>
+    <p:sldId id="258" r:id="rId4"/>
+    <p:sldId id="261" r:id="rId5"/>
+    <p:sldId id="262" r:id="rId6"/>
+    <p:sldId id="259" r:id="rId7"/>
+    <p:sldId id="260" r:id="rId8"/>
+    <p:sldId id="263" r:id="rId9"/>
+    <p:sldId id="264" r:id="rId10"/>
+    <p:sldId id="265" r:id="rId11"/>
   </p:sldIdLst>
   <p:sldSz cx="12192000" cy="6858000"/>
   <p:notesSz cx="6858000" cy="9144000"/>
@@ -105,6 +113,11 @@
       </a:defRPr>
     </a:lvl9pPr>
   </p:defaultTextStyle>
+  <p:extLst>
+    <p:ext uri="{EFAFB233-063F-42B5-8137-9DF3F51BA10A}">
+      <p15:sldGuideLst xmlns:p15="http://schemas.microsoft.com/office/powerpoint/2012/main"/>
+    </p:ext>
+  </p:extLst>
 </p:presentation>
 </file>
 
@@ -255,7 +268,7 @@
           <a:p>
             <a:fld id="{20E5522F-42E4-436A-ADDF-FC0D2C3F8589}" type="datetimeFigureOut">
               <a:rPr lang="en-US" smtClean="0"/>
-              <a:t>1/6/2020</a:t>
+              <a:t>3/15/2020</a:t>
             </a:fld>
             <a:endParaRPr lang="en-US"/>
           </a:p>
@@ -453,7 +466,7 @@
           <a:p>
             <a:fld id="{20E5522F-42E4-436A-ADDF-FC0D2C3F8589}" type="datetimeFigureOut">
               <a:rPr lang="en-US" smtClean="0"/>
-              <a:t>1/6/2020</a:t>
+              <a:t>3/15/2020</a:t>
             </a:fld>
             <a:endParaRPr lang="en-US"/>
           </a:p>
@@ -661,7 +674,7 @@
           <a:p>
             <a:fld id="{20E5522F-42E4-436A-ADDF-FC0D2C3F8589}" type="datetimeFigureOut">
               <a:rPr lang="en-US" smtClean="0"/>
-              <a:t>1/6/2020</a:t>
+              <a:t>3/15/2020</a:t>
             </a:fld>
             <a:endParaRPr lang="en-US"/>
           </a:p>
@@ -859,7 +872,7 @@
           <a:p>
             <a:fld id="{20E5522F-42E4-436A-ADDF-FC0D2C3F8589}" type="datetimeFigureOut">
               <a:rPr lang="en-US" smtClean="0"/>
-              <a:t>1/6/2020</a:t>
+              <a:t>3/15/2020</a:t>
             </a:fld>
             <a:endParaRPr lang="en-US"/>
           </a:p>
@@ -1134,7 +1147,7 @@
           <a:p>
             <a:fld id="{20E5522F-42E4-436A-ADDF-FC0D2C3F8589}" type="datetimeFigureOut">
               <a:rPr lang="en-US" smtClean="0"/>
-              <a:t>1/6/2020</a:t>
+              <a:t>3/15/2020</a:t>
             </a:fld>
             <a:endParaRPr lang="en-US"/>
           </a:p>
@@ -1399,7 +1412,7 @@
           <a:p>
             <a:fld id="{20E5522F-42E4-436A-ADDF-FC0D2C3F8589}" type="datetimeFigureOut">
               <a:rPr lang="en-US" smtClean="0"/>
-              <a:t>1/6/2020</a:t>
+              <a:t>3/15/2020</a:t>
             </a:fld>
             <a:endParaRPr lang="en-US"/>
           </a:p>
@@ -1811,7 +1824,7 @@
           <a:p>
             <a:fld id="{20E5522F-42E4-436A-ADDF-FC0D2C3F8589}" type="datetimeFigureOut">
               <a:rPr lang="en-US" smtClean="0"/>
-              <a:t>1/6/2020</a:t>
+              <a:t>3/15/2020</a:t>
             </a:fld>
             <a:endParaRPr lang="en-US"/>
           </a:p>
@@ -1952,7 +1965,7 @@
           <a:p>
             <a:fld id="{20E5522F-42E4-436A-ADDF-FC0D2C3F8589}" type="datetimeFigureOut">
               <a:rPr lang="en-US" smtClean="0"/>
-              <a:t>1/6/2020</a:t>
+              <a:t>3/15/2020</a:t>
             </a:fld>
             <a:endParaRPr lang="en-US"/>
           </a:p>
@@ -2065,7 +2078,7 @@
           <a:p>
             <a:fld id="{20E5522F-42E4-436A-ADDF-FC0D2C3F8589}" type="datetimeFigureOut">
               <a:rPr lang="en-US" smtClean="0"/>
-              <a:t>1/6/2020</a:t>
+              <a:t>3/15/2020</a:t>
             </a:fld>
             <a:endParaRPr lang="en-US"/>
           </a:p>
@@ -2376,7 +2389,7 @@
           <a:p>
             <a:fld id="{20E5522F-42E4-436A-ADDF-FC0D2C3F8589}" type="datetimeFigureOut">
               <a:rPr lang="en-US" smtClean="0"/>
-              <a:t>1/6/2020</a:t>
+              <a:t>3/15/2020</a:t>
             </a:fld>
             <a:endParaRPr lang="en-US"/>
           </a:p>
@@ -2664,7 +2677,7 @@
           <a:p>
             <a:fld id="{20E5522F-42E4-436A-ADDF-FC0D2C3F8589}" type="datetimeFigureOut">
               <a:rPr lang="en-US" smtClean="0"/>
-              <a:t>1/6/2020</a:t>
+              <a:t>3/15/2020</a:t>
             </a:fld>
             <a:endParaRPr lang="en-US"/>
           </a:p>
@@ -2905,7 +2918,7 @@
           <a:p>
             <a:fld id="{20E5522F-42E4-436A-ADDF-FC0D2C3F8589}" type="datetimeFigureOut">
               <a:rPr lang="en-US" smtClean="0"/>
-              <a:t>1/6/2020</a:t>
+              <a:t>3/15/2020</a:t>
             </a:fld>
             <a:endParaRPr lang="en-US"/>
           </a:p>
@@ -3733,10 +3746,692 @@
           </a:fontRef>
         </p:style>
       </p:cxnSp>
+      <mc:AlternateContent xmlns:mc="http://schemas.openxmlformats.org/markup-compatibility/2006">
+        <mc:Choice xmlns:a14="http://schemas.microsoft.com/office/drawing/2010/main" Requires="a14">
+          <p:sp>
+            <p:nvSpPr>
+              <p:cNvPr id="2" name="TextBox 1">
+                <a:extLst>
+                  <a:ext uri="{FF2B5EF4-FFF2-40B4-BE49-F238E27FC236}">
+                    <a16:creationId xmlns:a16="http://schemas.microsoft.com/office/drawing/2014/main" id="{FCEE0A13-7141-46C2-B74D-7AD4DE9DF9DA}"/>
+                  </a:ext>
+                </a:extLst>
+              </p:cNvPr>
+              <p:cNvSpPr txBox="1"/>
+              <p:nvPr/>
+            </p:nvSpPr>
+            <p:spPr>
+              <a:xfrm>
+                <a:off x="4689144" y="1849621"/>
+                <a:ext cx="1279330" cy="369332"/>
+              </a:xfrm>
+              <a:prstGeom prst="rect">
+                <a:avLst/>
+              </a:prstGeom>
+              <a:noFill/>
+            </p:spPr>
+            <p:txBody>
+              <a:bodyPr wrap="square" rtlCol="0">
+                <a:spAutoFit/>
+              </a:bodyPr>
+              <a:lstStyle/>
+              <a:p>
+                <a:pPr/>
+                <a14:m>
+                  <m:oMathPara xmlns:m="http://schemas.openxmlformats.org/officeDocument/2006/math">
+                    <m:oMathParaPr>
+                      <m:jc m:val="centerGroup"/>
+                    </m:oMathParaPr>
+                    <m:oMath xmlns:m="http://schemas.openxmlformats.org/officeDocument/2006/math">
+                      <m:sSup>
+                        <m:sSupPr>
+                          <m:ctrlPr>
+                            <a:rPr lang="en-US" b="0" i="1" smtClean="0">
+                              <a:latin typeface="Cambria Math" panose="02040503050406030204" pitchFamily="18" charset="0"/>
+                            </a:rPr>
+                          </m:ctrlPr>
+                        </m:sSupPr>
+                        <m:e>
+                          <m:r>
+                            <a:rPr lang="en-US" b="0" i="1" smtClean="0">
+                              <a:latin typeface="Cambria Math" panose="02040503050406030204" pitchFamily="18" charset="0"/>
+                            </a:rPr>
+                            <m:t>30</m:t>
+                          </m:r>
+                        </m:e>
+                        <m:sup>
+                          <m:r>
+                            <a:rPr lang="en-US" b="0" i="1" smtClean="0">
+                              <a:latin typeface="Cambria Math" panose="02040503050406030204" pitchFamily="18" charset="0"/>
+                            </a:rPr>
+                            <m:t>𝑜</m:t>
+                          </m:r>
+                        </m:sup>
+                      </m:sSup>
+                    </m:oMath>
+                  </m:oMathPara>
+                </a14:m>
+                <a:endParaRPr lang="en-US" dirty="0"/>
+              </a:p>
+            </p:txBody>
+          </p:sp>
+        </mc:Choice>
+        <mc:Fallback>
+          <p:sp>
+            <p:nvSpPr>
+              <p:cNvPr id="2" name="TextBox 1">
+                <a:extLst>
+                  <a:ext uri="{FF2B5EF4-FFF2-40B4-BE49-F238E27FC236}">
+                    <a16:creationId xmlns:a16="http://schemas.microsoft.com/office/drawing/2014/main" id="{FCEE0A13-7141-46C2-B74D-7AD4DE9DF9DA}"/>
+                  </a:ext>
+                </a:extLst>
+              </p:cNvPr>
+              <p:cNvSpPr txBox="1">
+                <a:spLocks noRot="1" noChangeAspect="1" noMove="1" noResize="1" noEditPoints="1" noAdjustHandles="1" noChangeArrowheads="1" noChangeShapeType="1" noTextEdit="1"/>
+              </p:cNvSpPr>
+              <p:nvPr/>
+            </p:nvSpPr>
+            <p:spPr>
+              <a:xfrm>
+                <a:off x="4689144" y="1849621"/>
+                <a:ext cx="1279330" cy="369332"/>
+              </a:xfrm>
+              <a:prstGeom prst="rect">
+                <a:avLst/>
+              </a:prstGeom>
+              <a:blipFill>
+                <a:blip r:embed="rId2"/>
+                <a:stretch>
+                  <a:fillRect/>
+                </a:stretch>
+              </a:blipFill>
+            </p:spPr>
+            <p:txBody>
+              <a:bodyPr/>
+              <a:lstStyle/>
+              <a:p>
+                <a:r>
+                  <a:rPr lang="en-US">
+                    <a:noFill/>
+                  </a:rPr>
+                  <a:t> </a:t>
+                </a:r>
+              </a:p>
+            </p:txBody>
+          </p:sp>
+        </mc:Fallback>
+      </mc:AlternateContent>
+      <mc:AlternateContent xmlns:mc="http://schemas.openxmlformats.org/markup-compatibility/2006">
+        <mc:Choice xmlns:a14="http://schemas.microsoft.com/office/drawing/2010/main" Requires="a14">
+          <p:sp>
+            <p:nvSpPr>
+              <p:cNvPr id="15" name="TextBox 14">
+                <a:extLst>
+                  <a:ext uri="{FF2B5EF4-FFF2-40B4-BE49-F238E27FC236}">
+                    <a16:creationId xmlns:a16="http://schemas.microsoft.com/office/drawing/2014/main" id="{DF4EC27E-4EF8-49B2-AE4F-CB35A60BD6B4}"/>
+                  </a:ext>
+                </a:extLst>
+              </p:cNvPr>
+              <p:cNvSpPr txBox="1"/>
+              <p:nvPr/>
+            </p:nvSpPr>
+            <p:spPr>
+              <a:xfrm>
+                <a:off x="4590928" y="3967456"/>
+                <a:ext cx="1279330" cy="369332"/>
+              </a:xfrm>
+              <a:prstGeom prst="rect">
+                <a:avLst/>
+              </a:prstGeom>
+              <a:noFill/>
+            </p:spPr>
+            <p:txBody>
+              <a:bodyPr wrap="square" rtlCol="0">
+                <a:spAutoFit/>
+              </a:bodyPr>
+              <a:lstStyle/>
+              <a:p>
+                <a:pPr/>
+                <a14:m>
+                  <m:oMathPara xmlns:m="http://schemas.openxmlformats.org/officeDocument/2006/math">
+                    <m:oMathParaPr>
+                      <m:jc m:val="centerGroup"/>
+                    </m:oMathParaPr>
+                    <m:oMath xmlns:m="http://schemas.openxmlformats.org/officeDocument/2006/math">
+                      <m:sSup>
+                        <m:sSupPr>
+                          <m:ctrlPr>
+                            <a:rPr lang="en-US" b="0" i="1" smtClean="0">
+                              <a:latin typeface="Cambria Math" panose="02040503050406030204" pitchFamily="18" charset="0"/>
+                            </a:rPr>
+                          </m:ctrlPr>
+                        </m:sSupPr>
+                        <m:e>
+                          <m:r>
+                            <a:rPr lang="en-US" b="0" i="1" smtClean="0">
+                              <a:latin typeface="Cambria Math" panose="02040503050406030204" pitchFamily="18" charset="0"/>
+                            </a:rPr>
+                            <m:t>15</m:t>
+                          </m:r>
+                          <m:r>
+                            <a:rPr lang="en-US" b="0" i="1" smtClean="0">
+                              <a:latin typeface="Cambria Math" panose="02040503050406030204" pitchFamily="18" charset="0"/>
+                            </a:rPr>
+                            <m:t>0</m:t>
+                          </m:r>
+                        </m:e>
+                        <m:sup>
+                          <m:r>
+                            <a:rPr lang="en-US" b="0" i="1" smtClean="0">
+                              <a:latin typeface="Cambria Math" panose="02040503050406030204" pitchFamily="18" charset="0"/>
+                            </a:rPr>
+                            <m:t>𝑜</m:t>
+                          </m:r>
+                        </m:sup>
+                      </m:sSup>
+                    </m:oMath>
+                  </m:oMathPara>
+                </a14:m>
+                <a:endParaRPr lang="en-US" dirty="0"/>
+              </a:p>
+            </p:txBody>
+          </p:sp>
+        </mc:Choice>
+        <mc:Fallback>
+          <p:sp>
+            <p:nvSpPr>
+              <p:cNvPr id="15" name="TextBox 14">
+                <a:extLst>
+                  <a:ext uri="{FF2B5EF4-FFF2-40B4-BE49-F238E27FC236}">
+                    <a16:creationId xmlns:a16="http://schemas.microsoft.com/office/drawing/2014/main" id="{DF4EC27E-4EF8-49B2-AE4F-CB35A60BD6B4}"/>
+                  </a:ext>
+                </a:extLst>
+              </p:cNvPr>
+              <p:cNvSpPr txBox="1">
+                <a:spLocks noRot="1" noChangeAspect="1" noMove="1" noResize="1" noEditPoints="1" noAdjustHandles="1" noChangeArrowheads="1" noChangeShapeType="1" noTextEdit="1"/>
+              </p:cNvSpPr>
+              <p:nvPr/>
+            </p:nvSpPr>
+            <p:spPr>
+              <a:xfrm>
+                <a:off x="4590928" y="3967456"/>
+                <a:ext cx="1279330" cy="369332"/>
+              </a:xfrm>
+              <a:prstGeom prst="rect">
+                <a:avLst/>
+              </a:prstGeom>
+              <a:blipFill>
+                <a:blip r:embed="rId3"/>
+                <a:stretch>
+                  <a:fillRect/>
+                </a:stretch>
+              </a:blipFill>
+            </p:spPr>
+            <p:txBody>
+              <a:bodyPr/>
+              <a:lstStyle/>
+              <a:p>
+                <a:r>
+                  <a:rPr lang="en-US">
+                    <a:noFill/>
+                  </a:rPr>
+                  <a:t> </a:t>
+                </a:r>
+              </a:p>
+            </p:txBody>
+          </p:sp>
+        </mc:Fallback>
+      </mc:AlternateContent>
+      <mc:AlternateContent xmlns:mc="http://schemas.openxmlformats.org/markup-compatibility/2006">
+        <mc:Choice xmlns:a14="http://schemas.microsoft.com/office/drawing/2010/main" Requires="a14">
+          <p:sp>
+            <p:nvSpPr>
+              <p:cNvPr id="16" name="TextBox 15">
+                <a:extLst>
+                  <a:ext uri="{FF2B5EF4-FFF2-40B4-BE49-F238E27FC236}">
+                    <a16:creationId xmlns:a16="http://schemas.microsoft.com/office/drawing/2014/main" id="{9B9C4D2E-25CB-4794-B917-FCF1AFCB093C}"/>
+                  </a:ext>
+                </a:extLst>
+              </p:cNvPr>
+              <p:cNvSpPr txBox="1"/>
+              <p:nvPr/>
+            </p:nvSpPr>
+            <p:spPr>
+              <a:xfrm>
+                <a:off x="4153860" y="3494221"/>
+                <a:ext cx="1279330" cy="369332"/>
+              </a:xfrm>
+              <a:prstGeom prst="rect">
+                <a:avLst/>
+              </a:prstGeom>
+              <a:noFill/>
+            </p:spPr>
+            <p:txBody>
+              <a:bodyPr wrap="square" rtlCol="0">
+                <a:spAutoFit/>
+              </a:bodyPr>
+              <a:lstStyle/>
+              <a:p>
+                <a:pPr/>
+                <a14:m>
+                  <m:oMathPara xmlns:m="http://schemas.openxmlformats.org/officeDocument/2006/math">
+                    <m:oMathParaPr>
+                      <m:jc m:val="centerGroup"/>
+                    </m:oMathParaPr>
+                    <m:oMath xmlns:m="http://schemas.openxmlformats.org/officeDocument/2006/math">
+                      <m:sSup>
+                        <m:sSupPr>
+                          <m:ctrlPr>
+                            <a:rPr lang="en-US" b="0" i="1" smtClean="0">
+                              <a:latin typeface="Cambria Math" panose="02040503050406030204" pitchFamily="18" charset="0"/>
+                            </a:rPr>
+                          </m:ctrlPr>
+                        </m:sSupPr>
+                        <m:e>
+                          <m:r>
+                            <a:rPr lang="en-US" b="0" i="1" smtClean="0">
+                              <a:latin typeface="Cambria Math" panose="02040503050406030204" pitchFamily="18" charset="0"/>
+                            </a:rPr>
+                            <m:t>120</m:t>
+                          </m:r>
+                        </m:e>
+                        <m:sup>
+                          <m:r>
+                            <a:rPr lang="en-US" b="0" i="1" smtClean="0">
+                              <a:latin typeface="Cambria Math" panose="02040503050406030204" pitchFamily="18" charset="0"/>
+                            </a:rPr>
+                            <m:t>𝑜</m:t>
+                          </m:r>
+                        </m:sup>
+                      </m:sSup>
+                    </m:oMath>
+                  </m:oMathPara>
+                </a14:m>
+                <a:endParaRPr lang="en-US" dirty="0"/>
+              </a:p>
+            </p:txBody>
+          </p:sp>
+        </mc:Choice>
+        <mc:Fallback>
+          <p:sp>
+            <p:nvSpPr>
+              <p:cNvPr id="16" name="TextBox 15">
+                <a:extLst>
+                  <a:ext uri="{FF2B5EF4-FFF2-40B4-BE49-F238E27FC236}">
+                    <a16:creationId xmlns:a16="http://schemas.microsoft.com/office/drawing/2014/main" id="{9B9C4D2E-25CB-4794-B917-FCF1AFCB093C}"/>
+                  </a:ext>
+                </a:extLst>
+              </p:cNvPr>
+              <p:cNvSpPr txBox="1">
+                <a:spLocks noRot="1" noChangeAspect="1" noMove="1" noResize="1" noEditPoints="1" noAdjustHandles="1" noChangeArrowheads="1" noChangeShapeType="1" noTextEdit="1"/>
+              </p:cNvSpPr>
+              <p:nvPr/>
+            </p:nvSpPr>
+            <p:spPr>
+              <a:xfrm>
+                <a:off x="4153860" y="3494221"/>
+                <a:ext cx="1279330" cy="369332"/>
+              </a:xfrm>
+              <a:prstGeom prst="rect">
+                <a:avLst/>
+              </a:prstGeom>
+              <a:blipFill>
+                <a:blip r:embed="rId4"/>
+                <a:stretch>
+                  <a:fillRect/>
+                </a:stretch>
+              </a:blipFill>
+            </p:spPr>
+            <p:txBody>
+              <a:bodyPr/>
+              <a:lstStyle/>
+              <a:p>
+                <a:r>
+                  <a:rPr lang="en-US">
+                    <a:noFill/>
+                  </a:rPr>
+                  <a:t> </a:t>
+                </a:r>
+              </a:p>
+            </p:txBody>
+          </p:sp>
+        </mc:Fallback>
+      </mc:AlternateContent>
+      <mc:AlternateContent xmlns:mc="http://schemas.openxmlformats.org/markup-compatibility/2006" xmlns:a14="http://schemas.microsoft.com/office/drawing/2010/main">
+        <mc:Choice Requires="a14">
+          <p:sp>
+            <p:nvSpPr>
+              <p:cNvPr id="17" name="TextBox 16">
+                <a:extLst>
+                  <a:ext uri="{FF2B5EF4-FFF2-40B4-BE49-F238E27FC236}">
+                    <a16:creationId xmlns:a16="http://schemas.microsoft.com/office/drawing/2014/main" id="{710A5FF7-136F-4B2E-805B-2F7CCE6D8BFF}"/>
+                  </a:ext>
+                </a:extLst>
+              </p:cNvPr>
+              <p:cNvSpPr txBox="1"/>
+              <p:nvPr/>
+            </p:nvSpPr>
+            <p:spPr>
+              <a:xfrm>
+                <a:off x="3951263" y="2991242"/>
+                <a:ext cx="1279330" cy="369332"/>
+              </a:xfrm>
+              <a:prstGeom prst="rect">
+                <a:avLst/>
+              </a:prstGeom>
+              <a:noFill/>
+            </p:spPr>
+            <p:txBody>
+              <a:bodyPr wrap="square" rtlCol="0">
+                <a:spAutoFit/>
+              </a:bodyPr>
+              <a:lstStyle/>
+              <a:p>
+                <a:pPr/>
+                <a14:m>
+                  <m:oMathPara xmlns:m="http://schemas.openxmlformats.org/officeDocument/2006/math">
+                    <m:oMathParaPr>
+                      <m:jc m:val="centerGroup"/>
+                    </m:oMathParaPr>
+                    <m:oMath xmlns:m="http://schemas.openxmlformats.org/officeDocument/2006/math">
+                      <m:sSup>
+                        <m:sSupPr>
+                          <m:ctrlPr>
+                            <a:rPr lang="en-US" b="0" i="1" smtClean="0">
+                              <a:latin typeface="Cambria Math" panose="02040503050406030204" pitchFamily="18" charset="0"/>
+                            </a:rPr>
+                          </m:ctrlPr>
+                        </m:sSupPr>
+                        <m:e>
+                          <m:r>
+                            <a:rPr lang="en-US" b="0" i="1" smtClean="0">
+                              <a:latin typeface="Cambria Math" panose="02040503050406030204" pitchFamily="18" charset="0"/>
+                            </a:rPr>
+                            <m:t>90</m:t>
+                          </m:r>
+                        </m:e>
+                        <m:sup>
+                          <m:r>
+                            <a:rPr lang="en-US" b="0" i="1" smtClean="0">
+                              <a:latin typeface="Cambria Math" panose="02040503050406030204" pitchFamily="18" charset="0"/>
+                            </a:rPr>
+                            <m:t>𝑜</m:t>
+                          </m:r>
+                        </m:sup>
+                      </m:sSup>
+                    </m:oMath>
+                  </m:oMathPara>
+                </a14:m>
+                <a:endParaRPr lang="en-US" dirty="0"/>
+              </a:p>
+            </p:txBody>
+          </p:sp>
+        </mc:Choice>
+        <mc:Fallback xmlns="">
+          <p:sp>
+            <p:nvSpPr>
+              <p:cNvPr id="17" name="TextBox 16">
+                <a:extLst>
+                  <a:ext uri="{FF2B5EF4-FFF2-40B4-BE49-F238E27FC236}">
+                    <a16:creationId xmlns:a16="http://schemas.microsoft.com/office/drawing/2014/main" id="{710A5FF7-136F-4B2E-805B-2F7CCE6D8BFF}"/>
+                  </a:ext>
+                </a:extLst>
+              </p:cNvPr>
+              <p:cNvSpPr txBox="1">
+                <a:spLocks noRot="1" noChangeAspect="1" noMove="1" noResize="1" noEditPoints="1" noAdjustHandles="1" noChangeArrowheads="1" noChangeShapeType="1" noTextEdit="1"/>
+              </p:cNvSpPr>
+              <p:nvPr/>
+            </p:nvSpPr>
+            <p:spPr>
+              <a:xfrm>
+                <a:off x="3951263" y="2991242"/>
+                <a:ext cx="1279330" cy="369332"/>
+              </a:xfrm>
+              <a:prstGeom prst="rect">
+                <a:avLst/>
+              </a:prstGeom>
+              <a:blipFill>
+                <a:blip r:embed="rId5"/>
+                <a:stretch>
+                  <a:fillRect/>
+                </a:stretch>
+              </a:blipFill>
+            </p:spPr>
+            <p:txBody>
+              <a:bodyPr/>
+              <a:lstStyle/>
+              <a:p>
+                <a:r>
+                  <a:rPr lang="en-US">
+                    <a:noFill/>
+                  </a:rPr>
+                  <a:t> </a:t>
+                </a:r>
+              </a:p>
+            </p:txBody>
+          </p:sp>
+        </mc:Fallback>
+      </mc:AlternateContent>
+      <mc:AlternateContent xmlns:mc="http://schemas.openxmlformats.org/markup-compatibility/2006">
+        <mc:Choice xmlns:a14="http://schemas.microsoft.com/office/drawing/2010/main" Requires="a14">
+          <p:sp>
+            <p:nvSpPr>
+              <p:cNvPr id="19" name="TextBox 18">
+                <a:extLst>
+                  <a:ext uri="{FF2B5EF4-FFF2-40B4-BE49-F238E27FC236}">
+                    <a16:creationId xmlns:a16="http://schemas.microsoft.com/office/drawing/2014/main" id="{A5A33D88-6E87-48C3-A696-99967133B071}"/>
+                  </a:ext>
+                </a:extLst>
+              </p:cNvPr>
+              <p:cNvSpPr txBox="1"/>
+              <p:nvPr/>
+            </p:nvSpPr>
+            <p:spPr>
+              <a:xfrm>
+                <a:off x="4260719" y="2415873"/>
+                <a:ext cx="1279330" cy="369332"/>
+              </a:xfrm>
+              <a:prstGeom prst="rect">
+                <a:avLst/>
+              </a:prstGeom>
+              <a:noFill/>
+            </p:spPr>
+            <p:txBody>
+              <a:bodyPr wrap="square" rtlCol="0">
+                <a:spAutoFit/>
+              </a:bodyPr>
+              <a:lstStyle/>
+              <a:p>
+                <a:pPr/>
+                <a14:m>
+                  <m:oMathPara xmlns:m="http://schemas.openxmlformats.org/officeDocument/2006/math">
+                    <m:oMathParaPr>
+                      <m:jc m:val="centerGroup"/>
+                    </m:oMathParaPr>
+                    <m:oMath xmlns:m="http://schemas.openxmlformats.org/officeDocument/2006/math">
+                      <m:sSup>
+                        <m:sSupPr>
+                          <m:ctrlPr>
+                            <a:rPr lang="en-US" b="0" i="1" smtClean="0">
+                              <a:latin typeface="Cambria Math" panose="02040503050406030204" pitchFamily="18" charset="0"/>
+                            </a:rPr>
+                          </m:ctrlPr>
+                        </m:sSupPr>
+                        <m:e>
+                          <m:r>
+                            <a:rPr lang="en-US" b="0" i="1" smtClean="0">
+                              <a:latin typeface="Cambria Math" panose="02040503050406030204" pitchFamily="18" charset="0"/>
+                            </a:rPr>
+                            <m:t>60</m:t>
+                          </m:r>
+                        </m:e>
+                        <m:sup>
+                          <m:r>
+                            <a:rPr lang="en-US" b="0" i="1" smtClean="0">
+                              <a:latin typeface="Cambria Math" panose="02040503050406030204" pitchFamily="18" charset="0"/>
+                            </a:rPr>
+                            <m:t>𝑜</m:t>
+                          </m:r>
+                        </m:sup>
+                      </m:sSup>
+                    </m:oMath>
+                  </m:oMathPara>
+                </a14:m>
+                <a:endParaRPr lang="en-US" dirty="0"/>
+              </a:p>
+            </p:txBody>
+          </p:sp>
+        </mc:Choice>
+        <mc:Fallback>
+          <p:sp>
+            <p:nvSpPr>
+              <p:cNvPr id="19" name="TextBox 18">
+                <a:extLst>
+                  <a:ext uri="{FF2B5EF4-FFF2-40B4-BE49-F238E27FC236}">
+                    <a16:creationId xmlns:a16="http://schemas.microsoft.com/office/drawing/2014/main" id="{A5A33D88-6E87-48C3-A696-99967133B071}"/>
+                  </a:ext>
+                </a:extLst>
+              </p:cNvPr>
+              <p:cNvSpPr txBox="1">
+                <a:spLocks noRot="1" noChangeAspect="1" noMove="1" noResize="1" noEditPoints="1" noAdjustHandles="1" noChangeArrowheads="1" noChangeShapeType="1" noTextEdit="1"/>
+              </p:cNvSpPr>
+              <p:nvPr/>
+            </p:nvSpPr>
+            <p:spPr>
+              <a:xfrm>
+                <a:off x="4260719" y="2415873"/>
+                <a:ext cx="1279330" cy="369332"/>
+              </a:xfrm>
+              <a:prstGeom prst="rect">
+                <a:avLst/>
+              </a:prstGeom>
+              <a:blipFill>
+                <a:blip r:embed="rId6"/>
+                <a:stretch>
+                  <a:fillRect/>
+                </a:stretch>
+              </a:blipFill>
+            </p:spPr>
+            <p:txBody>
+              <a:bodyPr/>
+              <a:lstStyle/>
+              <a:p>
+                <a:r>
+                  <a:rPr lang="en-US">
+                    <a:noFill/>
+                  </a:rPr>
+                  <a:t> </a:t>
+                </a:r>
+              </a:p>
+            </p:txBody>
+          </p:sp>
+        </mc:Fallback>
+      </mc:AlternateContent>
     </p:spTree>
     <p:extLst>
       <p:ext uri="{BB962C8B-B14F-4D97-AF65-F5344CB8AC3E}">
         <p14:creationId xmlns:p14="http://schemas.microsoft.com/office/powerpoint/2010/main" val="3010802119"/>
+      </p:ext>
+    </p:extLst>
+  </p:cSld>
+  <p:clrMapOvr>
+    <a:masterClrMapping/>
+  </p:clrMapOvr>
+</p:sld>
+</file>
+
+<file path=ppt/slides/slide10.xml><?xml version="1.0" encoding="utf-8"?>
+<p:sld xmlns:a="http://schemas.openxmlformats.org/drawingml/2006/main" xmlns:r="http://schemas.openxmlformats.org/officeDocument/2006/relationships" xmlns:p="http://schemas.openxmlformats.org/presentationml/2006/main">
+  <p:cSld>
+    <p:spTree>
+      <p:nvGrpSpPr>
+        <p:cNvPr id="1" name=""/>
+        <p:cNvGrpSpPr/>
+        <p:nvPr/>
+      </p:nvGrpSpPr>
+      <p:grpSpPr>
+        <a:xfrm>
+          <a:off x="0" y="0"/>
+          <a:ext cx="0" cy="0"/>
+          <a:chOff x="0" y="0"/>
+          <a:chExt cx="0" cy="0"/>
+        </a:xfrm>
+      </p:grpSpPr>
+      <p:pic>
+        <p:nvPicPr>
+          <p:cNvPr id="10" name="Picture 9">
+            <a:extLst>
+              <a:ext uri="{FF2B5EF4-FFF2-40B4-BE49-F238E27FC236}">
+                <a16:creationId xmlns:a16="http://schemas.microsoft.com/office/drawing/2014/main" id="{001B22D4-5883-423C-94BD-A2A9F862E660}"/>
+              </a:ext>
+            </a:extLst>
+          </p:cNvPr>
+          <p:cNvPicPr>
+            <a:picLocks noChangeAspect="1"/>
+          </p:cNvPicPr>
+          <p:nvPr/>
+        </p:nvPicPr>
+        <p:blipFill>
+          <a:blip r:embed="rId2"/>
+          <a:stretch>
+            <a:fillRect/>
+          </a:stretch>
+        </p:blipFill>
+        <p:spPr>
+          <a:xfrm>
+            <a:off x="6010275" y="1533525"/>
+            <a:ext cx="3924300" cy="2667000"/>
+          </a:xfrm>
+          <a:prstGeom prst="rect">
+            <a:avLst/>
+          </a:prstGeom>
+        </p:spPr>
+      </p:pic>
+      <p:pic>
+        <p:nvPicPr>
+          <p:cNvPr id="11" name="Picture 10">
+            <a:extLst>
+              <a:ext uri="{FF2B5EF4-FFF2-40B4-BE49-F238E27FC236}">
+                <a16:creationId xmlns:a16="http://schemas.microsoft.com/office/drawing/2014/main" id="{97E72501-5303-4AE8-AF0A-B89B6E2A3EB0}"/>
+              </a:ext>
+            </a:extLst>
+          </p:cNvPr>
+          <p:cNvPicPr/>
+          <p:nvPr/>
+        </p:nvPicPr>
+        <p:blipFill rotWithShape="1">
+          <a:blip r:embed="rId3">
+            <a:extLst>
+              <a:ext uri="{28A0092B-C50C-407E-A947-70E740481C1C}">
+                <a14:useLocalDpi xmlns:a14="http://schemas.microsoft.com/office/drawing/2010/main" val="0"/>
+              </a:ext>
+            </a:extLst>
+          </a:blip>
+          <a:srcRect l="2469"/>
+          <a:stretch/>
+        </p:blipFill>
+        <p:spPr bwMode="auto">
+          <a:xfrm>
+            <a:off x="2715894" y="1373505"/>
+            <a:ext cx="2941955" cy="2998470"/>
+          </a:xfrm>
+          <a:prstGeom prst="rect">
+            <a:avLst/>
+          </a:prstGeom>
+          <a:ln>
+            <a:noFill/>
+          </a:ln>
+          <a:extLst>
+            <a:ext uri="{53640926-AAD7-44D8-BBD7-CCE9431645EC}">
+              <a14:shadowObscured xmlns:a14="http://schemas.microsoft.com/office/drawing/2010/main"/>
+            </a:ext>
+          </a:extLst>
+        </p:spPr>
+      </p:pic>
+    </p:spTree>
+    <p:extLst>
+      <p:ext uri="{BB962C8B-B14F-4D97-AF65-F5344CB8AC3E}">
+        <p14:creationId xmlns:p14="http://schemas.microsoft.com/office/powerpoint/2010/main" val="1720013140"/>
       </p:ext>
     </p:extLst>
   </p:cSld>
@@ -4666,16 +5361,13 @@
         </p:nvCxnSpPr>
         <p:spPr>
           <a:xfrm flipV="1">
-            <a:off x="3489649" y="793102"/>
+            <a:off x="3508310" y="625151"/>
             <a:ext cx="0" cy="596427"/>
           </a:xfrm>
           <a:prstGeom prst="straightConnector1">
             <a:avLst/>
           </a:prstGeom>
           <a:ln w="28575">
-            <a:solidFill>
-              <a:srgbClr val="FF0000"/>
-            </a:solidFill>
             <a:tailEnd type="triangle"/>
           </a:ln>
         </p:spPr>
@@ -4708,16 +5400,13 @@
         </p:nvCxnSpPr>
         <p:spPr>
           <a:xfrm flipV="1">
-            <a:off x="7066384" y="757243"/>
+            <a:off x="7066384" y="625151"/>
             <a:ext cx="0" cy="596427"/>
           </a:xfrm>
           <a:prstGeom prst="straightConnector1">
             <a:avLst/>
           </a:prstGeom>
           <a:ln w="28575">
-            <a:solidFill>
-              <a:srgbClr val="FF0000"/>
-            </a:solidFill>
             <a:tailEnd type="triangle"/>
           </a:ln>
         </p:spPr>
@@ -4740,6 +5429,5702 @@
     <p:extLst>
       <p:ext uri="{BB962C8B-B14F-4D97-AF65-F5344CB8AC3E}">
         <p14:creationId xmlns:p14="http://schemas.microsoft.com/office/powerpoint/2010/main" val="2656779183"/>
+      </p:ext>
+    </p:extLst>
+  </p:cSld>
+  <p:clrMapOvr>
+    <a:masterClrMapping/>
+  </p:clrMapOvr>
+</p:sld>
+</file>
+
+<file path=ppt/slides/slide3.xml><?xml version="1.0" encoding="utf-8"?>
+<p:sld xmlns:a="http://schemas.openxmlformats.org/drawingml/2006/main" xmlns:r="http://schemas.openxmlformats.org/officeDocument/2006/relationships" xmlns:p="http://schemas.openxmlformats.org/presentationml/2006/main">
+  <p:cSld>
+    <p:spTree>
+      <p:nvGrpSpPr>
+        <p:cNvPr id="1" name=""/>
+        <p:cNvGrpSpPr/>
+        <p:nvPr/>
+      </p:nvGrpSpPr>
+      <p:grpSpPr>
+        <a:xfrm>
+          <a:off x="0" y="0"/>
+          <a:ext cx="0" cy="0"/>
+          <a:chOff x="0" y="0"/>
+          <a:chExt cx="0" cy="0"/>
+        </a:xfrm>
+      </p:grpSpPr>
+      <p:pic>
+        <p:nvPicPr>
+          <p:cNvPr id="4" name="Picture 3">
+            <a:extLst>
+              <a:ext uri="{FF2B5EF4-FFF2-40B4-BE49-F238E27FC236}">
+                <a16:creationId xmlns:a16="http://schemas.microsoft.com/office/drawing/2014/main" id="{E35C8BD4-12F8-4F5C-965A-4793C6614CBE}"/>
+              </a:ext>
+            </a:extLst>
+          </p:cNvPr>
+          <p:cNvPicPr>
+            <a:picLocks noChangeAspect="1"/>
+          </p:cNvPicPr>
+          <p:nvPr/>
+        </p:nvPicPr>
+        <p:blipFill rotWithShape="1">
+          <a:blip r:embed="rId2"/>
+          <a:srcRect b="2147"/>
+          <a:stretch/>
+        </p:blipFill>
+        <p:spPr>
+          <a:xfrm>
+            <a:off x="4295775" y="1115202"/>
+            <a:ext cx="3600450" cy="4455173"/>
+          </a:xfrm>
+          <a:prstGeom prst="rect">
+            <a:avLst/>
+          </a:prstGeom>
+        </p:spPr>
+      </p:pic>
+      <p:cxnSp>
+        <p:nvCxnSpPr>
+          <p:cNvPr id="6" name="Straight Connector 5">
+            <a:extLst>
+              <a:ext uri="{FF2B5EF4-FFF2-40B4-BE49-F238E27FC236}">
+                <a16:creationId xmlns:a16="http://schemas.microsoft.com/office/drawing/2014/main" id="{1C351E3A-2345-47DE-BAAC-C28D35E01D2C}"/>
+              </a:ext>
+            </a:extLst>
+          </p:cNvPr>
+          <p:cNvCxnSpPr>
+            <a:cxnSpLocks/>
+          </p:cNvCxnSpPr>
+          <p:nvPr/>
+        </p:nvCxnSpPr>
+        <p:spPr>
+          <a:xfrm>
+            <a:off x="4295775" y="3275861"/>
+            <a:ext cx="3600450" cy="0"/>
+          </a:xfrm>
+          <a:prstGeom prst="line">
+            <a:avLst/>
+          </a:prstGeom>
+          <a:ln>
+            <a:prstDash val="dash"/>
+          </a:ln>
+        </p:spPr>
+        <p:style>
+          <a:lnRef idx="1">
+            <a:schemeClr val="dk1"/>
+          </a:lnRef>
+          <a:fillRef idx="0">
+            <a:schemeClr val="dk1"/>
+          </a:fillRef>
+          <a:effectRef idx="0">
+            <a:schemeClr val="dk1"/>
+          </a:effectRef>
+          <a:fontRef idx="minor">
+            <a:schemeClr val="tx1"/>
+          </a:fontRef>
+        </p:style>
+      </p:cxnSp>
+      <p:cxnSp>
+        <p:nvCxnSpPr>
+          <p:cNvPr id="8" name="Straight Connector 7">
+            <a:extLst>
+              <a:ext uri="{FF2B5EF4-FFF2-40B4-BE49-F238E27FC236}">
+                <a16:creationId xmlns:a16="http://schemas.microsoft.com/office/drawing/2014/main" id="{3B67C487-6662-40EA-A5A9-86A585FC5143}"/>
+              </a:ext>
+            </a:extLst>
+          </p:cNvPr>
+          <p:cNvCxnSpPr/>
+          <p:nvPr/>
+        </p:nvCxnSpPr>
+        <p:spPr>
+          <a:xfrm>
+            <a:off x="5374433" y="5710335"/>
+            <a:ext cx="0" cy="233265"/>
+          </a:xfrm>
+          <a:prstGeom prst="line">
+            <a:avLst/>
+          </a:prstGeom>
+        </p:spPr>
+        <p:style>
+          <a:lnRef idx="1">
+            <a:schemeClr val="dk1"/>
+          </a:lnRef>
+          <a:fillRef idx="0">
+            <a:schemeClr val="dk1"/>
+          </a:fillRef>
+          <a:effectRef idx="0">
+            <a:schemeClr val="dk1"/>
+          </a:effectRef>
+          <a:fontRef idx="minor">
+            <a:schemeClr val="tx1"/>
+          </a:fontRef>
+        </p:style>
+      </p:cxnSp>
+      <p:cxnSp>
+        <p:nvCxnSpPr>
+          <p:cNvPr id="9" name="Straight Connector 8">
+            <a:extLst>
+              <a:ext uri="{FF2B5EF4-FFF2-40B4-BE49-F238E27FC236}">
+                <a16:creationId xmlns:a16="http://schemas.microsoft.com/office/drawing/2014/main" id="{0E983B99-F538-492E-88E1-C26CB4B6CFDB}"/>
+              </a:ext>
+            </a:extLst>
+          </p:cNvPr>
+          <p:cNvCxnSpPr/>
+          <p:nvPr/>
+        </p:nvCxnSpPr>
+        <p:spPr>
+          <a:xfrm>
+            <a:off x="6805127" y="5702310"/>
+            <a:ext cx="0" cy="233265"/>
+          </a:xfrm>
+          <a:prstGeom prst="line">
+            <a:avLst/>
+          </a:prstGeom>
+        </p:spPr>
+        <p:style>
+          <a:lnRef idx="1">
+            <a:schemeClr val="dk1"/>
+          </a:lnRef>
+          <a:fillRef idx="0">
+            <a:schemeClr val="dk1"/>
+          </a:fillRef>
+          <a:effectRef idx="0">
+            <a:schemeClr val="dk1"/>
+          </a:effectRef>
+          <a:fontRef idx="minor">
+            <a:schemeClr val="tx1"/>
+          </a:fontRef>
+        </p:style>
+      </p:cxnSp>
+      <p:cxnSp>
+        <p:nvCxnSpPr>
+          <p:cNvPr id="11" name="Straight Arrow Connector 10">
+            <a:extLst>
+              <a:ext uri="{FF2B5EF4-FFF2-40B4-BE49-F238E27FC236}">
+                <a16:creationId xmlns:a16="http://schemas.microsoft.com/office/drawing/2014/main" id="{F8A293AB-F34A-48E0-84E6-5A9C82A6EDC6}"/>
+              </a:ext>
+            </a:extLst>
+          </p:cNvPr>
+          <p:cNvCxnSpPr/>
+          <p:nvPr/>
+        </p:nvCxnSpPr>
+        <p:spPr>
+          <a:xfrm>
+            <a:off x="5374433" y="5827776"/>
+            <a:ext cx="1430694" cy="0"/>
+          </a:xfrm>
+          <a:prstGeom prst="straightConnector1">
+            <a:avLst/>
+          </a:prstGeom>
+          <a:ln>
+            <a:headEnd type="triangle"/>
+            <a:tailEnd type="triangle"/>
+          </a:ln>
+        </p:spPr>
+        <p:style>
+          <a:lnRef idx="1">
+            <a:schemeClr val="dk1"/>
+          </a:lnRef>
+          <a:fillRef idx="0">
+            <a:schemeClr val="dk1"/>
+          </a:fillRef>
+          <a:effectRef idx="0">
+            <a:schemeClr val="dk1"/>
+          </a:effectRef>
+          <a:fontRef idx="minor">
+            <a:schemeClr val="tx1"/>
+          </a:fontRef>
+        </p:style>
+      </p:cxnSp>
+      <p:cxnSp>
+        <p:nvCxnSpPr>
+          <p:cNvPr id="12" name="Straight Connector 11">
+            <a:extLst>
+              <a:ext uri="{FF2B5EF4-FFF2-40B4-BE49-F238E27FC236}">
+                <a16:creationId xmlns:a16="http://schemas.microsoft.com/office/drawing/2014/main" id="{E2EBFDEC-AD45-4D33-BE58-66BD48FB19E5}"/>
+              </a:ext>
+            </a:extLst>
+          </p:cNvPr>
+          <p:cNvCxnSpPr/>
+          <p:nvPr/>
+        </p:nvCxnSpPr>
+        <p:spPr>
+          <a:xfrm>
+            <a:off x="4655603" y="881937"/>
+            <a:ext cx="0" cy="233265"/>
+          </a:xfrm>
+          <a:prstGeom prst="line">
+            <a:avLst/>
+          </a:prstGeom>
+        </p:spPr>
+        <p:style>
+          <a:lnRef idx="1">
+            <a:schemeClr val="dk1"/>
+          </a:lnRef>
+          <a:fillRef idx="0">
+            <a:schemeClr val="dk1"/>
+          </a:fillRef>
+          <a:effectRef idx="0">
+            <a:schemeClr val="dk1"/>
+          </a:effectRef>
+          <a:fontRef idx="minor">
+            <a:schemeClr val="tx1"/>
+          </a:fontRef>
+        </p:style>
+      </p:cxnSp>
+      <p:cxnSp>
+        <p:nvCxnSpPr>
+          <p:cNvPr id="17" name="Straight Connector 16">
+            <a:extLst>
+              <a:ext uri="{FF2B5EF4-FFF2-40B4-BE49-F238E27FC236}">
+                <a16:creationId xmlns:a16="http://schemas.microsoft.com/office/drawing/2014/main" id="{20F308C3-2B64-48F1-BF2F-FD44E870C1E4}"/>
+              </a:ext>
+            </a:extLst>
+          </p:cNvPr>
+          <p:cNvCxnSpPr/>
+          <p:nvPr/>
+        </p:nvCxnSpPr>
+        <p:spPr>
+          <a:xfrm>
+            <a:off x="4338320" y="2794000"/>
+            <a:ext cx="0" cy="182880"/>
+          </a:xfrm>
+          <a:prstGeom prst="line">
+            <a:avLst/>
+          </a:prstGeom>
+          <a:ln>
+            <a:prstDash val="dash"/>
+          </a:ln>
+        </p:spPr>
+        <p:style>
+          <a:lnRef idx="1">
+            <a:schemeClr val="dk1"/>
+          </a:lnRef>
+          <a:fillRef idx="0">
+            <a:schemeClr val="dk1"/>
+          </a:fillRef>
+          <a:effectRef idx="0">
+            <a:schemeClr val="dk1"/>
+          </a:effectRef>
+          <a:fontRef idx="minor">
+            <a:schemeClr val="tx1"/>
+          </a:fontRef>
+        </p:style>
+      </p:cxnSp>
+      <p:cxnSp>
+        <p:nvCxnSpPr>
+          <p:cNvPr id="19" name="Straight Arrow Connector 18">
+            <a:extLst>
+              <a:ext uri="{FF2B5EF4-FFF2-40B4-BE49-F238E27FC236}">
+                <a16:creationId xmlns:a16="http://schemas.microsoft.com/office/drawing/2014/main" id="{5053FA6B-CD87-4C92-A08D-904A92BA44C8}"/>
+              </a:ext>
+            </a:extLst>
+          </p:cNvPr>
+          <p:cNvCxnSpPr/>
+          <p:nvPr/>
+        </p:nvCxnSpPr>
+        <p:spPr>
+          <a:xfrm>
+            <a:off x="4338320" y="2880360"/>
+            <a:ext cx="1036113" cy="0"/>
+          </a:xfrm>
+          <a:prstGeom prst="straightConnector1">
+            <a:avLst/>
+          </a:prstGeom>
+          <a:ln>
+            <a:headEnd type="triangle"/>
+            <a:tailEnd type="triangle"/>
+          </a:ln>
+        </p:spPr>
+        <p:style>
+          <a:lnRef idx="1">
+            <a:schemeClr val="dk1"/>
+          </a:lnRef>
+          <a:fillRef idx="0">
+            <a:schemeClr val="dk1"/>
+          </a:fillRef>
+          <a:effectRef idx="0">
+            <a:schemeClr val="dk1"/>
+          </a:effectRef>
+          <a:fontRef idx="minor">
+            <a:schemeClr val="tx1"/>
+          </a:fontRef>
+        </p:style>
+      </p:cxnSp>
+      <p:cxnSp>
+        <p:nvCxnSpPr>
+          <p:cNvPr id="22" name="Straight Connector 21">
+            <a:extLst>
+              <a:ext uri="{FF2B5EF4-FFF2-40B4-BE49-F238E27FC236}">
+                <a16:creationId xmlns:a16="http://schemas.microsoft.com/office/drawing/2014/main" id="{C93D1F37-F9FF-4631-96BF-135E7B94746A}"/>
+              </a:ext>
+            </a:extLst>
+          </p:cNvPr>
+          <p:cNvCxnSpPr/>
+          <p:nvPr/>
+        </p:nvCxnSpPr>
+        <p:spPr>
+          <a:xfrm>
+            <a:off x="4338320" y="886509"/>
+            <a:ext cx="0" cy="233265"/>
+          </a:xfrm>
+          <a:prstGeom prst="line">
+            <a:avLst/>
+          </a:prstGeom>
+        </p:spPr>
+        <p:style>
+          <a:lnRef idx="1">
+            <a:schemeClr val="dk1"/>
+          </a:lnRef>
+          <a:fillRef idx="0">
+            <a:schemeClr val="dk1"/>
+          </a:fillRef>
+          <a:effectRef idx="0">
+            <a:schemeClr val="dk1"/>
+          </a:effectRef>
+          <a:fontRef idx="minor">
+            <a:schemeClr val="tx1"/>
+          </a:fontRef>
+        </p:style>
+      </p:cxnSp>
+      <p:cxnSp>
+        <p:nvCxnSpPr>
+          <p:cNvPr id="24" name="Straight Arrow Connector 23">
+            <a:extLst>
+              <a:ext uri="{FF2B5EF4-FFF2-40B4-BE49-F238E27FC236}">
+                <a16:creationId xmlns:a16="http://schemas.microsoft.com/office/drawing/2014/main" id="{16962492-049A-49B1-B286-8234C76EEB84}"/>
+              </a:ext>
+            </a:extLst>
+          </p:cNvPr>
+          <p:cNvCxnSpPr/>
+          <p:nvPr/>
+        </p:nvCxnSpPr>
+        <p:spPr>
+          <a:xfrm>
+            <a:off x="4338320" y="998220"/>
+            <a:ext cx="317283" cy="0"/>
+          </a:xfrm>
+          <a:prstGeom prst="straightConnector1">
+            <a:avLst/>
+          </a:prstGeom>
+          <a:ln>
+            <a:headEnd type="triangle"/>
+            <a:tailEnd type="triangle"/>
+          </a:ln>
+        </p:spPr>
+        <p:style>
+          <a:lnRef idx="1">
+            <a:schemeClr val="dk1"/>
+          </a:lnRef>
+          <a:fillRef idx="0">
+            <a:schemeClr val="dk1"/>
+          </a:fillRef>
+          <a:effectRef idx="0">
+            <a:schemeClr val="dk1"/>
+          </a:effectRef>
+          <a:fontRef idx="minor">
+            <a:schemeClr val="tx1"/>
+          </a:fontRef>
+        </p:style>
+      </p:cxnSp>
+      <p:cxnSp>
+        <p:nvCxnSpPr>
+          <p:cNvPr id="26" name="Straight Connector 25">
+            <a:extLst>
+              <a:ext uri="{FF2B5EF4-FFF2-40B4-BE49-F238E27FC236}">
+                <a16:creationId xmlns:a16="http://schemas.microsoft.com/office/drawing/2014/main" id="{D5472D47-1316-4AA6-8C3F-17C44E7642D4}"/>
+              </a:ext>
+            </a:extLst>
+          </p:cNvPr>
+          <p:cNvCxnSpPr>
+            <a:cxnSpLocks/>
+          </p:cNvCxnSpPr>
+          <p:nvPr/>
+        </p:nvCxnSpPr>
+        <p:spPr>
+          <a:xfrm flipH="1">
+            <a:off x="3368040" y="5570375"/>
+            <a:ext cx="1889761" cy="0"/>
+          </a:xfrm>
+          <a:prstGeom prst="line">
+            <a:avLst/>
+          </a:prstGeom>
+          <a:ln>
+            <a:prstDash val="dash"/>
+          </a:ln>
+        </p:spPr>
+        <p:style>
+          <a:lnRef idx="1">
+            <a:schemeClr val="dk1"/>
+          </a:lnRef>
+          <a:fillRef idx="0">
+            <a:schemeClr val="dk1"/>
+          </a:fillRef>
+          <a:effectRef idx="0">
+            <a:schemeClr val="dk1"/>
+          </a:effectRef>
+          <a:fontRef idx="minor">
+            <a:schemeClr val="tx1"/>
+          </a:fontRef>
+        </p:style>
+      </p:cxnSp>
+      <p:cxnSp>
+        <p:nvCxnSpPr>
+          <p:cNvPr id="28" name="Straight Arrow Connector 27">
+            <a:extLst>
+              <a:ext uri="{FF2B5EF4-FFF2-40B4-BE49-F238E27FC236}">
+                <a16:creationId xmlns:a16="http://schemas.microsoft.com/office/drawing/2014/main" id="{72AC0DFF-766D-4D4D-B09A-B489FA1E87C5}"/>
+              </a:ext>
+            </a:extLst>
+          </p:cNvPr>
+          <p:cNvCxnSpPr/>
+          <p:nvPr/>
+        </p:nvCxnSpPr>
+        <p:spPr>
+          <a:xfrm flipV="1">
+            <a:off x="5137041" y="3289449"/>
+            <a:ext cx="0" cy="2280926"/>
+          </a:xfrm>
+          <a:prstGeom prst="straightConnector1">
+            <a:avLst/>
+          </a:prstGeom>
+          <a:ln>
+            <a:headEnd type="triangle"/>
+            <a:tailEnd type="triangle"/>
+          </a:ln>
+        </p:spPr>
+        <p:style>
+          <a:lnRef idx="1">
+            <a:schemeClr val="dk1"/>
+          </a:lnRef>
+          <a:fillRef idx="0">
+            <a:schemeClr val="dk1"/>
+          </a:fillRef>
+          <a:effectRef idx="0">
+            <a:schemeClr val="dk1"/>
+          </a:effectRef>
+          <a:fontRef idx="minor">
+            <a:schemeClr val="tx1"/>
+          </a:fontRef>
+        </p:style>
+      </p:cxnSp>
+      <p:cxnSp>
+        <p:nvCxnSpPr>
+          <p:cNvPr id="30" name="Straight Connector 29">
+            <a:extLst>
+              <a:ext uri="{FF2B5EF4-FFF2-40B4-BE49-F238E27FC236}">
+                <a16:creationId xmlns:a16="http://schemas.microsoft.com/office/drawing/2014/main" id="{7345F5CD-CB54-4269-98E3-94690AB99848}"/>
+              </a:ext>
+            </a:extLst>
+          </p:cNvPr>
+          <p:cNvCxnSpPr/>
+          <p:nvPr/>
+        </p:nvCxnSpPr>
+        <p:spPr>
+          <a:xfrm>
+            <a:off x="6911340" y="3108960"/>
+            <a:ext cx="289560" cy="0"/>
+          </a:xfrm>
+          <a:prstGeom prst="line">
+            <a:avLst/>
+          </a:prstGeom>
+          <a:ln>
+            <a:prstDash val="dash"/>
+          </a:ln>
+        </p:spPr>
+        <p:style>
+          <a:lnRef idx="1">
+            <a:schemeClr val="dk1"/>
+          </a:lnRef>
+          <a:fillRef idx="0">
+            <a:schemeClr val="dk1"/>
+          </a:fillRef>
+          <a:effectRef idx="0">
+            <a:schemeClr val="dk1"/>
+          </a:effectRef>
+          <a:fontRef idx="minor">
+            <a:schemeClr val="tx1"/>
+          </a:fontRef>
+        </p:style>
+      </p:cxnSp>
+      <p:cxnSp>
+        <p:nvCxnSpPr>
+          <p:cNvPr id="31" name="Straight Connector 30">
+            <a:extLst>
+              <a:ext uri="{FF2B5EF4-FFF2-40B4-BE49-F238E27FC236}">
+                <a16:creationId xmlns:a16="http://schemas.microsoft.com/office/drawing/2014/main" id="{A2BF9F4D-8FCE-4007-B7F2-82D52C2B7EA2}"/>
+              </a:ext>
+            </a:extLst>
+          </p:cNvPr>
+          <p:cNvCxnSpPr/>
+          <p:nvPr/>
+        </p:nvCxnSpPr>
+        <p:spPr>
+          <a:xfrm>
+            <a:off x="6911340" y="3533775"/>
+            <a:ext cx="289560" cy="0"/>
+          </a:xfrm>
+          <a:prstGeom prst="line">
+            <a:avLst/>
+          </a:prstGeom>
+          <a:ln>
+            <a:prstDash val="dash"/>
+          </a:ln>
+        </p:spPr>
+        <p:style>
+          <a:lnRef idx="1">
+            <a:schemeClr val="dk1"/>
+          </a:lnRef>
+          <a:fillRef idx="0">
+            <a:schemeClr val="dk1"/>
+          </a:fillRef>
+          <a:effectRef idx="0">
+            <a:schemeClr val="dk1"/>
+          </a:effectRef>
+          <a:fontRef idx="minor">
+            <a:schemeClr val="tx1"/>
+          </a:fontRef>
+        </p:style>
+      </p:cxnSp>
+      <p:cxnSp>
+        <p:nvCxnSpPr>
+          <p:cNvPr id="33" name="Straight Arrow Connector 32">
+            <a:extLst>
+              <a:ext uri="{FF2B5EF4-FFF2-40B4-BE49-F238E27FC236}">
+                <a16:creationId xmlns:a16="http://schemas.microsoft.com/office/drawing/2014/main" id="{1A230B14-C692-4AD1-97CE-3DC8A2D632A5}"/>
+              </a:ext>
+            </a:extLst>
+          </p:cNvPr>
+          <p:cNvCxnSpPr/>
+          <p:nvPr/>
+        </p:nvCxnSpPr>
+        <p:spPr>
+          <a:xfrm>
+            <a:off x="7056120" y="3108960"/>
+            <a:ext cx="0" cy="419102"/>
+          </a:xfrm>
+          <a:prstGeom prst="straightConnector1">
+            <a:avLst/>
+          </a:prstGeom>
+          <a:ln>
+            <a:headEnd type="triangle"/>
+            <a:tailEnd type="triangle"/>
+          </a:ln>
+        </p:spPr>
+        <p:style>
+          <a:lnRef idx="1">
+            <a:schemeClr val="dk1"/>
+          </a:lnRef>
+          <a:fillRef idx="0">
+            <a:schemeClr val="dk1"/>
+          </a:fillRef>
+          <a:effectRef idx="0">
+            <a:schemeClr val="dk1"/>
+          </a:effectRef>
+          <a:fontRef idx="minor">
+            <a:schemeClr val="tx1"/>
+          </a:fontRef>
+        </p:style>
+      </p:cxnSp>
+      <p:cxnSp>
+        <p:nvCxnSpPr>
+          <p:cNvPr id="34" name="Straight Connector 33">
+            <a:extLst>
+              <a:ext uri="{FF2B5EF4-FFF2-40B4-BE49-F238E27FC236}">
+                <a16:creationId xmlns:a16="http://schemas.microsoft.com/office/drawing/2014/main" id="{6B991A39-C654-4BBF-B372-FEBDEF25F15C}"/>
+              </a:ext>
+            </a:extLst>
+          </p:cNvPr>
+          <p:cNvCxnSpPr/>
+          <p:nvPr/>
+        </p:nvCxnSpPr>
+        <p:spPr>
+          <a:xfrm>
+            <a:off x="7978140" y="2726055"/>
+            <a:ext cx="289560" cy="0"/>
+          </a:xfrm>
+          <a:prstGeom prst="line">
+            <a:avLst/>
+          </a:prstGeom>
+          <a:ln>
+            <a:prstDash val="dash"/>
+          </a:ln>
+        </p:spPr>
+        <p:style>
+          <a:lnRef idx="1">
+            <a:schemeClr val="dk1"/>
+          </a:lnRef>
+          <a:fillRef idx="0">
+            <a:schemeClr val="dk1"/>
+          </a:fillRef>
+          <a:effectRef idx="0">
+            <a:schemeClr val="dk1"/>
+          </a:effectRef>
+          <a:fontRef idx="minor">
+            <a:schemeClr val="tx1"/>
+          </a:fontRef>
+        </p:style>
+      </p:cxnSp>
+      <p:cxnSp>
+        <p:nvCxnSpPr>
+          <p:cNvPr id="35" name="Straight Connector 34">
+            <a:extLst>
+              <a:ext uri="{FF2B5EF4-FFF2-40B4-BE49-F238E27FC236}">
+                <a16:creationId xmlns:a16="http://schemas.microsoft.com/office/drawing/2014/main" id="{B3670ED4-D042-41FA-B305-AF26F9169E16}"/>
+              </a:ext>
+            </a:extLst>
+          </p:cNvPr>
+          <p:cNvCxnSpPr/>
+          <p:nvPr/>
+        </p:nvCxnSpPr>
+        <p:spPr>
+          <a:xfrm>
+            <a:off x="7978140" y="2306955"/>
+            <a:ext cx="289560" cy="0"/>
+          </a:xfrm>
+          <a:prstGeom prst="line">
+            <a:avLst/>
+          </a:prstGeom>
+          <a:ln>
+            <a:prstDash val="dash"/>
+          </a:ln>
+        </p:spPr>
+        <p:style>
+          <a:lnRef idx="1">
+            <a:schemeClr val="dk1"/>
+          </a:lnRef>
+          <a:fillRef idx="0">
+            <a:schemeClr val="dk1"/>
+          </a:fillRef>
+          <a:effectRef idx="0">
+            <a:schemeClr val="dk1"/>
+          </a:effectRef>
+          <a:fontRef idx="minor">
+            <a:schemeClr val="tx1"/>
+          </a:fontRef>
+        </p:style>
+      </p:cxnSp>
+      <p:cxnSp>
+        <p:nvCxnSpPr>
+          <p:cNvPr id="37" name="Straight Arrow Connector 36">
+            <a:extLst>
+              <a:ext uri="{FF2B5EF4-FFF2-40B4-BE49-F238E27FC236}">
+                <a16:creationId xmlns:a16="http://schemas.microsoft.com/office/drawing/2014/main" id="{6E19E000-A71D-474F-91BC-3995F6076247}"/>
+              </a:ext>
+            </a:extLst>
+          </p:cNvPr>
+          <p:cNvCxnSpPr/>
+          <p:nvPr/>
+        </p:nvCxnSpPr>
+        <p:spPr>
+          <a:xfrm>
+            <a:off x="8122920" y="2306955"/>
+            <a:ext cx="0" cy="419100"/>
+          </a:xfrm>
+          <a:prstGeom prst="straightConnector1">
+            <a:avLst/>
+          </a:prstGeom>
+          <a:ln>
+            <a:headEnd type="triangle"/>
+            <a:tailEnd type="triangle"/>
+          </a:ln>
+        </p:spPr>
+        <p:style>
+          <a:lnRef idx="1">
+            <a:schemeClr val="dk1"/>
+          </a:lnRef>
+          <a:fillRef idx="0">
+            <a:schemeClr val="dk1"/>
+          </a:fillRef>
+          <a:effectRef idx="0">
+            <a:schemeClr val="dk1"/>
+          </a:effectRef>
+          <a:fontRef idx="minor">
+            <a:schemeClr val="tx1"/>
+          </a:fontRef>
+        </p:style>
+      </p:cxnSp>
+      <p:cxnSp>
+        <p:nvCxnSpPr>
+          <p:cNvPr id="40" name="Straight Connector 39">
+            <a:extLst>
+              <a:ext uri="{FF2B5EF4-FFF2-40B4-BE49-F238E27FC236}">
+                <a16:creationId xmlns:a16="http://schemas.microsoft.com/office/drawing/2014/main" id="{36C90A51-786F-4FD0-97F0-A93FAF54DCE1}"/>
+              </a:ext>
+            </a:extLst>
+          </p:cNvPr>
+          <p:cNvCxnSpPr>
+            <a:cxnSpLocks/>
+          </p:cNvCxnSpPr>
+          <p:nvPr/>
+        </p:nvCxnSpPr>
+        <p:spPr>
+          <a:xfrm flipH="1">
+            <a:off x="3433665" y="2726055"/>
+            <a:ext cx="782735" cy="0"/>
+          </a:xfrm>
+          <a:prstGeom prst="line">
+            <a:avLst/>
+          </a:prstGeom>
+          <a:ln>
+            <a:prstDash val="dash"/>
+          </a:ln>
+        </p:spPr>
+        <p:style>
+          <a:lnRef idx="1">
+            <a:schemeClr val="dk1"/>
+          </a:lnRef>
+          <a:fillRef idx="0">
+            <a:schemeClr val="dk1"/>
+          </a:fillRef>
+          <a:effectRef idx="0">
+            <a:schemeClr val="dk1"/>
+          </a:effectRef>
+          <a:fontRef idx="minor">
+            <a:schemeClr val="tx1"/>
+          </a:fontRef>
+        </p:style>
+      </p:cxnSp>
+      <p:cxnSp>
+        <p:nvCxnSpPr>
+          <p:cNvPr id="43" name="Straight Arrow Connector 42">
+            <a:extLst>
+              <a:ext uri="{FF2B5EF4-FFF2-40B4-BE49-F238E27FC236}">
+                <a16:creationId xmlns:a16="http://schemas.microsoft.com/office/drawing/2014/main" id="{FF797961-46AF-46F7-A386-695C5CAA3594}"/>
+              </a:ext>
+            </a:extLst>
+          </p:cNvPr>
+          <p:cNvCxnSpPr/>
+          <p:nvPr/>
+        </p:nvCxnSpPr>
+        <p:spPr>
+          <a:xfrm>
+            <a:off x="3657600" y="2726055"/>
+            <a:ext cx="0" cy="2844320"/>
+          </a:xfrm>
+          <a:prstGeom prst="straightConnector1">
+            <a:avLst/>
+          </a:prstGeom>
+          <a:ln>
+            <a:headEnd type="triangle"/>
+            <a:tailEnd type="triangle"/>
+          </a:ln>
+        </p:spPr>
+        <p:style>
+          <a:lnRef idx="1">
+            <a:schemeClr val="dk1"/>
+          </a:lnRef>
+          <a:fillRef idx="0">
+            <a:schemeClr val="dk1"/>
+          </a:fillRef>
+          <a:effectRef idx="0">
+            <a:schemeClr val="dk1"/>
+          </a:effectRef>
+          <a:fontRef idx="minor">
+            <a:schemeClr val="tx1"/>
+          </a:fontRef>
+        </p:style>
+      </p:cxnSp>
+      <p:cxnSp>
+        <p:nvCxnSpPr>
+          <p:cNvPr id="45" name="Straight Connector 44">
+            <a:extLst>
+              <a:ext uri="{FF2B5EF4-FFF2-40B4-BE49-F238E27FC236}">
+                <a16:creationId xmlns:a16="http://schemas.microsoft.com/office/drawing/2014/main" id="{F59179DA-4A90-493C-8952-C1C4CA562339}"/>
+              </a:ext>
+            </a:extLst>
+          </p:cNvPr>
+          <p:cNvCxnSpPr>
+            <a:cxnSpLocks/>
+          </p:cNvCxnSpPr>
+          <p:nvPr/>
+        </p:nvCxnSpPr>
+        <p:spPr>
+          <a:xfrm flipH="1">
+            <a:off x="3433665" y="1164336"/>
+            <a:ext cx="862111" cy="0"/>
+          </a:xfrm>
+          <a:prstGeom prst="line">
+            <a:avLst/>
+          </a:prstGeom>
+          <a:ln>
+            <a:prstDash val="dash"/>
+          </a:ln>
+        </p:spPr>
+        <p:style>
+          <a:lnRef idx="1">
+            <a:schemeClr val="dk1"/>
+          </a:lnRef>
+          <a:fillRef idx="0">
+            <a:schemeClr val="dk1"/>
+          </a:fillRef>
+          <a:effectRef idx="0">
+            <a:schemeClr val="dk1"/>
+          </a:effectRef>
+          <a:fontRef idx="minor">
+            <a:schemeClr val="tx1"/>
+          </a:fontRef>
+        </p:style>
+      </p:cxnSp>
+      <p:cxnSp>
+        <p:nvCxnSpPr>
+          <p:cNvPr id="48" name="Straight Arrow Connector 47">
+            <a:extLst>
+              <a:ext uri="{FF2B5EF4-FFF2-40B4-BE49-F238E27FC236}">
+                <a16:creationId xmlns:a16="http://schemas.microsoft.com/office/drawing/2014/main" id="{82773FFC-85F9-46BB-8A1C-8D7F57D255F7}"/>
+              </a:ext>
+            </a:extLst>
+          </p:cNvPr>
+          <p:cNvCxnSpPr/>
+          <p:nvPr/>
+        </p:nvCxnSpPr>
+        <p:spPr>
+          <a:xfrm flipV="1">
+            <a:off x="3657600" y="1164336"/>
+            <a:ext cx="0" cy="1561719"/>
+          </a:xfrm>
+          <a:prstGeom prst="straightConnector1">
+            <a:avLst/>
+          </a:prstGeom>
+          <a:ln>
+            <a:headEnd type="triangle"/>
+            <a:tailEnd type="triangle"/>
+          </a:ln>
+        </p:spPr>
+        <p:style>
+          <a:lnRef idx="1">
+            <a:schemeClr val="dk1"/>
+          </a:lnRef>
+          <a:fillRef idx="0">
+            <a:schemeClr val="dk1"/>
+          </a:fillRef>
+          <a:effectRef idx="0">
+            <a:schemeClr val="dk1"/>
+          </a:effectRef>
+          <a:fontRef idx="minor">
+            <a:schemeClr val="tx1"/>
+          </a:fontRef>
+        </p:style>
+      </p:cxnSp>
+      <p:sp>
+        <p:nvSpPr>
+          <p:cNvPr id="2" name="TextBox 1">
+            <a:extLst>
+              <a:ext uri="{FF2B5EF4-FFF2-40B4-BE49-F238E27FC236}">
+                <a16:creationId xmlns:a16="http://schemas.microsoft.com/office/drawing/2014/main" id="{95EEFBB5-E8B1-4BF5-AADE-349963E6E896}"/>
+              </a:ext>
+            </a:extLst>
+          </p:cNvPr>
+          <p:cNvSpPr txBox="1"/>
+          <p:nvPr/>
+        </p:nvSpPr>
+        <p:spPr>
+          <a:xfrm>
+            <a:off x="4295775" y="4286250"/>
+            <a:ext cx="720507" cy="461665"/>
+          </a:xfrm>
+          <a:prstGeom prst="rect">
+            <a:avLst/>
+          </a:prstGeom>
+          <a:noFill/>
+        </p:spPr>
+        <p:txBody>
+          <a:bodyPr wrap="square" rtlCol="0">
+            <a:spAutoFit/>
+          </a:bodyPr>
+          <a:lstStyle/>
+          <a:p>
+            <a:r>
+              <a:rPr lang="en-US" sz="2400" dirty="0" err="1"/>
+              <a:t>H</a:t>
+            </a:r>
+            <a:r>
+              <a:rPr lang="en-US" sz="2400" baseline="-25000" dirty="0" err="1"/>
+              <a:t>fd</a:t>
+            </a:r>
+            <a:endParaRPr lang="en-US" dirty="0"/>
+          </a:p>
+        </p:txBody>
+      </p:sp>
+    </p:spTree>
+    <p:extLst>
+      <p:ext uri="{BB962C8B-B14F-4D97-AF65-F5344CB8AC3E}">
+        <p14:creationId xmlns:p14="http://schemas.microsoft.com/office/powerpoint/2010/main" val="2607858799"/>
+      </p:ext>
+    </p:extLst>
+  </p:cSld>
+  <p:clrMapOvr>
+    <a:masterClrMapping/>
+  </p:clrMapOvr>
+</p:sld>
+</file>
+
+<file path=ppt/slides/slide4.xml><?xml version="1.0" encoding="utf-8"?>
+<p:sld xmlns:a="http://schemas.openxmlformats.org/drawingml/2006/main" xmlns:r="http://schemas.openxmlformats.org/officeDocument/2006/relationships" xmlns:p="http://schemas.openxmlformats.org/presentationml/2006/main">
+  <p:cSld>
+    <p:spTree>
+      <p:nvGrpSpPr>
+        <p:cNvPr id="1" name=""/>
+        <p:cNvGrpSpPr/>
+        <p:nvPr/>
+      </p:nvGrpSpPr>
+      <p:grpSpPr>
+        <a:xfrm>
+          <a:off x="0" y="0"/>
+          <a:ext cx="0" cy="0"/>
+          <a:chOff x="0" y="0"/>
+          <a:chExt cx="0" cy="0"/>
+        </a:xfrm>
+      </p:grpSpPr>
+      <p:pic>
+        <p:nvPicPr>
+          <p:cNvPr id="4" name="Picture 3">
+            <a:extLst>
+              <a:ext uri="{FF2B5EF4-FFF2-40B4-BE49-F238E27FC236}">
+                <a16:creationId xmlns:a16="http://schemas.microsoft.com/office/drawing/2014/main" id="{E35C8BD4-12F8-4F5C-965A-4793C6614CBE}"/>
+              </a:ext>
+            </a:extLst>
+          </p:cNvPr>
+          <p:cNvPicPr>
+            <a:picLocks noChangeAspect="1"/>
+          </p:cNvPicPr>
+          <p:nvPr/>
+        </p:nvPicPr>
+        <p:blipFill rotWithShape="1">
+          <a:blip r:embed="rId2"/>
+          <a:srcRect b="2147"/>
+          <a:stretch/>
+        </p:blipFill>
+        <p:spPr>
+          <a:xfrm>
+            <a:off x="4295775" y="1115202"/>
+            <a:ext cx="3600450" cy="4455173"/>
+          </a:xfrm>
+          <a:prstGeom prst="rect">
+            <a:avLst/>
+          </a:prstGeom>
+        </p:spPr>
+      </p:pic>
+    </p:spTree>
+    <p:extLst>
+      <p:ext uri="{BB962C8B-B14F-4D97-AF65-F5344CB8AC3E}">
+        <p14:creationId xmlns:p14="http://schemas.microsoft.com/office/powerpoint/2010/main" val="974962979"/>
+      </p:ext>
+    </p:extLst>
+  </p:cSld>
+  <p:clrMapOvr>
+    <a:masterClrMapping/>
+  </p:clrMapOvr>
+</p:sld>
+</file>
+
+<file path=ppt/slides/slide5.xml><?xml version="1.0" encoding="utf-8"?>
+<p:sld xmlns:a="http://schemas.openxmlformats.org/drawingml/2006/main" xmlns:r="http://schemas.openxmlformats.org/officeDocument/2006/relationships" xmlns:p="http://schemas.openxmlformats.org/presentationml/2006/main">
+  <p:cSld>
+    <p:spTree>
+      <p:nvGrpSpPr>
+        <p:cNvPr id="1" name=""/>
+        <p:cNvGrpSpPr/>
+        <p:nvPr/>
+      </p:nvGrpSpPr>
+      <p:grpSpPr>
+        <a:xfrm>
+          <a:off x="0" y="0"/>
+          <a:ext cx="0" cy="0"/>
+          <a:chOff x="0" y="0"/>
+          <a:chExt cx="0" cy="0"/>
+        </a:xfrm>
+      </p:grpSpPr>
+      <p:cxnSp>
+        <p:nvCxnSpPr>
+          <p:cNvPr id="5" name="Straight Connector 4">
+            <a:extLst>
+              <a:ext uri="{FF2B5EF4-FFF2-40B4-BE49-F238E27FC236}">
+                <a16:creationId xmlns:a16="http://schemas.microsoft.com/office/drawing/2014/main" id="{E9F41E1F-0B6A-4C67-B925-AB909F5F21AA}"/>
+              </a:ext>
+            </a:extLst>
+          </p:cNvPr>
+          <p:cNvCxnSpPr/>
+          <p:nvPr/>
+        </p:nvCxnSpPr>
+        <p:spPr>
+          <a:xfrm>
+            <a:off x="3275045" y="1744824"/>
+            <a:ext cx="0" cy="1129005"/>
+          </a:xfrm>
+          <a:prstGeom prst="line">
+            <a:avLst/>
+          </a:prstGeom>
+          <a:ln w="38100"/>
+        </p:spPr>
+        <p:style>
+          <a:lnRef idx="2">
+            <a:schemeClr val="dk1"/>
+          </a:lnRef>
+          <a:fillRef idx="0">
+            <a:schemeClr val="dk1"/>
+          </a:fillRef>
+          <a:effectRef idx="1">
+            <a:schemeClr val="dk1"/>
+          </a:effectRef>
+          <a:fontRef idx="minor">
+            <a:schemeClr val="tx1"/>
+          </a:fontRef>
+        </p:style>
+      </p:cxnSp>
+      <p:cxnSp>
+        <p:nvCxnSpPr>
+          <p:cNvPr id="6" name="Straight Connector 5">
+            <a:extLst>
+              <a:ext uri="{FF2B5EF4-FFF2-40B4-BE49-F238E27FC236}">
+                <a16:creationId xmlns:a16="http://schemas.microsoft.com/office/drawing/2014/main" id="{D82104E7-B84F-4600-A78D-130B1FCF1DD3}"/>
+              </a:ext>
+            </a:extLst>
+          </p:cNvPr>
+          <p:cNvCxnSpPr/>
+          <p:nvPr/>
+        </p:nvCxnSpPr>
+        <p:spPr>
+          <a:xfrm>
+            <a:off x="3275045" y="4005942"/>
+            <a:ext cx="0" cy="1129005"/>
+          </a:xfrm>
+          <a:prstGeom prst="line">
+            <a:avLst/>
+          </a:prstGeom>
+          <a:ln w="38100"/>
+        </p:spPr>
+        <p:style>
+          <a:lnRef idx="2">
+            <a:schemeClr val="dk1"/>
+          </a:lnRef>
+          <a:fillRef idx="0">
+            <a:schemeClr val="dk1"/>
+          </a:fillRef>
+          <a:effectRef idx="1">
+            <a:schemeClr val="dk1"/>
+          </a:effectRef>
+          <a:fontRef idx="minor">
+            <a:schemeClr val="tx1"/>
+          </a:fontRef>
+        </p:style>
+      </p:cxnSp>
+      <p:cxnSp>
+        <p:nvCxnSpPr>
+          <p:cNvPr id="7" name="Straight Connector 6">
+            <a:extLst>
+              <a:ext uri="{FF2B5EF4-FFF2-40B4-BE49-F238E27FC236}">
+                <a16:creationId xmlns:a16="http://schemas.microsoft.com/office/drawing/2014/main" id="{E339647E-5F66-4A3A-BC91-E90C6367D0EB}"/>
+              </a:ext>
+            </a:extLst>
+          </p:cNvPr>
+          <p:cNvCxnSpPr/>
+          <p:nvPr/>
+        </p:nvCxnSpPr>
+        <p:spPr>
+          <a:xfrm>
+            <a:off x="7383625" y="1744824"/>
+            <a:ext cx="0" cy="1129005"/>
+          </a:xfrm>
+          <a:prstGeom prst="line">
+            <a:avLst/>
+          </a:prstGeom>
+          <a:ln w="38100"/>
+        </p:spPr>
+        <p:style>
+          <a:lnRef idx="2">
+            <a:schemeClr val="dk1"/>
+          </a:lnRef>
+          <a:fillRef idx="0">
+            <a:schemeClr val="dk1"/>
+          </a:fillRef>
+          <a:effectRef idx="1">
+            <a:schemeClr val="dk1"/>
+          </a:effectRef>
+          <a:fontRef idx="minor">
+            <a:schemeClr val="tx1"/>
+          </a:fontRef>
+        </p:style>
+      </p:cxnSp>
+      <p:cxnSp>
+        <p:nvCxnSpPr>
+          <p:cNvPr id="8" name="Straight Connector 7">
+            <a:extLst>
+              <a:ext uri="{FF2B5EF4-FFF2-40B4-BE49-F238E27FC236}">
+                <a16:creationId xmlns:a16="http://schemas.microsoft.com/office/drawing/2014/main" id="{DA30A53C-5063-49A8-BC54-2A68E54DCD11}"/>
+              </a:ext>
+            </a:extLst>
+          </p:cNvPr>
+          <p:cNvCxnSpPr/>
+          <p:nvPr/>
+        </p:nvCxnSpPr>
+        <p:spPr>
+          <a:xfrm>
+            <a:off x="7383625" y="4005942"/>
+            <a:ext cx="0" cy="1129005"/>
+          </a:xfrm>
+          <a:prstGeom prst="line">
+            <a:avLst/>
+          </a:prstGeom>
+          <a:ln w="38100"/>
+        </p:spPr>
+        <p:style>
+          <a:lnRef idx="2">
+            <a:schemeClr val="dk1"/>
+          </a:lnRef>
+          <a:fillRef idx="0">
+            <a:schemeClr val="dk1"/>
+          </a:fillRef>
+          <a:effectRef idx="1">
+            <a:schemeClr val="dk1"/>
+          </a:effectRef>
+          <a:fontRef idx="minor">
+            <a:schemeClr val="tx1"/>
+          </a:fontRef>
+        </p:style>
+      </p:cxnSp>
+      <p:cxnSp>
+        <p:nvCxnSpPr>
+          <p:cNvPr id="10" name="Straight Arrow Connector 9">
+            <a:extLst>
+              <a:ext uri="{FF2B5EF4-FFF2-40B4-BE49-F238E27FC236}">
+                <a16:creationId xmlns:a16="http://schemas.microsoft.com/office/drawing/2014/main" id="{955AEF60-9948-4863-A8DB-A2572E77398A}"/>
+              </a:ext>
+            </a:extLst>
+          </p:cNvPr>
+          <p:cNvCxnSpPr/>
+          <p:nvPr/>
+        </p:nvCxnSpPr>
+        <p:spPr>
+          <a:xfrm flipV="1">
+            <a:off x="3713584" y="839755"/>
+            <a:ext cx="0" cy="774441"/>
+          </a:xfrm>
+          <a:prstGeom prst="straightConnector1">
+            <a:avLst/>
+          </a:prstGeom>
+          <a:ln w="38100">
+            <a:solidFill>
+              <a:srgbClr val="FF0000"/>
+            </a:solidFill>
+            <a:tailEnd type="triangle"/>
+          </a:ln>
+        </p:spPr>
+        <p:style>
+          <a:lnRef idx="1">
+            <a:schemeClr val="accent1"/>
+          </a:lnRef>
+          <a:fillRef idx="0">
+            <a:schemeClr val="accent1"/>
+          </a:fillRef>
+          <a:effectRef idx="0">
+            <a:schemeClr val="accent1"/>
+          </a:effectRef>
+          <a:fontRef idx="minor">
+            <a:schemeClr val="tx1"/>
+          </a:fontRef>
+        </p:style>
+      </p:cxnSp>
+      <p:cxnSp>
+        <p:nvCxnSpPr>
+          <p:cNvPr id="11" name="Straight Arrow Connector 10">
+            <a:extLst>
+              <a:ext uri="{FF2B5EF4-FFF2-40B4-BE49-F238E27FC236}">
+                <a16:creationId xmlns:a16="http://schemas.microsoft.com/office/drawing/2014/main" id="{DA3D4605-2290-4905-AE62-F9B709D6C60A}"/>
+              </a:ext>
+            </a:extLst>
+          </p:cNvPr>
+          <p:cNvCxnSpPr/>
+          <p:nvPr/>
+        </p:nvCxnSpPr>
+        <p:spPr>
+          <a:xfrm flipV="1">
+            <a:off x="4491135" y="839755"/>
+            <a:ext cx="0" cy="774441"/>
+          </a:xfrm>
+          <a:prstGeom prst="straightConnector1">
+            <a:avLst/>
+          </a:prstGeom>
+          <a:ln w="38100">
+            <a:solidFill>
+              <a:srgbClr val="FF0000"/>
+            </a:solidFill>
+            <a:tailEnd type="triangle"/>
+          </a:ln>
+        </p:spPr>
+        <p:style>
+          <a:lnRef idx="1">
+            <a:schemeClr val="accent1"/>
+          </a:lnRef>
+          <a:fillRef idx="0">
+            <a:schemeClr val="accent1"/>
+          </a:fillRef>
+          <a:effectRef idx="0">
+            <a:schemeClr val="accent1"/>
+          </a:effectRef>
+          <a:fontRef idx="minor">
+            <a:schemeClr val="tx1"/>
+          </a:fontRef>
+        </p:style>
+      </p:cxnSp>
+      <p:cxnSp>
+        <p:nvCxnSpPr>
+          <p:cNvPr id="12" name="Straight Arrow Connector 11">
+            <a:extLst>
+              <a:ext uri="{FF2B5EF4-FFF2-40B4-BE49-F238E27FC236}">
+                <a16:creationId xmlns:a16="http://schemas.microsoft.com/office/drawing/2014/main" id="{3AF402B2-913C-45F5-BB02-4D52F33135EC}"/>
+              </a:ext>
+            </a:extLst>
+          </p:cNvPr>
+          <p:cNvCxnSpPr/>
+          <p:nvPr/>
+        </p:nvCxnSpPr>
+        <p:spPr>
+          <a:xfrm flipV="1">
+            <a:off x="5321560" y="839755"/>
+            <a:ext cx="0" cy="774441"/>
+          </a:xfrm>
+          <a:prstGeom prst="straightConnector1">
+            <a:avLst/>
+          </a:prstGeom>
+          <a:ln w="38100">
+            <a:solidFill>
+              <a:srgbClr val="FF0000"/>
+            </a:solidFill>
+            <a:tailEnd type="triangle"/>
+          </a:ln>
+        </p:spPr>
+        <p:style>
+          <a:lnRef idx="1">
+            <a:schemeClr val="accent1"/>
+          </a:lnRef>
+          <a:fillRef idx="0">
+            <a:schemeClr val="accent1"/>
+          </a:fillRef>
+          <a:effectRef idx="0">
+            <a:schemeClr val="accent1"/>
+          </a:effectRef>
+          <a:fontRef idx="minor">
+            <a:schemeClr val="tx1"/>
+          </a:fontRef>
+        </p:style>
+      </p:cxnSp>
+      <p:cxnSp>
+        <p:nvCxnSpPr>
+          <p:cNvPr id="13" name="Straight Arrow Connector 12">
+            <a:extLst>
+              <a:ext uri="{FF2B5EF4-FFF2-40B4-BE49-F238E27FC236}">
+                <a16:creationId xmlns:a16="http://schemas.microsoft.com/office/drawing/2014/main" id="{0A9583F4-E2A5-4229-8477-11BAF930060D}"/>
+              </a:ext>
+            </a:extLst>
+          </p:cNvPr>
+          <p:cNvCxnSpPr/>
+          <p:nvPr/>
+        </p:nvCxnSpPr>
+        <p:spPr>
+          <a:xfrm flipV="1">
+            <a:off x="6096000" y="839755"/>
+            <a:ext cx="0" cy="774441"/>
+          </a:xfrm>
+          <a:prstGeom prst="straightConnector1">
+            <a:avLst/>
+          </a:prstGeom>
+          <a:ln w="38100">
+            <a:solidFill>
+              <a:srgbClr val="FF0000"/>
+            </a:solidFill>
+            <a:tailEnd type="triangle"/>
+          </a:ln>
+        </p:spPr>
+        <p:style>
+          <a:lnRef idx="1">
+            <a:schemeClr val="accent1"/>
+          </a:lnRef>
+          <a:fillRef idx="0">
+            <a:schemeClr val="accent1"/>
+          </a:fillRef>
+          <a:effectRef idx="0">
+            <a:schemeClr val="accent1"/>
+          </a:effectRef>
+          <a:fontRef idx="minor">
+            <a:schemeClr val="tx1"/>
+          </a:fontRef>
+        </p:style>
+      </p:cxnSp>
+      <p:cxnSp>
+        <p:nvCxnSpPr>
+          <p:cNvPr id="14" name="Straight Arrow Connector 13">
+            <a:extLst>
+              <a:ext uri="{FF2B5EF4-FFF2-40B4-BE49-F238E27FC236}">
+                <a16:creationId xmlns:a16="http://schemas.microsoft.com/office/drawing/2014/main" id="{8293069F-1D48-41DC-B524-F0053F8AD192}"/>
+              </a:ext>
+            </a:extLst>
+          </p:cNvPr>
+          <p:cNvCxnSpPr/>
+          <p:nvPr/>
+        </p:nvCxnSpPr>
+        <p:spPr>
+          <a:xfrm flipV="1">
+            <a:off x="6879771" y="839755"/>
+            <a:ext cx="0" cy="774441"/>
+          </a:xfrm>
+          <a:prstGeom prst="straightConnector1">
+            <a:avLst/>
+          </a:prstGeom>
+          <a:ln w="38100">
+            <a:solidFill>
+              <a:srgbClr val="FF0000"/>
+            </a:solidFill>
+            <a:tailEnd type="triangle"/>
+          </a:ln>
+        </p:spPr>
+        <p:style>
+          <a:lnRef idx="1">
+            <a:schemeClr val="accent1"/>
+          </a:lnRef>
+          <a:fillRef idx="0">
+            <a:schemeClr val="accent1"/>
+          </a:fillRef>
+          <a:effectRef idx="0">
+            <a:schemeClr val="accent1"/>
+          </a:effectRef>
+          <a:fontRef idx="minor">
+            <a:schemeClr val="tx1"/>
+          </a:fontRef>
+        </p:style>
+      </p:cxnSp>
+      <p:cxnSp>
+        <p:nvCxnSpPr>
+          <p:cNvPr id="15" name="Straight Arrow Connector 14">
+            <a:extLst>
+              <a:ext uri="{FF2B5EF4-FFF2-40B4-BE49-F238E27FC236}">
+                <a16:creationId xmlns:a16="http://schemas.microsoft.com/office/drawing/2014/main" id="{77787922-7C81-4476-A081-5D02A975FCAF}"/>
+              </a:ext>
+            </a:extLst>
+          </p:cNvPr>
+          <p:cNvCxnSpPr/>
+          <p:nvPr/>
+        </p:nvCxnSpPr>
+        <p:spPr>
+          <a:xfrm flipV="1">
+            <a:off x="3682482" y="5396204"/>
+            <a:ext cx="0" cy="774441"/>
+          </a:xfrm>
+          <a:prstGeom prst="straightConnector1">
+            <a:avLst/>
+          </a:prstGeom>
+          <a:ln w="38100">
+            <a:solidFill>
+              <a:srgbClr val="FF0000"/>
+            </a:solidFill>
+            <a:tailEnd type="triangle"/>
+          </a:ln>
+        </p:spPr>
+        <p:style>
+          <a:lnRef idx="1">
+            <a:schemeClr val="accent1"/>
+          </a:lnRef>
+          <a:fillRef idx="0">
+            <a:schemeClr val="accent1"/>
+          </a:fillRef>
+          <a:effectRef idx="0">
+            <a:schemeClr val="accent1"/>
+          </a:effectRef>
+          <a:fontRef idx="minor">
+            <a:schemeClr val="tx1"/>
+          </a:fontRef>
+        </p:style>
+      </p:cxnSp>
+      <p:cxnSp>
+        <p:nvCxnSpPr>
+          <p:cNvPr id="16" name="Straight Arrow Connector 15">
+            <a:extLst>
+              <a:ext uri="{FF2B5EF4-FFF2-40B4-BE49-F238E27FC236}">
+                <a16:creationId xmlns:a16="http://schemas.microsoft.com/office/drawing/2014/main" id="{7EEBF431-A921-4E9D-9D33-2221AEE7D9F9}"/>
+              </a:ext>
+            </a:extLst>
+          </p:cNvPr>
+          <p:cNvCxnSpPr/>
+          <p:nvPr/>
+        </p:nvCxnSpPr>
+        <p:spPr>
+          <a:xfrm flipV="1">
+            <a:off x="4460033" y="5396204"/>
+            <a:ext cx="0" cy="774441"/>
+          </a:xfrm>
+          <a:prstGeom prst="straightConnector1">
+            <a:avLst/>
+          </a:prstGeom>
+          <a:ln w="38100">
+            <a:solidFill>
+              <a:srgbClr val="FF0000"/>
+            </a:solidFill>
+            <a:tailEnd type="triangle"/>
+          </a:ln>
+        </p:spPr>
+        <p:style>
+          <a:lnRef idx="1">
+            <a:schemeClr val="accent1"/>
+          </a:lnRef>
+          <a:fillRef idx="0">
+            <a:schemeClr val="accent1"/>
+          </a:fillRef>
+          <a:effectRef idx="0">
+            <a:schemeClr val="accent1"/>
+          </a:effectRef>
+          <a:fontRef idx="minor">
+            <a:schemeClr val="tx1"/>
+          </a:fontRef>
+        </p:style>
+      </p:cxnSp>
+      <p:cxnSp>
+        <p:nvCxnSpPr>
+          <p:cNvPr id="17" name="Straight Arrow Connector 16">
+            <a:extLst>
+              <a:ext uri="{FF2B5EF4-FFF2-40B4-BE49-F238E27FC236}">
+                <a16:creationId xmlns:a16="http://schemas.microsoft.com/office/drawing/2014/main" id="{67F9AA98-8081-4900-938F-F768530544B7}"/>
+              </a:ext>
+            </a:extLst>
+          </p:cNvPr>
+          <p:cNvCxnSpPr/>
+          <p:nvPr/>
+        </p:nvCxnSpPr>
+        <p:spPr>
+          <a:xfrm flipV="1">
+            <a:off x="5290458" y="5396204"/>
+            <a:ext cx="0" cy="774441"/>
+          </a:xfrm>
+          <a:prstGeom prst="straightConnector1">
+            <a:avLst/>
+          </a:prstGeom>
+          <a:ln w="38100">
+            <a:solidFill>
+              <a:srgbClr val="FF0000"/>
+            </a:solidFill>
+            <a:tailEnd type="triangle"/>
+          </a:ln>
+        </p:spPr>
+        <p:style>
+          <a:lnRef idx="1">
+            <a:schemeClr val="accent1"/>
+          </a:lnRef>
+          <a:fillRef idx="0">
+            <a:schemeClr val="accent1"/>
+          </a:fillRef>
+          <a:effectRef idx="0">
+            <a:schemeClr val="accent1"/>
+          </a:effectRef>
+          <a:fontRef idx="minor">
+            <a:schemeClr val="tx1"/>
+          </a:fontRef>
+        </p:style>
+      </p:cxnSp>
+      <p:cxnSp>
+        <p:nvCxnSpPr>
+          <p:cNvPr id="18" name="Straight Arrow Connector 17">
+            <a:extLst>
+              <a:ext uri="{FF2B5EF4-FFF2-40B4-BE49-F238E27FC236}">
+                <a16:creationId xmlns:a16="http://schemas.microsoft.com/office/drawing/2014/main" id="{0F852059-0C7F-4132-B8B8-A8FBDC39E6E3}"/>
+              </a:ext>
+            </a:extLst>
+          </p:cNvPr>
+          <p:cNvCxnSpPr/>
+          <p:nvPr/>
+        </p:nvCxnSpPr>
+        <p:spPr>
+          <a:xfrm flipV="1">
+            <a:off x="6064898" y="5396204"/>
+            <a:ext cx="0" cy="774441"/>
+          </a:xfrm>
+          <a:prstGeom prst="straightConnector1">
+            <a:avLst/>
+          </a:prstGeom>
+          <a:ln w="38100">
+            <a:solidFill>
+              <a:srgbClr val="FF0000"/>
+            </a:solidFill>
+            <a:tailEnd type="triangle"/>
+          </a:ln>
+        </p:spPr>
+        <p:style>
+          <a:lnRef idx="1">
+            <a:schemeClr val="accent1"/>
+          </a:lnRef>
+          <a:fillRef idx="0">
+            <a:schemeClr val="accent1"/>
+          </a:fillRef>
+          <a:effectRef idx="0">
+            <a:schemeClr val="accent1"/>
+          </a:effectRef>
+          <a:fontRef idx="minor">
+            <a:schemeClr val="tx1"/>
+          </a:fontRef>
+        </p:style>
+      </p:cxnSp>
+      <p:cxnSp>
+        <p:nvCxnSpPr>
+          <p:cNvPr id="19" name="Straight Arrow Connector 18">
+            <a:extLst>
+              <a:ext uri="{FF2B5EF4-FFF2-40B4-BE49-F238E27FC236}">
+                <a16:creationId xmlns:a16="http://schemas.microsoft.com/office/drawing/2014/main" id="{8EC17814-4204-43D6-9A68-CBA2F635A07C}"/>
+              </a:ext>
+            </a:extLst>
+          </p:cNvPr>
+          <p:cNvCxnSpPr/>
+          <p:nvPr/>
+        </p:nvCxnSpPr>
+        <p:spPr>
+          <a:xfrm flipV="1">
+            <a:off x="6848669" y="5396204"/>
+            <a:ext cx="0" cy="774441"/>
+          </a:xfrm>
+          <a:prstGeom prst="straightConnector1">
+            <a:avLst/>
+          </a:prstGeom>
+          <a:ln w="38100">
+            <a:solidFill>
+              <a:srgbClr val="FF0000"/>
+            </a:solidFill>
+            <a:tailEnd type="triangle"/>
+          </a:ln>
+        </p:spPr>
+        <p:style>
+          <a:lnRef idx="1">
+            <a:schemeClr val="accent1"/>
+          </a:lnRef>
+          <a:fillRef idx="0">
+            <a:schemeClr val="accent1"/>
+          </a:fillRef>
+          <a:effectRef idx="0">
+            <a:schemeClr val="accent1"/>
+          </a:effectRef>
+          <a:fontRef idx="minor">
+            <a:schemeClr val="tx1"/>
+          </a:fontRef>
+        </p:style>
+      </p:cxnSp>
+      <p:sp>
+        <p:nvSpPr>
+          <p:cNvPr id="20" name="TextBox 19">
+            <a:extLst>
+              <a:ext uri="{FF2B5EF4-FFF2-40B4-BE49-F238E27FC236}">
+                <a16:creationId xmlns:a16="http://schemas.microsoft.com/office/drawing/2014/main" id="{E8CA0AF5-CB1F-47BF-B97D-002B31291A69}"/>
+              </a:ext>
+            </a:extLst>
+          </p:cNvPr>
+          <p:cNvSpPr txBox="1"/>
+          <p:nvPr/>
+        </p:nvSpPr>
+        <p:spPr>
+          <a:xfrm>
+            <a:off x="4965443" y="6260841"/>
+            <a:ext cx="650030" cy="369332"/>
+          </a:xfrm>
+          <a:prstGeom prst="rect">
+            <a:avLst/>
+          </a:prstGeom>
+          <a:noFill/>
+        </p:spPr>
+        <p:txBody>
+          <a:bodyPr wrap="square" rtlCol="0">
+            <a:spAutoFit/>
+          </a:bodyPr>
+          <a:lstStyle/>
+          <a:p>
+            <a:pPr algn="ctr"/>
+            <a:r>
+              <a:rPr lang="en-US" b="1" dirty="0">
+                <a:solidFill>
+                  <a:srgbClr val="FF0000"/>
+                </a:solidFill>
+              </a:rPr>
+              <a:t>Fire</a:t>
+            </a:r>
+          </a:p>
+        </p:txBody>
+      </p:sp>
+      <p:sp>
+        <p:nvSpPr>
+          <p:cNvPr id="21" name="TextBox 20">
+            <a:extLst>
+              <a:ext uri="{FF2B5EF4-FFF2-40B4-BE49-F238E27FC236}">
+                <a16:creationId xmlns:a16="http://schemas.microsoft.com/office/drawing/2014/main" id="{84877F8D-6CB7-4EF5-AEC1-B96432F2423A}"/>
+              </a:ext>
+            </a:extLst>
+          </p:cNvPr>
+          <p:cNvSpPr txBox="1"/>
+          <p:nvPr/>
+        </p:nvSpPr>
+        <p:spPr>
+          <a:xfrm>
+            <a:off x="4996545" y="470423"/>
+            <a:ext cx="650030" cy="369332"/>
+          </a:xfrm>
+          <a:prstGeom prst="rect">
+            <a:avLst/>
+          </a:prstGeom>
+          <a:noFill/>
+        </p:spPr>
+        <p:txBody>
+          <a:bodyPr wrap="square" rtlCol="0">
+            <a:spAutoFit/>
+          </a:bodyPr>
+          <a:lstStyle/>
+          <a:p>
+            <a:pPr algn="ctr"/>
+            <a:r>
+              <a:rPr lang="en-US" b="1" dirty="0">
+                <a:solidFill>
+                  <a:srgbClr val="FF0000"/>
+                </a:solidFill>
+              </a:rPr>
+              <a:t>Pot</a:t>
+            </a:r>
+          </a:p>
+        </p:txBody>
+      </p:sp>
+      <p:cxnSp>
+        <p:nvCxnSpPr>
+          <p:cNvPr id="23" name="Straight Arrow Connector 22">
+            <a:extLst>
+              <a:ext uri="{FF2B5EF4-FFF2-40B4-BE49-F238E27FC236}">
+                <a16:creationId xmlns:a16="http://schemas.microsoft.com/office/drawing/2014/main" id="{88DEA287-DCA2-4D1A-BD08-EEBEF3B344EA}"/>
+              </a:ext>
+            </a:extLst>
+          </p:cNvPr>
+          <p:cNvCxnSpPr/>
+          <p:nvPr/>
+        </p:nvCxnSpPr>
+        <p:spPr>
+          <a:xfrm flipV="1">
+            <a:off x="3275044" y="2491274"/>
+            <a:ext cx="671804" cy="1040363"/>
+          </a:xfrm>
+          <a:prstGeom prst="straightConnector1">
+            <a:avLst/>
+          </a:prstGeom>
+          <a:ln w="38100">
+            <a:prstDash val="dash"/>
+            <a:tailEnd type="triangle"/>
+          </a:ln>
+        </p:spPr>
+        <p:style>
+          <a:lnRef idx="1">
+            <a:schemeClr val="accent5"/>
+          </a:lnRef>
+          <a:fillRef idx="0">
+            <a:schemeClr val="accent5"/>
+          </a:fillRef>
+          <a:effectRef idx="0">
+            <a:schemeClr val="accent5"/>
+          </a:effectRef>
+          <a:fontRef idx="minor">
+            <a:schemeClr val="tx1"/>
+          </a:fontRef>
+        </p:style>
+      </p:cxnSp>
+      <p:cxnSp>
+        <p:nvCxnSpPr>
+          <p:cNvPr id="25" name="Straight Arrow Connector 24">
+            <a:extLst>
+              <a:ext uri="{FF2B5EF4-FFF2-40B4-BE49-F238E27FC236}">
+                <a16:creationId xmlns:a16="http://schemas.microsoft.com/office/drawing/2014/main" id="{26185784-D2A4-4B67-A53F-AA2D594B76D5}"/>
+              </a:ext>
+            </a:extLst>
+          </p:cNvPr>
+          <p:cNvCxnSpPr>
+            <a:cxnSpLocks/>
+          </p:cNvCxnSpPr>
+          <p:nvPr/>
+        </p:nvCxnSpPr>
+        <p:spPr>
+          <a:xfrm flipH="1" flipV="1">
+            <a:off x="6708710" y="2538062"/>
+            <a:ext cx="674915" cy="946786"/>
+          </a:xfrm>
+          <a:prstGeom prst="straightConnector1">
+            <a:avLst/>
+          </a:prstGeom>
+          <a:ln w="38100">
+            <a:prstDash val="sysDash"/>
+            <a:tailEnd type="triangle"/>
+          </a:ln>
+        </p:spPr>
+        <p:style>
+          <a:lnRef idx="1">
+            <a:schemeClr val="accent5"/>
+          </a:lnRef>
+          <a:fillRef idx="0">
+            <a:schemeClr val="accent5"/>
+          </a:fillRef>
+          <a:effectRef idx="0">
+            <a:schemeClr val="accent5"/>
+          </a:effectRef>
+          <a:fontRef idx="minor">
+            <a:schemeClr val="tx1"/>
+          </a:fontRef>
+        </p:style>
+      </p:cxnSp>
+      <p:cxnSp>
+        <p:nvCxnSpPr>
+          <p:cNvPr id="27" name="Straight Connector 26">
+            <a:extLst>
+              <a:ext uri="{FF2B5EF4-FFF2-40B4-BE49-F238E27FC236}">
+                <a16:creationId xmlns:a16="http://schemas.microsoft.com/office/drawing/2014/main" id="{87B3FF06-2682-4827-8BC9-0983621E28BD}"/>
+              </a:ext>
+            </a:extLst>
+          </p:cNvPr>
+          <p:cNvCxnSpPr/>
+          <p:nvPr/>
+        </p:nvCxnSpPr>
+        <p:spPr>
+          <a:xfrm>
+            <a:off x="7374294" y="2873829"/>
+            <a:ext cx="0" cy="1203649"/>
+          </a:xfrm>
+          <a:prstGeom prst="line">
+            <a:avLst/>
+          </a:prstGeom>
+          <a:ln>
+            <a:prstDash val="dash"/>
+          </a:ln>
+        </p:spPr>
+        <p:style>
+          <a:lnRef idx="1">
+            <a:schemeClr val="dk1"/>
+          </a:lnRef>
+          <a:fillRef idx="0">
+            <a:schemeClr val="dk1"/>
+          </a:fillRef>
+          <a:effectRef idx="0">
+            <a:schemeClr val="dk1"/>
+          </a:effectRef>
+          <a:fontRef idx="minor">
+            <a:schemeClr val="tx1"/>
+          </a:fontRef>
+        </p:style>
+      </p:cxnSp>
+      <p:cxnSp>
+        <p:nvCxnSpPr>
+          <p:cNvPr id="28" name="Straight Connector 27">
+            <a:extLst>
+              <a:ext uri="{FF2B5EF4-FFF2-40B4-BE49-F238E27FC236}">
+                <a16:creationId xmlns:a16="http://schemas.microsoft.com/office/drawing/2014/main" id="{E140ADDD-1C6B-497E-90AA-A7D07DFDFBB1}"/>
+              </a:ext>
+            </a:extLst>
+          </p:cNvPr>
+          <p:cNvCxnSpPr/>
+          <p:nvPr/>
+        </p:nvCxnSpPr>
+        <p:spPr>
+          <a:xfrm>
+            <a:off x="3265713" y="2806960"/>
+            <a:ext cx="0" cy="1203649"/>
+          </a:xfrm>
+          <a:prstGeom prst="line">
+            <a:avLst/>
+          </a:prstGeom>
+          <a:ln>
+            <a:prstDash val="dash"/>
+          </a:ln>
+        </p:spPr>
+        <p:style>
+          <a:lnRef idx="1">
+            <a:schemeClr val="dk1"/>
+          </a:lnRef>
+          <a:fillRef idx="0">
+            <a:schemeClr val="dk1"/>
+          </a:fillRef>
+          <a:effectRef idx="0">
+            <a:schemeClr val="dk1"/>
+          </a:effectRef>
+          <a:fontRef idx="minor">
+            <a:schemeClr val="tx1"/>
+          </a:fontRef>
+        </p:style>
+      </p:cxnSp>
+      <mc:AlternateContent xmlns:mc="http://schemas.openxmlformats.org/markup-compatibility/2006">
+        <mc:Choice xmlns:a14="http://schemas.microsoft.com/office/drawing/2010/main" Requires="a14">
+          <p:sp>
+            <p:nvSpPr>
+              <p:cNvPr id="29" name="TextBox 28">
+                <a:extLst>
+                  <a:ext uri="{FF2B5EF4-FFF2-40B4-BE49-F238E27FC236}">
+                    <a16:creationId xmlns:a16="http://schemas.microsoft.com/office/drawing/2014/main" id="{D32A6308-4743-4DEE-B851-B26F6EFAB5EA}"/>
+                  </a:ext>
+                </a:extLst>
+              </p:cNvPr>
+              <p:cNvSpPr txBox="1"/>
+              <p:nvPr/>
+            </p:nvSpPr>
+            <p:spPr>
+              <a:xfrm>
+                <a:off x="3351244" y="2061010"/>
+                <a:ext cx="1380931" cy="400110"/>
+              </a:xfrm>
+              <a:prstGeom prst="rect">
+                <a:avLst/>
+              </a:prstGeom>
+              <a:noFill/>
+            </p:spPr>
+            <p:txBody>
+              <a:bodyPr wrap="square" rtlCol="0">
+                <a:spAutoFit/>
+              </a:bodyPr>
+              <a:lstStyle/>
+              <a:p>
+                <a:pPr/>
+                <a14:m>
+                  <m:oMathPara xmlns:m="http://schemas.openxmlformats.org/officeDocument/2006/math">
+                    <m:oMathParaPr>
+                      <m:jc m:val="centerGroup"/>
+                    </m:oMathParaPr>
+                    <m:oMath xmlns:m="http://schemas.openxmlformats.org/officeDocument/2006/math">
+                      <m:r>
+                        <a:rPr lang="en-US" sz="2000" i="1" smtClean="0">
+                          <a:latin typeface="Cambria Math" panose="02040503050406030204" pitchFamily="18" charset="0"/>
+                          <a:ea typeface="Cambria Math" panose="02040503050406030204" pitchFamily="18" charset="0"/>
+                        </a:rPr>
+                        <m:t>𝜃</m:t>
+                      </m:r>
+                      <m:r>
+                        <a:rPr lang="en-US" sz="2000" b="0" i="1" smtClean="0">
+                          <a:latin typeface="Cambria Math" panose="02040503050406030204" pitchFamily="18" charset="0"/>
+                          <a:ea typeface="Cambria Math" panose="02040503050406030204" pitchFamily="18" charset="0"/>
+                        </a:rPr>
+                        <m:t>=</m:t>
+                      </m:r>
+                      <m:r>
+                        <a:rPr lang="en-US" sz="2000" b="0" i="1" smtClean="0">
+                          <a:latin typeface="Cambria Math" panose="02040503050406030204" pitchFamily="18" charset="0"/>
+                          <a:ea typeface="Cambria Math" panose="02040503050406030204" pitchFamily="18" charset="0"/>
+                        </a:rPr>
+                        <m:t>30</m:t>
+                      </m:r>
+                    </m:oMath>
+                  </m:oMathPara>
+                </a14:m>
+                <a:endParaRPr lang="en-US" sz="2400" dirty="0"/>
+              </a:p>
+            </p:txBody>
+          </p:sp>
+        </mc:Choice>
+        <mc:Fallback>
+          <p:sp>
+            <p:nvSpPr>
+              <p:cNvPr id="29" name="TextBox 28">
+                <a:extLst>
+                  <a:ext uri="{FF2B5EF4-FFF2-40B4-BE49-F238E27FC236}">
+                    <a16:creationId xmlns:a16="http://schemas.microsoft.com/office/drawing/2014/main" id="{D32A6308-4743-4DEE-B851-B26F6EFAB5EA}"/>
+                  </a:ext>
+                </a:extLst>
+              </p:cNvPr>
+              <p:cNvSpPr txBox="1">
+                <a:spLocks noRot="1" noChangeAspect="1" noMove="1" noResize="1" noEditPoints="1" noAdjustHandles="1" noChangeArrowheads="1" noChangeShapeType="1" noTextEdit="1"/>
+              </p:cNvSpPr>
+              <p:nvPr/>
+            </p:nvSpPr>
+            <p:spPr>
+              <a:xfrm>
+                <a:off x="3351244" y="2061010"/>
+                <a:ext cx="1380931" cy="400110"/>
+              </a:xfrm>
+              <a:prstGeom prst="rect">
+                <a:avLst/>
+              </a:prstGeom>
+              <a:blipFill>
+                <a:blip r:embed="rId2"/>
+                <a:stretch>
+                  <a:fillRect/>
+                </a:stretch>
+              </a:blipFill>
+            </p:spPr>
+            <p:txBody>
+              <a:bodyPr/>
+              <a:lstStyle/>
+              <a:p>
+                <a:r>
+                  <a:rPr lang="en-US">
+                    <a:noFill/>
+                  </a:rPr>
+                  <a:t> </a:t>
+                </a:r>
+              </a:p>
+            </p:txBody>
+          </p:sp>
+        </mc:Fallback>
+      </mc:AlternateContent>
+      <mc:AlternateContent xmlns:mc="http://schemas.openxmlformats.org/markup-compatibility/2006">
+        <mc:Choice xmlns:a14="http://schemas.microsoft.com/office/drawing/2010/main" Requires="a14">
+          <p:sp>
+            <p:nvSpPr>
+              <p:cNvPr id="30" name="TextBox 29">
+                <a:extLst>
+                  <a:ext uri="{FF2B5EF4-FFF2-40B4-BE49-F238E27FC236}">
+                    <a16:creationId xmlns:a16="http://schemas.microsoft.com/office/drawing/2014/main" id="{708BD6C6-5D50-48F5-A208-1A53A35BAEB1}"/>
+                  </a:ext>
+                </a:extLst>
+              </p:cNvPr>
+              <p:cNvSpPr txBox="1"/>
+              <p:nvPr/>
+            </p:nvSpPr>
+            <p:spPr>
+              <a:xfrm>
+                <a:off x="5993363" y="2007324"/>
+                <a:ext cx="1380931" cy="400110"/>
+              </a:xfrm>
+              <a:prstGeom prst="rect">
+                <a:avLst/>
+              </a:prstGeom>
+              <a:noFill/>
+            </p:spPr>
+            <p:txBody>
+              <a:bodyPr wrap="square" rtlCol="0">
+                <a:spAutoFit/>
+              </a:bodyPr>
+              <a:lstStyle/>
+              <a:p>
+                <a:pPr/>
+                <a14:m>
+                  <m:oMathPara xmlns:m="http://schemas.openxmlformats.org/officeDocument/2006/math">
+                    <m:oMathParaPr>
+                      <m:jc m:val="centerGroup"/>
+                    </m:oMathParaPr>
+                    <m:oMath xmlns:m="http://schemas.openxmlformats.org/officeDocument/2006/math">
+                      <m:r>
+                        <a:rPr lang="en-US" sz="2000" i="1" smtClean="0">
+                          <a:latin typeface="Cambria Math" panose="02040503050406030204" pitchFamily="18" charset="0"/>
+                          <a:ea typeface="Cambria Math" panose="02040503050406030204" pitchFamily="18" charset="0"/>
+                        </a:rPr>
+                        <m:t>𝜃</m:t>
+                      </m:r>
+                      <m:r>
+                        <a:rPr lang="en-US" sz="2000" b="0" i="1" smtClean="0">
+                          <a:latin typeface="Cambria Math" panose="02040503050406030204" pitchFamily="18" charset="0"/>
+                          <a:ea typeface="Cambria Math" panose="02040503050406030204" pitchFamily="18" charset="0"/>
+                        </a:rPr>
+                        <m:t>=</m:t>
+                      </m:r>
+                      <m:sSup>
+                        <m:sSupPr>
+                          <m:ctrlPr>
+                            <a:rPr lang="en-US" sz="2000" b="0" i="1" smtClean="0">
+                              <a:latin typeface="Cambria Math" panose="02040503050406030204" pitchFamily="18" charset="0"/>
+                              <a:ea typeface="Cambria Math" panose="02040503050406030204" pitchFamily="18" charset="0"/>
+                            </a:rPr>
+                          </m:ctrlPr>
+                        </m:sSupPr>
+                        <m:e>
+                          <m:r>
+                            <a:rPr lang="en-US" sz="2000" b="0" i="1" smtClean="0">
+                              <a:latin typeface="Cambria Math" panose="02040503050406030204" pitchFamily="18" charset="0"/>
+                              <a:ea typeface="Cambria Math" panose="02040503050406030204" pitchFamily="18" charset="0"/>
+                            </a:rPr>
+                            <m:t>30</m:t>
+                          </m:r>
+                        </m:e>
+                        <m:sup>
+                          <m:r>
+                            <a:rPr lang="en-US" sz="2000" b="0" i="1" smtClean="0">
+                              <a:latin typeface="Cambria Math" panose="02040503050406030204" pitchFamily="18" charset="0"/>
+                              <a:ea typeface="Cambria Math" panose="02040503050406030204" pitchFamily="18" charset="0"/>
+                            </a:rPr>
+                            <m:t>𝑜</m:t>
+                          </m:r>
+                        </m:sup>
+                      </m:sSup>
+                    </m:oMath>
+                  </m:oMathPara>
+                </a14:m>
+                <a:endParaRPr lang="en-US" sz="2400" dirty="0"/>
+              </a:p>
+            </p:txBody>
+          </p:sp>
+        </mc:Choice>
+        <mc:Fallback>
+          <p:sp>
+            <p:nvSpPr>
+              <p:cNvPr id="30" name="TextBox 29">
+                <a:extLst>
+                  <a:ext uri="{FF2B5EF4-FFF2-40B4-BE49-F238E27FC236}">
+                    <a16:creationId xmlns:a16="http://schemas.microsoft.com/office/drawing/2014/main" id="{708BD6C6-5D50-48F5-A208-1A53A35BAEB1}"/>
+                  </a:ext>
+                </a:extLst>
+              </p:cNvPr>
+              <p:cNvSpPr txBox="1">
+                <a:spLocks noRot="1" noChangeAspect="1" noMove="1" noResize="1" noEditPoints="1" noAdjustHandles="1" noChangeArrowheads="1" noChangeShapeType="1" noTextEdit="1"/>
+              </p:cNvSpPr>
+              <p:nvPr/>
+            </p:nvSpPr>
+            <p:spPr>
+              <a:xfrm>
+                <a:off x="5993363" y="2007324"/>
+                <a:ext cx="1380931" cy="400110"/>
+              </a:xfrm>
+              <a:prstGeom prst="rect">
+                <a:avLst/>
+              </a:prstGeom>
+              <a:blipFill>
+                <a:blip r:embed="rId3"/>
+                <a:stretch>
+                  <a:fillRect/>
+                </a:stretch>
+              </a:blipFill>
+            </p:spPr>
+            <p:txBody>
+              <a:bodyPr/>
+              <a:lstStyle/>
+              <a:p>
+                <a:r>
+                  <a:rPr lang="en-US">
+                    <a:noFill/>
+                  </a:rPr>
+                  <a:t> </a:t>
+                </a:r>
+              </a:p>
+            </p:txBody>
+          </p:sp>
+        </mc:Fallback>
+      </mc:AlternateContent>
+    </p:spTree>
+    <p:extLst>
+      <p:ext uri="{BB962C8B-B14F-4D97-AF65-F5344CB8AC3E}">
+        <p14:creationId xmlns:p14="http://schemas.microsoft.com/office/powerpoint/2010/main" val="1712178969"/>
+      </p:ext>
+    </p:extLst>
+  </p:cSld>
+  <p:clrMapOvr>
+    <a:masterClrMapping/>
+  </p:clrMapOvr>
+</p:sld>
+</file>
+
+<file path=ppt/slides/slide6.xml><?xml version="1.0" encoding="utf-8"?>
+<p:sld xmlns:a="http://schemas.openxmlformats.org/drawingml/2006/main" xmlns:r="http://schemas.openxmlformats.org/officeDocument/2006/relationships" xmlns:p="http://schemas.openxmlformats.org/presentationml/2006/main">
+  <p:cSld>
+    <p:spTree>
+      <p:nvGrpSpPr>
+        <p:cNvPr id="1" name=""/>
+        <p:cNvGrpSpPr/>
+        <p:nvPr/>
+      </p:nvGrpSpPr>
+      <p:grpSpPr>
+        <a:xfrm>
+          <a:off x="0" y="0"/>
+          <a:ext cx="0" cy="0"/>
+          <a:chOff x="0" y="0"/>
+          <a:chExt cx="0" cy="0"/>
+        </a:xfrm>
+      </p:grpSpPr>
+      <p:pic>
+        <p:nvPicPr>
+          <p:cNvPr id="2101" name="Picture 20">
+            <a:extLst>
+              <a:ext uri="{FF2B5EF4-FFF2-40B4-BE49-F238E27FC236}">
+                <a16:creationId xmlns:a16="http://schemas.microsoft.com/office/drawing/2014/main" id="{26E645DD-EAAD-443D-8CE7-D56E4C9A533B}"/>
+              </a:ext>
+            </a:extLst>
+          </p:cNvPr>
+          <p:cNvPicPr>
+            <a:picLocks noChangeAspect="1" noChangeArrowheads="1"/>
+          </p:cNvPicPr>
+          <p:nvPr/>
+        </p:nvPicPr>
+        <p:blipFill>
+          <a:blip r:embed="rId2">
+            <a:extLst>
+              <a:ext uri="{28A0092B-C50C-407E-A947-70E740481C1C}">
+                <a14:useLocalDpi xmlns:a14="http://schemas.microsoft.com/office/drawing/2010/main" val="0"/>
+              </a:ext>
+            </a:extLst>
+          </a:blip>
+          <a:srcRect/>
+          <a:stretch>
+            <a:fillRect/>
+          </a:stretch>
+        </p:blipFill>
+        <p:spPr bwMode="auto">
+          <a:xfrm>
+            <a:off x="152400" y="609600"/>
+            <a:ext cx="381000" cy="136525"/>
+          </a:xfrm>
+          <a:prstGeom prst="rect">
+            <a:avLst/>
+          </a:prstGeom>
+          <a:noFill/>
+          <a:extLst>
+            <a:ext uri="{909E8E84-426E-40DD-AFC4-6F175D3DCCD1}">
+              <a14:hiddenFill xmlns:a14="http://schemas.microsoft.com/office/drawing/2010/main">
+                <a:solidFill>
+                  <a:srgbClr val="FFFFFF"/>
+                </a:solidFill>
+              </a14:hiddenFill>
+            </a:ext>
+          </a:extLst>
+        </p:spPr>
+      </p:pic>
+      <p:pic>
+        <p:nvPicPr>
+          <p:cNvPr id="2096" name="Picture 13">
+            <a:extLst>
+              <a:ext uri="{FF2B5EF4-FFF2-40B4-BE49-F238E27FC236}">
+                <a16:creationId xmlns:a16="http://schemas.microsoft.com/office/drawing/2014/main" id="{5B8AD8D2-2A8B-4A2D-A344-EADECD46920E}"/>
+              </a:ext>
+            </a:extLst>
+          </p:cNvPr>
+          <p:cNvPicPr>
+            <a:picLocks noChangeAspect="1" noChangeArrowheads="1"/>
+          </p:cNvPicPr>
+          <p:nvPr/>
+        </p:nvPicPr>
+        <p:blipFill>
+          <a:blip r:embed="rId3">
+            <a:extLst>
+              <a:ext uri="{28A0092B-C50C-407E-A947-70E740481C1C}">
+                <a14:useLocalDpi xmlns:a14="http://schemas.microsoft.com/office/drawing/2010/main" val="0"/>
+              </a:ext>
+            </a:extLst>
+          </a:blip>
+          <a:srcRect l="4211" t="3824" r="9006" b="4420"/>
+          <a:stretch>
+            <a:fillRect/>
+          </a:stretch>
+        </p:blipFill>
+        <p:spPr bwMode="auto">
+          <a:xfrm>
+            <a:off x="4298605" y="1151290"/>
+            <a:ext cx="4364384" cy="4516316"/>
+          </a:xfrm>
+          <a:prstGeom prst="rect">
+            <a:avLst/>
+          </a:prstGeom>
+          <a:noFill/>
+          <a:extLst>
+            <a:ext uri="{909E8E84-426E-40DD-AFC4-6F175D3DCCD1}">
+              <a14:hiddenFill xmlns:a14="http://schemas.microsoft.com/office/drawing/2010/main">
+                <a:solidFill>
+                  <a:srgbClr val="FFFFFF"/>
+                </a:solidFill>
+              </a14:hiddenFill>
+            </a:ext>
+          </a:extLst>
+        </p:spPr>
+      </p:pic>
+      <p:sp>
+        <p:nvSpPr>
+          <p:cNvPr id="2052" name="Text Box 14">
+            <a:extLst>
+              <a:ext uri="{FF2B5EF4-FFF2-40B4-BE49-F238E27FC236}">
+                <a16:creationId xmlns:a16="http://schemas.microsoft.com/office/drawing/2014/main" id="{922670A5-EED4-4F06-BE92-DA4701FE66D2}"/>
+              </a:ext>
+            </a:extLst>
+          </p:cNvPr>
+          <p:cNvSpPr txBox="1">
+            <a:spLocks noChangeArrowheads="1"/>
+          </p:cNvSpPr>
+          <p:nvPr/>
+        </p:nvSpPr>
+        <p:spPr bwMode="auto">
+          <a:xfrm>
+            <a:off x="1616075" y="3679825"/>
+            <a:ext cx="639763" cy="236538"/>
+          </a:xfrm>
+          <a:prstGeom prst="rect">
+            <a:avLst/>
+          </a:prstGeom>
+          <a:noFill/>
+          <a:ln>
+            <a:noFill/>
+          </a:ln>
+          <a:extLst>
+            <a:ext uri="{909E8E84-426E-40DD-AFC4-6F175D3DCCD1}">
+              <a14:hiddenFill xmlns:a14="http://schemas.microsoft.com/office/drawing/2010/main">
+                <a:solidFill>
+                  <a:srgbClr val="FFFFFF"/>
+                </a:solidFill>
+              </a14:hiddenFill>
+            </a:ext>
+            <a:ext uri="{91240B29-F687-4F45-9708-019B960494DF}">
+              <a14:hiddenLine xmlns:a14="http://schemas.microsoft.com/office/drawing/2010/main" w="6350">
+                <a:solidFill>
+                  <a:srgbClr val="000000"/>
+                </a:solidFill>
+                <a:miter lim="800000"/>
+                <a:headEnd/>
+                <a:tailEnd/>
+              </a14:hiddenLine>
+            </a:ext>
+          </a:extLst>
+        </p:spPr>
+        <p:txBody>
+          <a:bodyPr vert="horz" wrap="square" lIns="91440" tIns="45720" rIns="91440" bIns="45720" numCol="1" anchor="t" anchorCtr="0" compatLnSpc="1">
+            <a:prstTxWarp prst="textNoShape">
+              <a:avLst/>
+            </a:prstTxWarp>
+          </a:bodyPr>
+          <a:lstStyle/>
+          <a:p>
+            <a:pPr marL="0" marR="0" lvl="0" indent="0" algn="ctr" defTabSz="914400" rtl="0" eaLnBrk="0" fontAlgn="base" latinLnBrk="0" hangingPunct="0">
+              <a:lnSpc>
+                <a:spcPct val="100000"/>
+              </a:lnSpc>
+              <a:spcBef>
+                <a:spcPct val="0"/>
+              </a:spcBef>
+              <a:spcAft>
+                <a:spcPct val="0"/>
+              </a:spcAft>
+              <a:buClrTx/>
+              <a:buSzTx/>
+              <a:buFontTx/>
+              <a:buNone/>
+              <a:tabLst/>
+            </a:pPr>
+            <a:r>
+              <a:rPr kumimoji="0" lang="en-US" altLang="en-US" sz="1000" b="0" i="0" u="none" strike="noStrike" cap="none" normalizeH="0" baseline="0">
+                <a:ln>
+                  <a:noFill/>
+                </a:ln>
+                <a:solidFill>
+                  <a:schemeClr val="tx1"/>
+                </a:solidFill>
+                <a:effectLst/>
+                <a:latin typeface="Arial" panose="020B0604020202020204" pitchFamily="34" charset="0"/>
+                <a:ea typeface="Times New Roman" panose="02020603050405020304" pitchFamily="18" charset="0"/>
+              </a:rPr>
+              <a:t>D</a:t>
+            </a:r>
+            <a:r>
+              <a:rPr kumimoji="0" lang="en-US" altLang="en-US" sz="1000" b="0" i="0" u="none" strike="noStrike" cap="none" normalizeH="0" baseline="-30000">
+                <a:ln>
+                  <a:noFill/>
+                </a:ln>
+                <a:solidFill>
+                  <a:schemeClr val="tx1"/>
+                </a:solidFill>
+                <a:effectLst/>
+                <a:latin typeface="Arial" panose="020B0604020202020204" pitchFamily="34" charset="0"/>
+                <a:ea typeface="Times New Roman" panose="02020603050405020304" pitchFamily="18" charset="0"/>
+              </a:rPr>
+              <a:t>c</a:t>
+            </a:r>
+            <a:endParaRPr kumimoji="0" lang="en-US" altLang="en-US" sz="1800" b="0" i="0" u="none" strike="noStrike" cap="none" normalizeH="0" baseline="0">
+              <a:ln>
+                <a:noFill/>
+              </a:ln>
+              <a:solidFill>
+                <a:schemeClr val="tx1"/>
+              </a:solidFill>
+              <a:effectLst/>
+              <a:latin typeface="Arial" panose="020B0604020202020204" pitchFamily="34" charset="0"/>
+            </a:endParaRPr>
+          </a:p>
+        </p:txBody>
+      </p:sp>
+      <p:sp>
+        <p:nvSpPr>
+          <p:cNvPr id="2053" name="Text Box 15">
+            <a:extLst>
+              <a:ext uri="{FF2B5EF4-FFF2-40B4-BE49-F238E27FC236}">
+                <a16:creationId xmlns:a16="http://schemas.microsoft.com/office/drawing/2014/main" id="{E68612B9-E34E-4490-9944-0318AEE153E3}"/>
+              </a:ext>
+            </a:extLst>
+          </p:cNvPr>
+          <p:cNvSpPr txBox="1">
+            <a:spLocks noChangeArrowheads="1"/>
+          </p:cNvSpPr>
+          <p:nvPr/>
+        </p:nvSpPr>
+        <p:spPr bwMode="auto">
+          <a:xfrm>
+            <a:off x="936625" y="2498725"/>
+            <a:ext cx="639763" cy="236538"/>
+          </a:xfrm>
+          <a:prstGeom prst="rect">
+            <a:avLst/>
+          </a:prstGeom>
+          <a:noFill/>
+          <a:ln>
+            <a:noFill/>
+          </a:ln>
+          <a:extLst>
+            <a:ext uri="{909E8E84-426E-40DD-AFC4-6F175D3DCCD1}">
+              <a14:hiddenFill xmlns:a14="http://schemas.microsoft.com/office/drawing/2010/main">
+                <a:solidFill>
+                  <a:srgbClr val="FFFFFF"/>
+                </a:solidFill>
+              </a14:hiddenFill>
+            </a:ext>
+            <a:ext uri="{91240B29-F687-4F45-9708-019B960494DF}">
+              <a14:hiddenLine xmlns:a14="http://schemas.microsoft.com/office/drawing/2010/main" w="6350">
+                <a:solidFill>
+                  <a:srgbClr val="000000"/>
+                </a:solidFill>
+                <a:miter lim="800000"/>
+                <a:headEnd/>
+                <a:tailEnd/>
+              </a14:hiddenLine>
+            </a:ext>
+          </a:extLst>
+        </p:spPr>
+        <p:txBody>
+          <a:bodyPr vert="horz" wrap="square" lIns="91440" tIns="45720" rIns="91440" bIns="45720" numCol="1" anchor="t" anchorCtr="0" compatLnSpc="1">
+            <a:prstTxWarp prst="textNoShape">
+              <a:avLst/>
+            </a:prstTxWarp>
+          </a:bodyPr>
+          <a:lstStyle/>
+          <a:p>
+            <a:pPr marL="0" marR="0" lvl="0" indent="0" algn="ctr" defTabSz="914400" rtl="0" eaLnBrk="0" fontAlgn="base" latinLnBrk="0" hangingPunct="0">
+              <a:lnSpc>
+                <a:spcPct val="100000"/>
+              </a:lnSpc>
+              <a:spcBef>
+                <a:spcPct val="0"/>
+              </a:spcBef>
+              <a:spcAft>
+                <a:spcPct val="0"/>
+              </a:spcAft>
+              <a:buClrTx/>
+              <a:buSzTx/>
+              <a:buFontTx/>
+              <a:buNone/>
+              <a:tabLst/>
+            </a:pPr>
+            <a:r>
+              <a:rPr kumimoji="0" lang="en-US" altLang="en-US" sz="1000" b="0" i="0" u="none" strike="noStrike" cap="none" normalizeH="0" baseline="0">
+                <a:ln>
+                  <a:noFill/>
+                </a:ln>
+                <a:solidFill>
+                  <a:schemeClr val="tx1"/>
+                </a:solidFill>
+                <a:effectLst/>
+                <a:latin typeface="Arial" panose="020B0604020202020204" pitchFamily="34" charset="0"/>
+                <a:ea typeface="Times New Roman" panose="02020603050405020304" pitchFamily="18" charset="0"/>
+              </a:rPr>
+              <a:t>H</a:t>
+            </a:r>
+            <a:r>
+              <a:rPr kumimoji="0" lang="en-US" altLang="en-US" sz="1000" b="0" i="0" u="none" strike="noStrike" cap="none" normalizeH="0" baseline="-30000">
+                <a:ln>
+                  <a:noFill/>
+                </a:ln>
+                <a:solidFill>
+                  <a:schemeClr val="tx1"/>
+                </a:solidFill>
+                <a:effectLst/>
+                <a:latin typeface="Arial" panose="020B0604020202020204" pitchFamily="34" charset="0"/>
+                <a:ea typeface="Times New Roman" panose="02020603050405020304" pitchFamily="18" charset="0"/>
+              </a:rPr>
+              <a:t>fd</a:t>
+            </a:r>
+            <a:endParaRPr kumimoji="0" lang="en-US" altLang="en-US" sz="1800" b="0" i="0" u="none" strike="noStrike" cap="none" normalizeH="0" baseline="0">
+              <a:ln>
+                <a:noFill/>
+              </a:ln>
+              <a:solidFill>
+                <a:schemeClr val="tx1"/>
+              </a:solidFill>
+              <a:effectLst/>
+              <a:latin typeface="Arial" panose="020B0604020202020204" pitchFamily="34" charset="0"/>
+            </a:endParaRPr>
+          </a:p>
+        </p:txBody>
+      </p:sp>
+      <p:sp>
+        <p:nvSpPr>
+          <p:cNvPr id="2054" name="Text Box 16">
+            <a:extLst>
+              <a:ext uri="{FF2B5EF4-FFF2-40B4-BE49-F238E27FC236}">
+                <a16:creationId xmlns:a16="http://schemas.microsoft.com/office/drawing/2014/main" id="{F6E54404-003F-493B-A289-FB450A0D9128}"/>
+              </a:ext>
+            </a:extLst>
+          </p:cNvPr>
+          <p:cNvSpPr txBox="1">
+            <a:spLocks noChangeArrowheads="1"/>
+          </p:cNvSpPr>
+          <p:nvPr/>
+        </p:nvSpPr>
+        <p:spPr bwMode="auto">
+          <a:xfrm>
+            <a:off x="122237" y="2262188"/>
+            <a:ext cx="639763" cy="236537"/>
+          </a:xfrm>
+          <a:prstGeom prst="rect">
+            <a:avLst/>
+          </a:prstGeom>
+          <a:noFill/>
+          <a:ln>
+            <a:noFill/>
+          </a:ln>
+          <a:extLst>
+            <a:ext uri="{909E8E84-426E-40DD-AFC4-6F175D3DCCD1}">
+              <a14:hiddenFill xmlns:a14="http://schemas.microsoft.com/office/drawing/2010/main">
+                <a:solidFill>
+                  <a:srgbClr val="FFFFFF"/>
+                </a:solidFill>
+              </a14:hiddenFill>
+            </a:ext>
+            <a:ext uri="{91240B29-F687-4F45-9708-019B960494DF}">
+              <a14:hiddenLine xmlns:a14="http://schemas.microsoft.com/office/drawing/2010/main" w="6350">
+                <a:solidFill>
+                  <a:srgbClr val="000000"/>
+                </a:solidFill>
+                <a:miter lim="800000"/>
+                <a:headEnd/>
+                <a:tailEnd/>
+              </a14:hiddenLine>
+            </a:ext>
+          </a:extLst>
+        </p:spPr>
+        <p:txBody>
+          <a:bodyPr vert="horz" wrap="square" lIns="91440" tIns="45720" rIns="91440" bIns="45720" numCol="1" anchor="t" anchorCtr="0" compatLnSpc="1">
+            <a:prstTxWarp prst="textNoShape">
+              <a:avLst/>
+            </a:prstTxWarp>
+          </a:bodyPr>
+          <a:lstStyle/>
+          <a:p>
+            <a:pPr marL="0" marR="0" lvl="0" indent="0" algn="ctr" defTabSz="914400" rtl="0" eaLnBrk="0" fontAlgn="base" latinLnBrk="0" hangingPunct="0">
+              <a:lnSpc>
+                <a:spcPct val="100000"/>
+              </a:lnSpc>
+              <a:spcBef>
+                <a:spcPct val="0"/>
+              </a:spcBef>
+              <a:spcAft>
+                <a:spcPct val="0"/>
+              </a:spcAft>
+              <a:buClrTx/>
+              <a:buSzTx/>
+              <a:buFontTx/>
+              <a:buNone/>
+              <a:tabLst/>
+            </a:pPr>
+            <a:r>
+              <a:rPr kumimoji="0" lang="en-US" altLang="en-US" sz="1000" b="0" i="0" u="none" strike="noStrike" cap="none" normalizeH="0" baseline="0">
+                <a:ln>
+                  <a:noFill/>
+                </a:ln>
+                <a:solidFill>
+                  <a:schemeClr val="tx1"/>
+                </a:solidFill>
+                <a:effectLst/>
+                <a:latin typeface="Arial" panose="020B0604020202020204" pitchFamily="34" charset="0"/>
+                <a:ea typeface="Times New Roman" panose="02020603050405020304" pitchFamily="18" charset="0"/>
+              </a:rPr>
+              <a:t>H</a:t>
+            </a:r>
+            <a:r>
+              <a:rPr kumimoji="0" lang="en-US" altLang="en-US" sz="1000" b="0" i="0" u="none" strike="noStrike" cap="none" normalizeH="0" baseline="-30000">
+                <a:ln>
+                  <a:noFill/>
+                </a:ln>
+                <a:solidFill>
+                  <a:schemeClr val="tx1"/>
+                </a:solidFill>
+                <a:effectLst/>
+                <a:latin typeface="Arial" panose="020B0604020202020204" pitchFamily="34" charset="0"/>
+                <a:ea typeface="Times New Roman" panose="02020603050405020304" pitchFamily="18" charset="0"/>
+              </a:rPr>
+              <a:t>cc</a:t>
+            </a:r>
+            <a:endParaRPr kumimoji="0" lang="en-US" altLang="en-US" sz="1800" b="0" i="0" u="none" strike="noStrike" cap="none" normalizeH="0" baseline="0">
+              <a:ln>
+                <a:noFill/>
+              </a:ln>
+              <a:solidFill>
+                <a:schemeClr val="tx1"/>
+              </a:solidFill>
+              <a:effectLst/>
+              <a:latin typeface="Arial" panose="020B0604020202020204" pitchFamily="34" charset="0"/>
+            </a:endParaRPr>
+          </a:p>
+        </p:txBody>
+      </p:sp>
+      <p:sp>
+        <p:nvSpPr>
+          <p:cNvPr id="2056" name="Text Box 17">
+            <a:extLst>
+              <a:ext uri="{FF2B5EF4-FFF2-40B4-BE49-F238E27FC236}">
+                <a16:creationId xmlns:a16="http://schemas.microsoft.com/office/drawing/2014/main" id="{72BFC2AB-AE39-495B-9D74-53B8ECE6593B}"/>
+              </a:ext>
+            </a:extLst>
+          </p:cNvPr>
+          <p:cNvSpPr txBox="1">
+            <a:spLocks noChangeArrowheads="1"/>
+          </p:cNvSpPr>
+          <p:nvPr/>
+        </p:nvSpPr>
+        <p:spPr bwMode="auto">
+          <a:xfrm>
+            <a:off x="122237" y="1063625"/>
+            <a:ext cx="639763" cy="236538"/>
+          </a:xfrm>
+          <a:prstGeom prst="rect">
+            <a:avLst/>
+          </a:prstGeom>
+          <a:noFill/>
+          <a:ln>
+            <a:noFill/>
+          </a:ln>
+          <a:extLst>
+            <a:ext uri="{909E8E84-426E-40DD-AFC4-6F175D3DCCD1}">
+              <a14:hiddenFill xmlns:a14="http://schemas.microsoft.com/office/drawing/2010/main">
+                <a:solidFill>
+                  <a:srgbClr val="FFFFFF"/>
+                </a:solidFill>
+              </a14:hiddenFill>
+            </a:ext>
+            <a:ext uri="{91240B29-F687-4F45-9708-019B960494DF}">
+              <a14:hiddenLine xmlns:a14="http://schemas.microsoft.com/office/drawing/2010/main" w="6350">
+                <a:solidFill>
+                  <a:srgbClr val="000000"/>
+                </a:solidFill>
+                <a:miter lim="800000"/>
+                <a:headEnd/>
+                <a:tailEnd/>
+              </a14:hiddenLine>
+            </a:ext>
+          </a:extLst>
+        </p:spPr>
+        <p:txBody>
+          <a:bodyPr vert="horz" wrap="square" lIns="91440" tIns="45720" rIns="91440" bIns="45720" numCol="1" anchor="t" anchorCtr="0" compatLnSpc="1">
+            <a:prstTxWarp prst="textNoShape">
+              <a:avLst/>
+            </a:prstTxWarp>
+          </a:bodyPr>
+          <a:lstStyle/>
+          <a:p>
+            <a:pPr marL="0" marR="0" lvl="0" indent="0" algn="ctr" defTabSz="914400" rtl="0" eaLnBrk="0" fontAlgn="base" latinLnBrk="0" hangingPunct="0">
+              <a:lnSpc>
+                <a:spcPct val="100000"/>
+              </a:lnSpc>
+              <a:spcBef>
+                <a:spcPct val="0"/>
+              </a:spcBef>
+              <a:spcAft>
+                <a:spcPct val="0"/>
+              </a:spcAft>
+              <a:buClrTx/>
+              <a:buSzTx/>
+              <a:buFontTx/>
+              <a:buNone/>
+              <a:tabLst/>
+            </a:pPr>
+            <a:r>
+              <a:rPr kumimoji="0" lang="en-US" altLang="en-US" sz="1000" b="0" i="0" u="none" strike="noStrike" cap="none" normalizeH="0" baseline="0">
+                <a:ln>
+                  <a:noFill/>
+                </a:ln>
+                <a:solidFill>
+                  <a:schemeClr val="tx1"/>
+                </a:solidFill>
+                <a:effectLst/>
+                <a:latin typeface="Arial" panose="020B0604020202020204" pitchFamily="34" charset="0"/>
+                <a:ea typeface="Times New Roman" panose="02020603050405020304" pitchFamily="18" charset="0"/>
+              </a:rPr>
+              <a:t>L</a:t>
+            </a:r>
+            <a:r>
+              <a:rPr kumimoji="0" lang="en-US" altLang="en-US" sz="1000" b="0" i="0" u="none" strike="noStrike" cap="none" normalizeH="0" baseline="-30000">
+                <a:ln>
+                  <a:noFill/>
+                </a:ln>
+                <a:solidFill>
+                  <a:schemeClr val="tx1"/>
+                </a:solidFill>
+                <a:effectLst/>
+                <a:latin typeface="Arial" panose="020B0604020202020204" pitchFamily="34" charset="0"/>
+                <a:ea typeface="Times New Roman" panose="02020603050405020304" pitchFamily="18" charset="0"/>
+              </a:rPr>
+              <a:t>c</a:t>
+            </a:r>
+            <a:endParaRPr kumimoji="0" lang="en-US" altLang="en-US" sz="1800" b="0" i="0" u="none" strike="noStrike" cap="none" normalizeH="0" baseline="0">
+              <a:ln>
+                <a:noFill/>
+              </a:ln>
+              <a:solidFill>
+                <a:schemeClr val="tx1"/>
+              </a:solidFill>
+              <a:effectLst/>
+              <a:latin typeface="Arial" panose="020B0604020202020204" pitchFamily="34" charset="0"/>
+            </a:endParaRPr>
+          </a:p>
+        </p:txBody>
+      </p:sp>
+      <p:sp>
+        <p:nvSpPr>
+          <p:cNvPr id="2057" name="Text Box 18">
+            <a:extLst>
+              <a:ext uri="{FF2B5EF4-FFF2-40B4-BE49-F238E27FC236}">
+                <a16:creationId xmlns:a16="http://schemas.microsoft.com/office/drawing/2014/main" id="{60433DA9-7EE5-423B-A6D4-2B8F1E7BAC16}"/>
+              </a:ext>
+            </a:extLst>
+          </p:cNvPr>
+          <p:cNvSpPr txBox="1">
+            <a:spLocks noChangeArrowheads="1"/>
+          </p:cNvSpPr>
+          <p:nvPr/>
+        </p:nvSpPr>
+        <p:spPr bwMode="auto">
+          <a:xfrm>
+            <a:off x="706438" y="684213"/>
+            <a:ext cx="639762" cy="236537"/>
+          </a:xfrm>
+          <a:prstGeom prst="rect">
+            <a:avLst/>
+          </a:prstGeom>
+          <a:noFill/>
+          <a:ln>
+            <a:noFill/>
+          </a:ln>
+          <a:extLst>
+            <a:ext uri="{909E8E84-426E-40DD-AFC4-6F175D3DCCD1}">
+              <a14:hiddenFill xmlns:a14="http://schemas.microsoft.com/office/drawing/2010/main">
+                <a:solidFill>
+                  <a:srgbClr val="FFFFFF"/>
+                </a:solidFill>
+              </a14:hiddenFill>
+            </a:ext>
+            <a:ext uri="{91240B29-F687-4F45-9708-019B960494DF}">
+              <a14:hiddenLine xmlns:a14="http://schemas.microsoft.com/office/drawing/2010/main" w="6350">
+                <a:solidFill>
+                  <a:srgbClr val="000000"/>
+                </a:solidFill>
+                <a:miter lim="800000"/>
+                <a:headEnd/>
+                <a:tailEnd/>
+              </a14:hiddenLine>
+            </a:ext>
+          </a:extLst>
+        </p:spPr>
+        <p:txBody>
+          <a:bodyPr vert="horz" wrap="square" lIns="91440" tIns="45720" rIns="91440" bIns="45720" numCol="1" anchor="t" anchorCtr="0" compatLnSpc="1">
+            <a:prstTxWarp prst="textNoShape">
+              <a:avLst/>
+            </a:prstTxWarp>
+          </a:bodyPr>
+          <a:lstStyle/>
+          <a:p>
+            <a:pPr marL="0" marR="0" lvl="0" indent="0" algn="ctr" defTabSz="914400" rtl="0" eaLnBrk="0" fontAlgn="base" latinLnBrk="0" hangingPunct="0">
+              <a:lnSpc>
+                <a:spcPct val="100000"/>
+              </a:lnSpc>
+              <a:spcBef>
+                <a:spcPct val="0"/>
+              </a:spcBef>
+              <a:spcAft>
+                <a:spcPct val="0"/>
+              </a:spcAft>
+              <a:buClrTx/>
+              <a:buSzTx/>
+              <a:buFontTx/>
+              <a:buNone/>
+              <a:tabLst/>
+            </a:pPr>
+            <a:r>
+              <a:rPr kumimoji="0" lang="en-US" altLang="en-US" sz="1000" b="0" i="0" u="none" strike="noStrike" cap="none" normalizeH="0" baseline="0">
+                <a:ln>
+                  <a:noFill/>
+                </a:ln>
+                <a:solidFill>
+                  <a:schemeClr val="tx1"/>
+                </a:solidFill>
+                <a:effectLst/>
+                <a:latin typeface="Arial" panose="020B0604020202020204" pitchFamily="34" charset="0"/>
+                <a:ea typeface="Times New Roman" panose="02020603050405020304" pitchFamily="18" charset="0"/>
+              </a:rPr>
+              <a:t>W</a:t>
+            </a:r>
+            <a:r>
+              <a:rPr kumimoji="0" lang="en-US" altLang="en-US" sz="1000" b="0" i="0" u="none" strike="noStrike" cap="none" normalizeH="0" baseline="-30000">
+                <a:ln>
+                  <a:noFill/>
+                </a:ln>
+                <a:solidFill>
+                  <a:schemeClr val="tx1"/>
+                </a:solidFill>
+                <a:effectLst/>
+                <a:latin typeface="Arial" panose="020B0604020202020204" pitchFamily="34" charset="0"/>
+                <a:ea typeface="Times New Roman" panose="02020603050405020304" pitchFamily="18" charset="0"/>
+              </a:rPr>
+              <a:t>c</a:t>
+            </a:r>
+            <a:endParaRPr kumimoji="0" lang="en-US" altLang="en-US" sz="1800" b="0" i="0" u="none" strike="noStrike" cap="none" normalizeH="0" baseline="0">
+              <a:ln>
+                <a:noFill/>
+              </a:ln>
+              <a:solidFill>
+                <a:schemeClr val="tx1"/>
+              </a:solidFill>
+              <a:effectLst/>
+              <a:latin typeface="Arial" panose="020B0604020202020204" pitchFamily="34" charset="0"/>
+            </a:endParaRPr>
+          </a:p>
+        </p:txBody>
+      </p:sp>
+      <p:sp>
+        <p:nvSpPr>
+          <p:cNvPr id="46" name="Text Box 19">
+            <a:extLst>
+              <a:ext uri="{FF2B5EF4-FFF2-40B4-BE49-F238E27FC236}">
+                <a16:creationId xmlns:a16="http://schemas.microsoft.com/office/drawing/2014/main" id="{7457F6A0-F612-4560-90FE-5CE5B9F8204A}"/>
+              </a:ext>
+            </a:extLst>
+          </p:cNvPr>
+          <p:cNvSpPr txBox="1"/>
+          <p:nvPr/>
+        </p:nvSpPr>
+        <p:spPr>
+          <a:xfrm>
+            <a:off x="3011805" y="7358380"/>
+            <a:ext cx="368935" cy="236220"/>
+          </a:xfrm>
+          <a:prstGeom prst="rect">
+            <a:avLst/>
+          </a:prstGeom>
+          <a:solidFill>
+            <a:schemeClr val="bg1"/>
+          </a:solidFill>
+          <a:ln w="6350">
+            <a:noFill/>
+          </a:ln>
+        </p:spPr>
+        <p:txBody>
+          <a:bodyPr rot="0" spcFirstLastPara="0" vert="horz" wrap="square" lIns="91440" tIns="45720" rIns="91440" bIns="45720" numCol="1" spcCol="0" rtlCol="0" fromWordArt="0" anchor="t" anchorCtr="0" forceAA="0" compatLnSpc="1">
+            <a:prstTxWarp prst="textNoShape">
+              <a:avLst/>
+            </a:prstTxWarp>
+            <a:noAutofit/>
+          </a:bodyPr>
+          <a:lstStyle/>
+          <a:p>
+            <a:pPr marL="0" marR="0" algn="ctr" hangingPunct="0">
+              <a:spcBef>
+                <a:spcPts val="0"/>
+              </a:spcBef>
+              <a:spcAft>
+                <a:spcPts val="0"/>
+              </a:spcAft>
+            </a:pPr>
+            <a:r>
+              <a:rPr lang="en-US" sz="1000" kern="700">
+                <a:effectLst/>
+                <a:latin typeface="Times New Roman" panose="02020603050405020304" pitchFamily="18" charset="0"/>
+                <a:ea typeface="Times New Roman" panose="02020603050405020304" pitchFamily="18" charset="0"/>
+              </a:rPr>
+              <a:t>D</a:t>
+            </a:r>
+            <a:r>
+              <a:rPr lang="en-US" sz="1000" kern="700" baseline="-25000">
+                <a:effectLst/>
+                <a:latin typeface="Times New Roman" panose="02020603050405020304" pitchFamily="18" charset="0"/>
+                <a:ea typeface="Times New Roman" panose="02020603050405020304" pitchFamily="18" charset="0"/>
+              </a:rPr>
+              <a:t>fd </a:t>
+            </a:r>
+            <a:endParaRPr lang="en-US" sz="1000" kern="700">
+              <a:effectLst/>
+              <a:latin typeface="Times New Roman" panose="02020603050405020304" pitchFamily="18" charset="0"/>
+              <a:ea typeface="Times New Roman" panose="02020603050405020304" pitchFamily="18" charset="0"/>
+            </a:endParaRPr>
+          </a:p>
+        </p:txBody>
+      </p:sp>
+      <p:sp>
+        <p:nvSpPr>
+          <p:cNvPr id="2058" name="Text Box 21">
+            <a:extLst>
+              <a:ext uri="{FF2B5EF4-FFF2-40B4-BE49-F238E27FC236}">
+                <a16:creationId xmlns:a16="http://schemas.microsoft.com/office/drawing/2014/main" id="{74D0A264-52C1-4A92-9295-E572573F4A3F}"/>
+              </a:ext>
+            </a:extLst>
+          </p:cNvPr>
+          <p:cNvSpPr txBox="1">
+            <a:spLocks noChangeArrowheads="1"/>
+          </p:cNvSpPr>
+          <p:nvPr/>
+        </p:nvSpPr>
+        <p:spPr bwMode="auto">
+          <a:xfrm>
+            <a:off x="2889250" y="1441450"/>
+            <a:ext cx="639763" cy="236538"/>
+          </a:xfrm>
+          <a:prstGeom prst="rect">
+            <a:avLst/>
+          </a:prstGeom>
+          <a:noFill/>
+          <a:ln>
+            <a:noFill/>
+          </a:ln>
+          <a:extLst>
+            <a:ext uri="{909E8E84-426E-40DD-AFC4-6F175D3DCCD1}">
+              <a14:hiddenFill xmlns:a14="http://schemas.microsoft.com/office/drawing/2010/main">
+                <a:solidFill>
+                  <a:srgbClr val="FFFFFF"/>
+                </a:solidFill>
+              </a14:hiddenFill>
+            </a:ext>
+            <a:ext uri="{91240B29-F687-4F45-9708-019B960494DF}">
+              <a14:hiddenLine xmlns:a14="http://schemas.microsoft.com/office/drawing/2010/main" w="6350">
+                <a:solidFill>
+                  <a:srgbClr val="000000"/>
+                </a:solidFill>
+                <a:miter lim="800000"/>
+                <a:headEnd/>
+                <a:tailEnd/>
+              </a14:hiddenLine>
+            </a:ext>
+          </a:extLst>
+        </p:spPr>
+        <p:txBody>
+          <a:bodyPr vert="horz" wrap="square" lIns="91440" tIns="45720" rIns="91440" bIns="45720" numCol="1" anchor="t" anchorCtr="0" compatLnSpc="1">
+            <a:prstTxWarp prst="textNoShape">
+              <a:avLst/>
+            </a:prstTxWarp>
+          </a:bodyPr>
+          <a:lstStyle/>
+          <a:p>
+            <a:pPr marL="0" marR="0" lvl="0" indent="0" algn="ctr" defTabSz="914400" rtl="0" eaLnBrk="0" fontAlgn="base" latinLnBrk="0" hangingPunct="0">
+              <a:lnSpc>
+                <a:spcPct val="100000"/>
+              </a:lnSpc>
+              <a:spcBef>
+                <a:spcPct val="0"/>
+              </a:spcBef>
+              <a:spcAft>
+                <a:spcPct val="0"/>
+              </a:spcAft>
+              <a:buClrTx/>
+              <a:buSzTx/>
+              <a:buFontTx/>
+              <a:buNone/>
+              <a:tabLst/>
+            </a:pPr>
+            <a:r>
+              <a:rPr kumimoji="0" lang="en-US" altLang="en-US" sz="1000" b="0" i="0" u="none" strike="noStrike" cap="none" normalizeH="0" baseline="0">
+                <a:ln>
+                  <a:noFill/>
+                </a:ln>
+                <a:solidFill>
+                  <a:schemeClr val="tx1"/>
+                </a:solidFill>
+                <a:effectLst/>
+                <a:latin typeface="Arial" panose="020B0604020202020204" pitchFamily="34" charset="0"/>
+                <a:ea typeface="Times New Roman" panose="02020603050405020304" pitchFamily="18" charset="0"/>
+              </a:rPr>
+              <a:t>H</a:t>
+            </a:r>
+            <a:r>
+              <a:rPr kumimoji="0" lang="en-US" altLang="en-US" sz="1000" b="0" i="0" u="none" strike="noStrike" cap="none" normalizeH="0" baseline="-30000">
+                <a:ln>
+                  <a:noFill/>
+                </a:ln>
+                <a:solidFill>
+                  <a:schemeClr val="tx1"/>
+                </a:solidFill>
+                <a:effectLst/>
+                <a:latin typeface="Arial" panose="020B0604020202020204" pitchFamily="34" charset="0"/>
+                <a:ea typeface="Times New Roman" panose="02020603050405020304" pitchFamily="18" charset="0"/>
+              </a:rPr>
+              <a:t>d</a:t>
+            </a:r>
+            <a:endParaRPr kumimoji="0" lang="en-US" altLang="en-US" sz="1800" b="0" i="0" u="none" strike="noStrike" cap="none" normalizeH="0" baseline="0">
+              <a:ln>
+                <a:noFill/>
+              </a:ln>
+              <a:solidFill>
+                <a:schemeClr val="tx1"/>
+              </a:solidFill>
+              <a:effectLst/>
+              <a:latin typeface="Arial" panose="020B0604020202020204" pitchFamily="34" charset="0"/>
+            </a:endParaRPr>
+          </a:p>
+        </p:txBody>
+      </p:sp>
+      <p:sp>
+        <p:nvSpPr>
+          <p:cNvPr id="2059" name="Text Box 22">
+            <a:extLst>
+              <a:ext uri="{FF2B5EF4-FFF2-40B4-BE49-F238E27FC236}">
+                <a16:creationId xmlns:a16="http://schemas.microsoft.com/office/drawing/2014/main" id="{9579C247-7031-41D6-82AD-1AE2CCC90447}"/>
+              </a:ext>
+            </a:extLst>
+          </p:cNvPr>
+          <p:cNvSpPr txBox="1">
+            <a:spLocks noChangeArrowheads="1"/>
+          </p:cNvSpPr>
+          <p:nvPr/>
+        </p:nvSpPr>
+        <p:spPr bwMode="auto">
+          <a:xfrm>
+            <a:off x="920750" y="1741488"/>
+            <a:ext cx="639763" cy="236537"/>
+          </a:xfrm>
+          <a:prstGeom prst="rect">
+            <a:avLst/>
+          </a:prstGeom>
+          <a:noFill/>
+          <a:ln>
+            <a:noFill/>
+          </a:ln>
+          <a:extLst>
+            <a:ext uri="{909E8E84-426E-40DD-AFC4-6F175D3DCCD1}">
+              <a14:hiddenFill xmlns:a14="http://schemas.microsoft.com/office/drawing/2010/main">
+                <a:solidFill>
+                  <a:srgbClr val="FFFFFF"/>
+                </a:solidFill>
+              </a14:hiddenFill>
+            </a:ext>
+            <a:ext uri="{91240B29-F687-4F45-9708-019B960494DF}">
+              <a14:hiddenLine xmlns:a14="http://schemas.microsoft.com/office/drawing/2010/main" w="6350">
+                <a:solidFill>
+                  <a:srgbClr val="000000"/>
+                </a:solidFill>
+                <a:miter lim="800000"/>
+                <a:headEnd/>
+                <a:tailEnd/>
+              </a14:hiddenLine>
+            </a:ext>
+          </a:extLst>
+        </p:spPr>
+        <p:txBody>
+          <a:bodyPr vert="horz" wrap="square" lIns="91440" tIns="45720" rIns="91440" bIns="45720" numCol="1" anchor="t" anchorCtr="0" compatLnSpc="1">
+            <a:prstTxWarp prst="textNoShape">
+              <a:avLst/>
+            </a:prstTxWarp>
+          </a:bodyPr>
+          <a:lstStyle/>
+          <a:p>
+            <a:pPr marL="0" marR="0" lvl="0" indent="0" algn="ctr" defTabSz="914400" rtl="0" eaLnBrk="0" fontAlgn="base" latinLnBrk="0" hangingPunct="0">
+              <a:lnSpc>
+                <a:spcPct val="100000"/>
+              </a:lnSpc>
+              <a:spcBef>
+                <a:spcPct val="0"/>
+              </a:spcBef>
+              <a:spcAft>
+                <a:spcPct val="0"/>
+              </a:spcAft>
+              <a:buClrTx/>
+              <a:buSzTx/>
+              <a:buFontTx/>
+              <a:buNone/>
+              <a:tabLst/>
+            </a:pPr>
+            <a:r>
+              <a:rPr kumimoji="0" lang="en-US" altLang="en-US" sz="1000" b="0" i="0" u="none" strike="noStrike" cap="none" normalizeH="0" baseline="0">
+                <a:ln>
+                  <a:noFill/>
+                </a:ln>
+                <a:solidFill>
+                  <a:schemeClr val="tx1"/>
+                </a:solidFill>
+                <a:effectLst/>
+                <a:latin typeface="Arial" panose="020B0604020202020204" pitchFamily="34" charset="0"/>
+                <a:ea typeface="Times New Roman" panose="02020603050405020304" pitchFamily="18" charset="0"/>
+              </a:rPr>
+              <a:t>L</a:t>
+            </a:r>
+            <a:r>
+              <a:rPr kumimoji="0" lang="en-US" altLang="en-US" sz="1000" b="0" i="0" u="none" strike="noStrike" cap="none" normalizeH="0" baseline="-30000">
+                <a:ln>
+                  <a:noFill/>
+                </a:ln>
+                <a:solidFill>
+                  <a:schemeClr val="tx1"/>
+                </a:solidFill>
+                <a:effectLst/>
+                <a:latin typeface="Arial" panose="020B0604020202020204" pitchFamily="34" charset="0"/>
+                <a:ea typeface="Times New Roman" panose="02020603050405020304" pitchFamily="18" charset="0"/>
+              </a:rPr>
+              <a:t>d</a:t>
+            </a:r>
+            <a:endParaRPr kumimoji="0" lang="en-US" altLang="en-US" sz="1800" b="0" i="0" u="none" strike="noStrike" cap="none" normalizeH="0" baseline="0">
+              <a:ln>
+                <a:noFill/>
+              </a:ln>
+              <a:solidFill>
+                <a:schemeClr val="tx1"/>
+              </a:solidFill>
+              <a:effectLst/>
+              <a:latin typeface="Arial" panose="020B0604020202020204" pitchFamily="34" charset="0"/>
+            </a:endParaRPr>
+          </a:p>
+        </p:txBody>
+      </p:sp>
+      <p:sp>
+        <p:nvSpPr>
+          <p:cNvPr id="2060" name="Rectangle 57">
+            <a:extLst>
+              <a:ext uri="{FF2B5EF4-FFF2-40B4-BE49-F238E27FC236}">
+                <a16:creationId xmlns:a16="http://schemas.microsoft.com/office/drawing/2014/main" id="{41141635-62FF-495C-B541-186ED0FB97CA}"/>
+              </a:ext>
+            </a:extLst>
+          </p:cNvPr>
+          <p:cNvSpPr>
+            <a:spLocks noChangeArrowheads="1"/>
+          </p:cNvSpPr>
+          <p:nvPr/>
+        </p:nvSpPr>
+        <p:spPr bwMode="auto">
+          <a:xfrm>
+            <a:off x="152400" y="152400"/>
+            <a:ext cx="12192000" cy="457200"/>
+          </a:xfrm>
+          <a:prstGeom prst="rect">
+            <a:avLst/>
+          </a:prstGeom>
+          <a:noFill/>
+          <a:ln>
+            <a:noFill/>
+          </a:ln>
+          <a:effectLst/>
+          <a:extLst>
+            <a:ext uri="{909E8E84-426E-40DD-AFC4-6F175D3DCCD1}">
+              <a14:hiddenFill xmlns:a14="http://schemas.microsoft.com/office/drawing/2010/main">
+                <a:solidFill>
+                  <a:schemeClr val="accent1"/>
+                </a:solidFill>
+              </a14:hiddenFill>
+            </a:ext>
+            <a:ext uri="{91240B29-F687-4F45-9708-019B960494DF}">
+              <a14:hiddenLine xmlns:a14="http://schemas.microsoft.com/office/drawing/2010/main" w="9525">
+                <a:solidFill>
+                  <a:schemeClr val="tx1"/>
+                </a:solidFill>
+                <a:miter lim="800000"/>
+                <a:headEnd/>
+                <a:tailEnd/>
+              </a14:hiddenLine>
+            </a:ext>
+            <a:ext uri="{AF507438-7753-43E0-B8FC-AC1667EBCBE1}">
+              <a14:hiddenEffects xmlns:a14="http://schemas.microsoft.com/office/drawing/2010/main">
+                <a:effectLst>
+                  <a:outerShdw dist="35921" dir="2700000" algn="ctr" rotWithShape="0">
+                    <a:schemeClr val="bg2"/>
+                  </a:outerShdw>
+                </a:effectLst>
+              </a14:hiddenEffects>
+            </a:ext>
+          </a:extLst>
+        </p:spPr>
+        <p:txBody>
+          <a:bodyPr vert="horz" wrap="none" lIns="91440" tIns="45720" rIns="91440" bIns="45720" numCol="1" anchor="ctr" anchorCtr="0" compatLnSpc="1">
+            <a:prstTxWarp prst="textNoShape">
+              <a:avLst/>
+            </a:prstTxWarp>
+            <a:spAutoFit/>
+          </a:bodyPr>
+          <a:lstStyle/>
+          <a:p>
+            <a:endParaRPr lang="en-US"/>
+          </a:p>
+        </p:txBody>
+      </p:sp>
+      <p:sp>
+        <p:nvSpPr>
+          <p:cNvPr id="2061" name="Rectangle 59">
+            <a:extLst>
+              <a:ext uri="{FF2B5EF4-FFF2-40B4-BE49-F238E27FC236}">
+                <a16:creationId xmlns:a16="http://schemas.microsoft.com/office/drawing/2014/main" id="{53C3D038-FBDE-4F34-971B-7E43429FDCE8}"/>
+              </a:ext>
+            </a:extLst>
+          </p:cNvPr>
+          <p:cNvSpPr>
+            <a:spLocks noChangeArrowheads="1"/>
+          </p:cNvSpPr>
+          <p:nvPr/>
+        </p:nvSpPr>
+        <p:spPr bwMode="auto">
+          <a:xfrm>
+            <a:off x="152400" y="609600"/>
+            <a:ext cx="12192000" cy="0"/>
+          </a:xfrm>
+          <a:prstGeom prst="rect">
+            <a:avLst/>
+          </a:prstGeom>
+          <a:noFill/>
+          <a:ln>
+            <a:noFill/>
+          </a:ln>
+          <a:effectLst/>
+          <a:extLst>
+            <a:ext uri="{909E8E84-426E-40DD-AFC4-6F175D3DCCD1}">
+              <a14:hiddenFill xmlns:a14="http://schemas.microsoft.com/office/drawing/2010/main">
+                <a:solidFill>
+                  <a:schemeClr val="accent1"/>
+                </a:solidFill>
+              </a14:hiddenFill>
+            </a:ext>
+            <a:ext uri="{91240B29-F687-4F45-9708-019B960494DF}">
+              <a14:hiddenLine xmlns:a14="http://schemas.microsoft.com/office/drawing/2010/main" w="9525">
+                <a:solidFill>
+                  <a:schemeClr val="tx1"/>
+                </a:solidFill>
+                <a:miter lim="800000"/>
+                <a:headEnd/>
+                <a:tailEnd/>
+              </a14:hiddenLine>
+            </a:ext>
+            <a:ext uri="{AF507438-7753-43E0-B8FC-AC1667EBCBE1}">
+              <a14:hiddenEffects xmlns:a14="http://schemas.microsoft.com/office/drawing/2010/main">
+                <a:effectLst>
+                  <a:outerShdw dist="35921" dir="2700000" algn="ctr" rotWithShape="0">
+                    <a:schemeClr val="bg2"/>
+                  </a:outerShdw>
+                </a:effectLst>
+              </a14:hiddenEffects>
+            </a:ext>
+          </a:extLst>
+        </p:spPr>
+        <p:txBody>
+          <a:bodyPr vert="horz" wrap="none" lIns="91440" tIns="45720" rIns="91440" bIns="45720" numCol="1" anchor="ctr" anchorCtr="0" compatLnSpc="1">
+            <a:prstTxWarp prst="textNoShape">
+              <a:avLst/>
+            </a:prstTxWarp>
+            <a:spAutoFit/>
+          </a:bodyPr>
+          <a:lstStyle>
+            <a:lvl1pPr eaLnBrk="0" fontAlgn="base" hangingPunct="0">
+              <a:spcBef>
+                <a:spcPct val="0"/>
+              </a:spcBef>
+              <a:spcAft>
+                <a:spcPct val="0"/>
+              </a:spcAft>
+              <a:defRPr>
+                <a:solidFill>
+                  <a:schemeClr val="tx1"/>
+                </a:solidFill>
+                <a:latin typeface="Arial" panose="020B0604020202020204" pitchFamily="34" charset="0"/>
+              </a:defRPr>
+            </a:lvl1pPr>
+            <a:lvl2pPr eaLnBrk="0" fontAlgn="base" hangingPunct="0">
+              <a:spcBef>
+                <a:spcPct val="0"/>
+              </a:spcBef>
+              <a:spcAft>
+                <a:spcPct val="0"/>
+              </a:spcAft>
+              <a:defRPr>
+                <a:solidFill>
+                  <a:schemeClr val="tx1"/>
+                </a:solidFill>
+                <a:latin typeface="Arial" panose="020B0604020202020204" pitchFamily="34" charset="0"/>
+              </a:defRPr>
+            </a:lvl2pPr>
+            <a:lvl3pPr eaLnBrk="0" fontAlgn="base" hangingPunct="0">
+              <a:spcBef>
+                <a:spcPct val="0"/>
+              </a:spcBef>
+              <a:spcAft>
+                <a:spcPct val="0"/>
+              </a:spcAft>
+              <a:defRPr>
+                <a:solidFill>
+                  <a:schemeClr val="tx1"/>
+                </a:solidFill>
+                <a:latin typeface="Arial" panose="020B0604020202020204" pitchFamily="34" charset="0"/>
+              </a:defRPr>
+            </a:lvl3pPr>
+            <a:lvl4pPr eaLnBrk="0" fontAlgn="base" hangingPunct="0">
+              <a:spcBef>
+                <a:spcPct val="0"/>
+              </a:spcBef>
+              <a:spcAft>
+                <a:spcPct val="0"/>
+              </a:spcAft>
+              <a:defRPr>
+                <a:solidFill>
+                  <a:schemeClr val="tx1"/>
+                </a:solidFill>
+                <a:latin typeface="Arial" panose="020B0604020202020204" pitchFamily="34" charset="0"/>
+              </a:defRPr>
+            </a:lvl4pPr>
+            <a:lvl5pPr eaLnBrk="0" fontAlgn="base" hangingPunct="0">
+              <a:spcBef>
+                <a:spcPct val="0"/>
+              </a:spcBef>
+              <a:spcAft>
+                <a:spcPct val="0"/>
+              </a:spcAft>
+              <a:defRPr>
+                <a:solidFill>
+                  <a:schemeClr val="tx1"/>
+                </a:solidFill>
+                <a:latin typeface="Arial" panose="020B0604020202020204" pitchFamily="34" charset="0"/>
+              </a:defRPr>
+            </a:lvl5pPr>
+            <a:lvl6pPr eaLnBrk="0" fontAlgn="base" hangingPunct="0">
+              <a:spcBef>
+                <a:spcPct val="0"/>
+              </a:spcBef>
+              <a:spcAft>
+                <a:spcPct val="0"/>
+              </a:spcAft>
+              <a:defRPr>
+                <a:solidFill>
+                  <a:schemeClr val="tx1"/>
+                </a:solidFill>
+                <a:latin typeface="Arial" panose="020B0604020202020204" pitchFamily="34" charset="0"/>
+              </a:defRPr>
+            </a:lvl6pPr>
+            <a:lvl7pPr eaLnBrk="0" fontAlgn="base" hangingPunct="0">
+              <a:spcBef>
+                <a:spcPct val="0"/>
+              </a:spcBef>
+              <a:spcAft>
+                <a:spcPct val="0"/>
+              </a:spcAft>
+              <a:defRPr>
+                <a:solidFill>
+                  <a:schemeClr val="tx1"/>
+                </a:solidFill>
+                <a:latin typeface="Arial" panose="020B0604020202020204" pitchFamily="34" charset="0"/>
+              </a:defRPr>
+            </a:lvl7pPr>
+            <a:lvl8pPr eaLnBrk="0" fontAlgn="base" hangingPunct="0">
+              <a:spcBef>
+                <a:spcPct val="0"/>
+              </a:spcBef>
+              <a:spcAft>
+                <a:spcPct val="0"/>
+              </a:spcAft>
+              <a:defRPr>
+                <a:solidFill>
+                  <a:schemeClr val="tx1"/>
+                </a:solidFill>
+                <a:latin typeface="Arial" panose="020B0604020202020204" pitchFamily="34" charset="0"/>
+              </a:defRPr>
+            </a:lvl8pPr>
+            <a:lvl9pPr eaLnBrk="0" fontAlgn="base" hangingPunct="0">
+              <a:spcBef>
+                <a:spcPct val="0"/>
+              </a:spcBef>
+              <a:spcAft>
+                <a:spcPct val="0"/>
+              </a:spcAft>
+              <a:defRPr>
+                <a:solidFill>
+                  <a:schemeClr val="tx1"/>
+                </a:solidFill>
+                <a:latin typeface="Arial" panose="020B0604020202020204" pitchFamily="34" charset="0"/>
+              </a:defRPr>
+            </a:lvl9pPr>
+          </a:lstStyle>
+          <a:p>
+            <a:pPr marL="0" marR="0" lvl="0" indent="0" algn="l" defTabSz="914400" rtl="0" eaLnBrk="0" fontAlgn="base" latinLnBrk="0" hangingPunct="0">
+              <a:lnSpc>
+                <a:spcPct val="100000"/>
+              </a:lnSpc>
+              <a:spcBef>
+                <a:spcPct val="0"/>
+              </a:spcBef>
+              <a:spcAft>
+                <a:spcPct val="0"/>
+              </a:spcAft>
+              <a:buClrTx/>
+              <a:buSzTx/>
+              <a:buFontTx/>
+              <a:buNone/>
+              <a:tabLst/>
+            </a:pPr>
+            <a:endParaRPr kumimoji="0" lang="en-US" altLang="en-US" sz="800" b="0" i="0" u="none" strike="noStrike" cap="none" normalizeH="0" baseline="0">
+              <a:ln>
+                <a:noFill/>
+              </a:ln>
+              <a:solidFill>
+                <a:schemeClr val="tx1"/>
+              </a:solidFill>
+              <a:effectLst/>
+              <a:latin typeface="Arial" panose="020B0604020202020204" pitchFamily="34" charset="0"/>
+            </a:endParaRPr>
+          </a:p>
+          <a:p>
+            <a:pPr marL="0" marR="0" lvl="0" indent="0" algn="l" defTabSz="914400" rtl="0" eaLnBrk="0" fontAlgn="base" latinLnBrk="0" hangingPunct="0">
+              <a:lnSpc>
+                <a:spcPct val="100000"/>
+              </a:lnSpc>
+              <a:spcBef>
+                <a:spcPct val="0"/>
+              </a:spcBef>
+              <a:spcAft>
+                <a:spcPct val="0"/>
+              </a:spcAft>
+              <a:buClrTx/>
+              <a:buSzTx/>
+              <a:buFontTx/>
+              <a:buNone/>
+              <a:tabLst/>
+            </a:pPr>
+            <a:br>
+              <a:rPr kumimoji="0" lang="en-US" altLang="en-US" sz="1800" b="0" i="0" u="none" strike="noStrike" cap="none" normalizeH="0" baseline="0">
+                <a:ln>
+                  <a:noFill/>
+                </a:ln>
+                <a:solidFill>
+                  <a:schemeClr val="tx1"/>
+                </a:solidFill>
+                <a:effectLst/>
+                <a:latin typeface="Arial" panose="020B0604020202020204" pitchFamily="34" charset="0"/>
+              </a:rPr>
+            </a:br>
+            <a:endParaRPr kumimoji="0" lang="en-US" altLang="en-US" sz="1800" b="0" i="0" u="none" strike="noStrike" cap="none" normalizeH="0" baseline="0">
+              <a:ln>
+                <a:noFill/>
+              </a:ln>
+              <a:solidFill>
+                <a:schemeClr val="tx1"/>
+              </a:solidFill>
+              <a:effectLst/>
+              <a:latin typeface="Arial" panose="020B0604020202020204" pitchFamily="34" charset="0"/>
+            </a:endParaRPr>
+          </a:p>
+          <a:p>
+            <a:pPr marL="0" marR="0" lvl="0" indent="0" algn="l" defTabSz="914400" rtl="0" eaLnBrk="0" fontAlgn="base" latinLnBrk="0" hangingPunct="0">
+              <a:lnSpc>
+                <a:spcPct val="100000"/>
+              </a:lnSpc>
+              <a:spcBef>
+                <a:spcPct val="0"/>
+              </a:spcBef>
+              <a:spcAft>
+                <a:spcPct val="0"/>
+              </a:spcAft>
+              <a:buClrTx/>
+              <a:buSzTx/>
+              <a:buFontTx/>
+              <a:buNone/>
+              <a:tabLst/>
+            </a:pPr>
+            <a:endParaRPr kumimoji="0" lang="en-US" altLang="en-US" sz="1800" b="0" i="0" u="none" strike="noStrike" cap="none" normalizeH="0" baseline="0">
+              <a:ln>
+                <a:noFill/>
+              </a:ln>
+              <a:solidFill>
+                <a:schemeClr val="tx1"/>
+              </a:solidFill>
+              <a:effectLst/>
+              <a:latin typeface="Arial" panose="020B0604020202020204" pitchFamily="34" charset="0"/>
+            </a:endParaRPr>
+          </a:p>
+        </p:txBody>
+      </p:sp>
+      <p:sp>
+        <p:nvSpPr>
+          <p:cNvPr id="2062" name="Rectangle 62">
+            <a:extLst>
+              <a:ext uri="{FF2B5EF4-FFF2-40B4-BE49-F238E27FC236}">
+                <a16:creationId xmlns:a16="http://schemas.microsoft.com/office/drawing/2014/main" id="{8A682D20-FC04-46E9-A3B3-1EEA55D89FFD}"/>
+              </a:ext>
+            </a:extLst>
+          </p:cNvPr>
+          <p:cNvSpPr>
+            <a:spLocks noChangeArrowheads="1"/>
+          </p:cNvSpPr>
+          <p:nvPr/>
+        </p:nvSpPr>
+        <p:spPr bwMode="auto">
+          <a:xfrm>
+            <a:off x="6248400" y="609600"/>
+            <a:ext cx="0" cy="0"/>
+          </a:xfrm>
+          <a:prstGeom prst="rect">
+            <a:avLst/>
+          </a:prstGeom>
+          <a:solidFill>
+            <a:schemeClr val="accent1"/>
+          </a:solidFill>
+          <a:ln w="9525">
+            <a:solidFill>
+              <a:schemeClr val="tx1"/>
+            </a:solidFill>
+            <a:miter lim="800000"/>
+            <a:headEnd/>
+            <a:tailEnd/>
+          </a:ln>
+          <a:effectLst/>
+          <a:extLst>
+            <a:ext uri="{AF507438-7753-43E0-B8FC-AC1667EBCBE1}">
+              <a14:hiddenEffects xmlns:a14="http://schemas.microsoft.com/office/drawing/2010/main">
+                <a:effectLst>
+                  <a:outerShdw dist="35921" dir="2700000" algn="ctr" rotWithShape="0">
+                    <a:schemeClr val="bg2"/>
+                  </a:outerShdw>
+                </a:effectLst>
+              </a14:hiddenEffects>
+            </a:ext>
+          </a:extLst>
+        </p:spPr>
+        <p:txBody>
+          <a:bodyPr vert="horz" wrap="square" lIns="91440" tIns="45720" rIns="91440" bIns="45720" numCol="1" anchor="t" anchorCtr="0" compatLnSpc="1">
+            <a:prstTxWarp prst="textNoShape">
+              <a:avLst/>
+            </a:prstTxWarp>
+          </a:bodyPr>
+          <a:lstStyle/>
+          <a:p>
+            <a:pPr marL="0" marR="0" lvl="0" indent="0" algn="ctr" defTabSz="914400" rtl="0" eaLnBrk="0" fontAlgn="base" latinLnBrk="0" hangingPunct="0">
+              <a:lnSpc>
+                <a:spcPct val="100000"/>
+              </a:lnSpc>
+              <a:spcBef>
+                <a:spcPct val="0"/>
+              </a:spcBef>
+              <a:spcAft>
+                <a:spcPct val="0"/>
+              </a:spcAft>
+              <a:buClrTx/>
+              <a:buSzTx/>
+              <a:buFontTx/>
+              <a:buNone/>
+              <a:tabLst/>
+            </a:pPr>
+            <a:r>
+              <a:rPr kumimoji="0" lang="en-US" altLang="en-US" sz="1000" b="0" i="0" u="none" strike="noStrike" cap="none" normalizeH="0" baseline="0">
+                <a:ln>
+                  <a:noFill/>
+                </a:ln>
+                <a:solidFill>
+                  <a:schemeClr val="tx1"/>
+                </a:solidFill>
+                <a:effectLst/>
+                <a:latin typeface="Arial" panose="020B0604020202020204" pitchFamily="34" charset="0"/>
+                <a:ea typeface="Times New Roman" panose="02020603050405020304" pitchFamily="18" charset="0"/>
+              </a:rPr>
+              <a:t>D</a:t>
+            </a:r>
+            <a:r>
+              <a:rPr kumimoji="0" lang="en-US" altLang="en-US" sz="1000" b="0" i="0" u="none" strike="noStrike" cap="none" normalizeH="0" baseline="-30000">
+                <a:ln>
+                  <a:noFill/>
+                </a:ln>
+                <a:solidFill>
+                  <a:schemeClr val="tx1"/>
+                </a:solidFill>
+                <a:effectLst/>
+                <a:latin typeface="Arial" panose="020B0604020202020204" pitchFamily="34" charset="0"/>
+                <a:ea typeface="Times New Roman" panose="02020603050405020304" pitchFamily="18" charset="0"/>
+              </a:rPr>
+              <a:t>fd</a:t>
+            </a:r>
+            <a:endParaRPr kumimoji="0" lang="en-US" altLang="en-US" sz="1800" b="0" i="0" u="none" strike="noStrike" cap="none" normalizeH="0" baseline="0">
+              <a:ln>
+                <a:noFill/>
+              </a:ln>
+              <a:solidFill>
+                <a:schemeClr val="tx1"/>
+              </a:solidFill>
+              <a:effectLst/>
+              <a:latin typeface="Arial" panose="020B0604020202020204" pitchFamily="34" charset="0"/>
+            </a:endParaRPr>
+          </a:p>
+        </p:txBody>
+      </p:sp>
+      <p:sp>
+        <p:nvSpPr>
+          <p:cNvPr id="2063" name="Rectangle 66">
+            <a:extLst>
+              <a:ext uri="{FF2B5EF4-FFF2-40B4-BE49-F238E27FC236}">
+                <a16:creationId xmlns:a16="http://schemas.microsoft.com/office/drawing/2014/main" id="{1D9B5801-4EDE-4709-8B19-6F23FF404763}"/>
+              </a:ext>
+            </a:extLst>
+          </p:cNvPr>
+          <p:cNvSpPr>
+            <a:spLocks noChangeArrowheads="1"/>
+          </p:cNvSpPr>
+          <p:nvPr/>
+        </p:nvSpPr>
+        <p:spPr bwMode="auto">
+          <a:xfrm>
+            <a:off x="152400" y="746125"/>
+            <a:ext cx="12192000" cy="0"/>
+          </a:xfrm>
+          <a:prstGeom prst="rect">
+            <a:avLst/>
+          </a:prstGeom>
+          <a:noFill/>
+          <a:ln>
+            <a:noFill/>
+          </a:ln>
+          <a:effectLst/>
+          <a:extLst>
+            <a:ext uri="{909E8E84-426E-40DD-AFC4-6F175D3DCCD1}">
+              <a14:hiddenFill xmlns:a14="http://schemas.microsoft.com/office/drawing/2010/main">
+                <a:solidFill>
+                  <a:schemeClr val="accent1"/>
+                </a:solidFill>
+              </a14:hiddenFill>
+            </a:ext>
+            <a:ext uri="{91240B29-F687-4F45-9708-019B960494DF}">
+              <a14:hiddenLine xmlns:a14="http://schemas.microsoft.com/office/drawing/2010/main" w="9525">
+                <a:solidFill>
+                  <a:schemeClr val="tx1"/>
+                </a:solidFill>
+                <a:miter lim="800000"/>
+                <a:headEnd/>
+                <a:tailEnd/>
+              </a14:hiddenLine>
+            </a:ext>
+            <a:ext uri="{AF507438-7753-43E0-B8FC-AC1667EBCBE1}">
+              <a14:hiddenEffects xmlns:a14="http://schemas.microsoft.com/office/drawing/2010/main">
+                <a:effectLst>
+                  <a:outerShdw dist="35921" dir="2700000" algn="ctr" rotWithShape="0">
+                    <a:schemeClr val="bg2"/>
+                  </a:outerShdw>
+                </a:effectLst>
+              </a14:hiddenEffects>
+            </a:ext>
+          </a:extLst>
+        </p:spPr>
+        <p:txBody>
+          <a:bodyPr vert="horz" wrap="none" lIns="91440" tIns="45720" rIns="91440" bIns="45720" numCol="1" anchor="ctr" anchorCtr="0" compatLnSpc="1">
+            <a:prstTxWarp prst="textNoShape">
+              <a:avLst/>
+            </a:prstTxWarp>
+            <a:spAutoFit/>
+          </a:bodyPr>
+          <a:lstStyle/>
+          <a:p>
+            <a:endParaRPr lang="en-US"/>
+          </a:p>
+        </p:txBody>
+      </p:sp>
+      <p:sp>
+        <p:nvSpPr>
+          <p:cNvPr id="2064" name="Rectangle 67">
+            <a:extLst>
+              <a:ext uri="{FF2B5EF4-FFF2-40B4-BE49-F238E27FC236}">
+                <a16:creationId xmlns:a16="http://schemas.microsoft.com/office/drawing/2014/main" id="{D726BF74-125C-4F05-AF0D-C9E1FC0BD0E6}"/>
+              </a:ext>
+            </a:extLst>
+          </p:cNvPr>
+          <p:cNvSpPr>
+            <a:spLocks noChangeArrowheads="1"/>
+          </p:cNvSpPr>
+          <p:nvPr/>
+        </p:nvSpPr>
+        <p:spPr bwMode="auto">
+          <a:xfrm>
+            <a:off x="152400" y="3671888"/>
+            <a:ext cx="12192000" cy="0"/>
+          </a:xfrm>
+          <a:prstGeom prst="rect">
+            <a:avLst/>
+          </a:prstGeom>
+          <a:noFill/>
+          <a:ln>
+            <a:noFill/>
+          </a:ln>
+          <a:effectLst/>
+          <a:extLst>
+            <a:ext uri="{909E8E84-426E-40DD-AFC4-6F175D3DCCD1}">
+              <a14:hiddenFill xmlns:a14="http://schemas.microsoft.com/office/drawing/2010/main">
+                <a:solidFill>
+                  <a:schemeClr val="accent1"/>
+                </a:solidFill>
+              </a14:hiddenFill>
+            </a:ext>
+            <a:ext uri="{91240B29-F687-4F45-9708-019B960494DF}">
+              <a14:hiddenLine xmlns:a14="http://schemas.microsoft.com/office/drawing/2010/main" w="9525">
+                <a:solidFill>
+                  <a:schemeClr val="tx1"/>
+                </a:solidFill>
+                <a:miter lim="800000"/>
+                <a:headEnd/>
+                <a:tailEnd/>
+              </a14:hiddenLine>
+            </a:ext>
+            <a:ext uri="{AF507438-7753-43E0-B8FC-AC1667EBCBE1}">
+              <a14:hiddenEffects xmlns:a14="http://schemas.microsoft.com/office/drawing/2010/main">
+                <a:effectLst>
+                  <a:outerShdw dist="35921" dir="2700000" algn="ctr" rotWithShape="0">
+                    <a:schemeClr val="bg2"/>
+                  </a:outerShdw>
+                </a:effectLst>
+              </a14:hiddenEffects>
+            </a:ext>
+          </a:extLst>
+        </p:spPr>
+        <p:txBody>
+          <a:bodyPr vert="horz" wrap="none" lIns="91440" tIns="45720" rIns="91440" bIns="45720" numCol="1" anchor="ctr" anchorCtr="0" compatLnSpc="1">
+            <a:prstTxWarp prst="textNoShape">
+              <a:avLst/>
+            </a:prstTxWarp>
+            <a:spAutoFit/>
+          </a:bodyPr>
+          <a:lstStyle>
+            <a:lvl1pPr eaLnBrk="0" fontAlgn="base" hangingPunct="0">
+              <a:spcBef>
+                <a:spcPct val="0"/>
+              </a:spcBef>
+              <a:spcAft>
+                <a:spcPct val="0"/>
+              </a:spcAft>
+              <a:defRPr>
+                <a:solidFill>
+                  <a:schemeClr val="tx1"/>
+                </a:solidFill>
+                <a:latin typeface="Arial" panose="020B0604020202020204" pitchFamily="34" charset="0"/>
+              </a:defRPr>
+            </a:lvl1pPr>
+            <a:lvl2pPr eaLnBrk="0" fontAlgn="base" hangingPunct="0">
+              <a:spcBef>
+                <a:spcPct val="0"/>
+              </a:spcBef>
+              <a:spcAft>
+                <a:spcPct val="0"/>
+              </a:spcAft>
+              <a:defRPr>
+                <a:solidFill>
+                  <a:schemeClr val="tx1"/>
+                </a:solidFill>
+                <a:latin typeface="Arial" panose="020B0604020202020204" pitchFamily="34" charset="0"/>
+              </a:defRPr>
+            </a:lvl2pPr>
+            <a:lvl3pPr eaLnBrk="0" fontAlgn="base" hangingPunct="0">
+              <a:spcBef>
+                <a:spcPct val="0"/>
+              </a:spcBef>
+              <a:spcAft>
+                <a:spcPct val="0"/>
+              </a:spcAft>
+              <a:defRPr>
+                <a:solidFill>
+                  <a:schemeClr val="tx1"/>
+                </a:solidFill>
+                <a:latin typeface="Arial" panose="020B0604020202020204" pitchFamily="34" charset="0"/>
+              </a:defRPr>
+            </a:lvl3pPr>
+            <a:lvl4pPr eaLnBrk="0" fontAlgn="base" hangingPunct="0">
+              <a:spcBef>
+                <a:spcPct val="0"/>
+              </a:spcBef>
+              <a:spcAft>
+                <a:spcPct val="0"/>
+              </a:spcAft>
+              <a:defRPr>
+                <a:solidFill>
+                  <a:schemeClr val="tx1"/>
+                </a:solidFill>
+                <a:latin typeface="Arial" panose="020B0604020202020204" pitchFamily="34" charset="0"/>
+              </a:defRPr>
+            </a:lvl4pPr>
+            <a:lvl5pPr eaLnBrk="0" fontAlgn="base" hangingPunct="0">
+              <a:spcBef>
+                <a:spcPct val="0"/>
+              </a:spcBef>
+              <a:spcAft>
+                <a:spcPct val="0"/>
+              </a:spcAft>
+              <a:defRPr>
+                <a:solidFill>
+                  <a:schemeClr val="tx1"/>
+                </a:solidFill>
+                <a:latin typeface="Arial" panose="020B0604020202020204" pitchFamily="34" charset="0"/>
+              </a:defRPr>
+            </a:lvl5pPr>
+            <a:lvl6pPr eaLnBrk="0" fontAlgn="base" hangingPunct="0">
+              <a:spcBef>
+                <a:spcPct val="0"/>
+              </a:spcBef>
+              <a:spcAft>
+                <a:spcPct val="0"/>
+              </a:spcAft>
+              <a:defRPr>
+                <a:solidFill>
+                  <a:schemeClr val="tx1"/>
+                </a:solidFill>
+                <a:latin typeface="Arial" panose="020B0604020202020204" pitchFamily="34" charset="0"/>
+              </a:defRPr>
+            </a:lvl6pPr>
+            <a:lvl7pPr eaLnBrk="0" fontAlgn="base" hangingPunct="0">
+              <a:spcBef>
+                <a:spcPct val="0"/>
+              </a:spcBef>
+              <a:spcAft>
+                <a:spcPct val="0"/>
+              </a:spcAft>
+              <a:defRPr>
+                <a:solidFill>
+                  <a:schemeClr val="tx1"/>
+                </a:solidFill>
+                <a:latin typeface="Arial" panose="020B0604020202020204" pitchFamily="34" charset="0"/>
+              </a:defRPr>
+            </a:lvl7pPr>
+            <a:lvl8pPr eaLnBrk="0" fontAlgn="base" hangingPunct="0">
+              <a:spcBef>
+                <a:spcPct val="0"/>
+              </a:spcBef>
+              <a:spcAft>
+                <a:spcPct val="0"/>
+              </a:spcAft>
+              <a:defRPr>
+                <a:solidFill>
+                  <a:schemeClr val="tx1"/>
+                </a:solidFill>
+                <a:latin typeface="Arial" panose="020B0604020202020204" pitchFamily="34" charset="0"/>
+              </a:defRPr>
+            </a:lvl8pPr>
+            <a:lvl9pPr eaLnBrk="0" fontAlgn="base" hangingPunct="0">
+              <a:spcBef>
+                <a:spcPct val="0"/>
+              </a:spcBef>
+              <a:spcAft>
+                <a:spcPct val="0"/>
+              </a:spcAft>
+              <a:defRPr>
+                <a:solidFill>
+                  <a:schemeClr val="tx1"/>
+                </a:solidFill>
+                <a:latin typeface="Arial" panose="020B0604020202020204" pitchFamily="34" charset="0"/>
+              </a:defRPr>
+            </a:lvl9pPr>
+          </a:lstStyle>
+          <a:p>
+            <a:pPr marL="0" marR="0" lvl="0" indent="0" algn="l" defTabSz="914400" rtl="0" eaLnBrk="0" fontAlgn="base" latinLnBrk="0" hangingPunct="0">
+              <a:lnSpc>
+                <a:spcPct val="100000"/>
+              </a:lnSpc>
+              <a:spcBef>
+                <a:spcPct val="0"/>
+              </a:spcBef>
+              <a:spcAft>
+                <a:spcPct val="0"/>
+              </a:spcAft>
+              <a:buClrTx/>
+              <a:buSzTx/>
+              <a:buFontTx/>
+              <a:buNone/>
+              <a:tabLst/>
+            </a:pPr>
+            <a:endParaRPr kumimoji="0" lang="en-US" altLang="en-US" sz="800" b="0" i="0" u="none" strike="noStrike" cap="none" normalizeH="0" baseline="0">
+              <a:ln>
+                <a:noFill/>
+              </a:ln>
+              <a:solidFill>
+                <a:schemeClr val="tx1"/>
+              </a:solidFill>
+              <a:effectLst/>
+              <a:latin typeface="Arial" panose="020B0604020202020204" pitchFamily="34" charset="0"/>
+            </a:endParaRPr>
+          </a:p>
+          <a:p>
+            <a:pPr marL="0" marR="0" lvl="0" indent="0" algn="l" defTabSz="914400" rtl="0" eaLnBrk="0" fontAlgn="base" latinLnBrk="0" hangingPunct="0">
+              <a:lnSpc>
+                <a:spcPct val="100000"/>
+              </a:lnSpc>
+              <a:spcBef>
+                <a:spcPct val="0"/>
+              </a:spcBef>
+              <a:spcAft>
+                <a:spcPct val="0"/>
+              </a:spcAft>
+              <a:buClrTx/>
+              <a:buSzTx/>
+              <a:buFontTx/>
+              <a:buNone/>
+              <a:tabLst/>
+            </a:pPr>
+            <a:endParaRPr kumimoji="0" lang="en-US" altLang="en-US" sz="1800" b="0" i="0" u="none" strike="noStrike" cap="none" normalizeH="0" baseline="0">
+              <a:ln>
+                <a:noFill/>
+              </a:ln>
+              <a:solidFill>
+                <a:schemeClr val="tx1"/>
+              </a:solidFill>
+              <a:effectLst/>
+              <a:latin typeface="Arial" panose="020B0604020202020204" pitchFamily="34" charset="0"/>
+            </a:endParaRPr>
+          </a:p>
+        </p:txBody>
+      </p:sp>
+      <p:sp>
+        <p:nvSpPr>
+          <p:cNvPr id="2065" name="Rectangle 69">
+            <a:extLst>
+              <a:ext uri="{FF2B5EF4-FFF2-40B4-BE49-F238E27FC236}">
+                <a16:creationId xmlns:a16="http://schemas.microsoft.com/office/drawing/2014/main" id="{88CBF821-9FDD-4D73-A132-95F5A8A8BAED}"/>
+              </a:ext>
+            </a:extLst>
+          </p:cNvPr>
+          <p:cNvSpPr>
+            <a:spLocks noChangeArrowheads="1"/>
+          </p:cNvSpPr>
+          <p:nvPr/>
+        </p:nvSpPr>
+        <p:spPr bwMode="auto">
+          <a:xfrm>
+            <a:off x="152400" y="3671888"/>
+            <a:ext cx="12192000" cy="0"/>
+          </a:xfrm>
+          <a:prstGeom prst="rect">
+            <a:avLst/>
+          </a:prstGeom>
+          <a:noFill/>
+          <a:ln>
+            <a:noFill/>
+          </a:ln>
+          <a:effectLst/>
+          <a:extLst>
+            <a:ext uri="{909E8E84-426E-40DD-AFC4-6F175D3DCCD1}">
+              <a14:hiddenFill xmlns:a14="http://schemas.microsoft.com/office/drawing/2010/main">
+                <a:solidFill>
+                  <a:schemeClr val="accent1"/>
+                </a:solidFill>
+              </a14:hiddenFill>
+            </a:ext>
+            <a:ext uri="{91240B29-F687-4F45-9708-019B960494DF}">
+              <a14:hiddenLine xmlns:a14="http://schemas.microsoft.com/office/drawing/2010/main" w="9525">
+                <a:solidFill>
+                  <a:schemeClr val="tx1"/>
+                </a:solidFill>
+                <a:miter lim="800000"/>
+                <a:headEnd/>
+                <a:tailEnd/>
+              </a14:hiddenLine>
+            </a:ext>
+            <a:ext uri="{AF507438-7753-43E0-B8FC-AC1667EBCBE1}">
+              <a14:hiddenEffects xmlns:a14="http://schemas.microsoft.com/office/drawing/2010/main">
+                <a:effectLst>
+                  <a:outerShdw dist="35921" dir="2700000" algn="ctr" rotWithShape="0">
+                    <a:schemeClr val="bg2"/>
+                  </a:outerShdw>
+                </a:effectLst>
+              </a14:hiddenEffects>
+            </a:ext>
+          </a:extLst>
+        </p:spPr>
+        <p:txBody>
+          <a:bodyPr vert="horz" wrap="none" lIns="91440" tIns="45720" rIns="91440" bIns="45720" numCol="1" anchor="ctr" anchorCtr="0" compatLnSpc="1">
+            <a:prstTxWarp prst="textNoShape">
+              <a:avLst/>
+            </a:prstTxWarp>
+            <a:spAutoFit/>
+          </a:bodyPr>
+          <a:lstStyle/>
+          <a:p>
+            <a:endParaRPr lang="en-US"/>
+          </a:p>
+        </p:txBody>
+      </p:sp>
+    </p:spTree>
+    <p:extLst>
+      <p:ext uri="{BB962C8B-B14F-4D97-AF65-F5344CB8AC3E}">
+        <p14:creationId xmlns:p14="http://schemas.microsoft.com/office/powerpoint/2010/main" val="1202787738"/>
+      </p:ext>
+    </p:extLst>
+  </p:cSld>
+  <p:clrMapOvr>
+    <a:masterClrMapping/>
+  </p:clrMapOvr>
+</p:sld>
+</file>
+
+<file path=ppt/slides/slide7.xml><?xml version="1.0" encoding="utf-8"?>
+<p:sld xmlns:a="http://schemas.openxmlformats.org/drawingml/2006/main" xmlns:r="http://schemas.openxmlformats.org/officeDocument/2006/relationships" xmlns:p="http://schemas.openxmlformats.org/presentationml/2006/main">
+  <p:cSld>
+    <p:spTree>
+      <p:nvGrpSpPr>
+        <p:cNvPr id="1" name=""/>
+        <p:cNvGrpSpPr/>
+        <p:nvPr/>
+      </p:nvGrpSpPr>
+      <p:grpSpPr>
+        <a:xfrm>
+          <a:off x="0" y="0"/>
+          <a:ext cx="0" cy="0"/>
+          <a:chOff x="0" y="0"/>
+          <a:chExt cx="0" cy="0"/>
+        </a:xfrm>
+      </p:grpSpPr>
+      <p:pic>
+        <p:nvPicPr>
+          <p:cNvPr id="3074" name="Picture 2">
+            <a:extLst>
+              <a:ext uri="{FF2B5EF4-FFF2-40B4-BE49-F238E27FC236}">
+                <a16:creationId xmlns:a16="http://schemas.microsoft.com/office/drawing/2014/main" id="{B4DE017E-E92E-45E3-B06C-5FF3FDB75AA2}"/>
+              </a:ext>
+            </a:extLst>
+          </p:cNvPr>
+          <p:cNvPicPr>
+            <a:picLocks noChangeAspect="1" noChangeArrowheads="1"/>
+          </p:cNvPicPr>
+          <p:nvPr/>
+        </p:nvPicPr>
+        <p:blipFill>
+          <a:blip r:embed="rId2">
+            <a:extLst>
+              <a:ext uri="{28A0092B-C50C-407E-A947-70E740481C1C}">
+                <a14:useLocalDpi xmlns:a14="http://schemas.microsoft.com/office/drawing/2010/main" val="0"/>
+              </a:ext>
+            </a:extLst>
+          </a:blip>
+          <a:srcRect l="20880" t="8948" r="36855" b="9332"/>
+          <a:stretch>
+            <a:fillRect/>
+          </a:stretch>
+        </p:blipFill>
+        <p:spPr bwMode="auto">
+          <a:xfrm>
+            <a:off x="0" y="914400"/>
+            <a:ext cx="784225" cy="2225675"/>
+          </a:xfrm>
+          <a:prstGeom prst="rect">
+            <a:avLst/>
+          </a:prstGeom>
+          <a:noFill/>
+          <a:extLst>
+            <a:ext uri="{909E8E84-426E-40DD-AFC4-6F175D3DCCD1}">
+              <a14:hiddenFill xmlns:a14="http://schemas.microsoft.com/office/drawing/2010/main">
+                <a:solidFill>
+                  <a:srgbClr val="FFFFFF"/>
+                </a:solidFill>
+              </a14:hiddenFill>
+            </a:ext>
+          </a:extLst>
+        </p:spPr>
+      </p:pic>
+      <p:sp>
+        <p:nvSpPr>
+          <p:cNvPr id="5" name="Text Box 3">
+            <a:extLst>
+              <a:ext uri="{FF2B5EF4-FFF2-40B4-BE49-F238E27FC236}">
+                <a16:creationId xmlns:a16="http://schemas.microsoft.com/office/drawing/2014/main" id="{85CFD60D-4CC3-49E6-AEA5-C81E8D865A61}"/>
+              </a:ext>
+            </a:extLst>
+          </p:cNvPr>
+          <p:cNvSpPr txBox="1">
+            <a:spLocks noChangeArrowheads="1"/>
+          </p:cNvSpPr>
+          <p:nvPr/>
+        </p:nvSpPr>
+        <p:spPr bwMode="auto">
+          <a:xfrm>
+            <a:off x="1673225" y="773113"/>
+            <a:ext cx="434975" cy="258762"/>
+          </a:xfrm>
+          <a:prstGeom prst="rect">
+            <a:avLst/>
+          </a:prstGeom>
+          <a:noFill/>
+          <a:ln>
+            <a:noFill/>
+          </a:ln>
+          <a:extLst>
+            <a:ext uri="{909E8E84-426E-40DD-AFC4-6F175D3DCCD1}">
+              <a14:hiddenFill xmlns:a14="http://schemas.microsoft.com/office/drawing/2010/main">
+                <a:solidFill>
+                  <a:srgbClr val="FFFFFF"/>
+                </a:solidFill>
+              </a14:hiddenFill>
+            </a:ext>
+            <a:ext uri="{91240B29-F687-4F45-9708-019B960494DF}">
+              <a14:hiddenLine xmlns:a14="http://schemas.microsoft.com/office/drawing/2010/main" w="6350">
+                <a:solidFill>
+                  <a:srgbClr val="000000"/>
+                </a:solidFill>
+                <a:miter lim="800000"/>
+                <a:headEnd/>
+                <a:tailEnd/>
+              </a14:hiddenLine>
+            </a:ext>
+          </a:extLst>
+        </p:spPr>
+        <p:txBody>
+          <a:bodyPr vert="horz" wrap="square" lIns="91440" tIns="45720" rIns="91440" bIns="45720" numCol="1" anchor="t" anchorCtr="0" compatLnSpc="1">
+            <a:prstTxWarp prst="textNoShape">
+              <a:avLst/>
+            </a:prstTxWarp>
+          </a:bodyPr>
+          <a:lstStyle/>
+          <a:p>
+            <a:pPr marL="0" marR="0" lvl="0" indent="0" algn="ctr" defTabSz="914400" rtl="0" eaLnBrk="0" fontAlgn="base" latinLnBrk="0" hangingPunct="0">
+              <a:lnSpc>
+                <a:spcPct val="100000"/>
+              </a:lnSpc>
+              <a:spcBef>
+                <a:spcPct val="0"/>
+              </a:spcBef>
+              <a:spcAft>
+                <a:spcPct val="0"/>
+              </a:spcAft>
+              <a:buClrTx/>
+              <a:buSzTx/>
+              <a:buFontTx/>
+              <a:buNone/>
+              <a:tabLst/>
+            </a:pPr>
+            <a:r>
+              <a:rPr kumimoji="0" lang="en-US" altLang="en-US" sz="1000" b="0" i="0" u="none" strike="noStrike" cap="none" normalizeH="0" baseline="0">
+                <a:ln>
+                  <a:noFill/>
+                </a:ln>
+                <a:solidFill>
+                  <a:schemeClr val="tx1"/>
+                </a:solidFill>
+                <a:effectLst/>
+                <a:latin typeface="Arial" panose="020B0604020202020204" pitchFamily="34" charset="0"/>
+                <a:ea typeface="Times New Roman" panose="02020603050405020304" pitchFamily="18" charset="0"/>
+              </a:rPr>
+              <a:t>90</a:t>
+            </a:r>
+            <a:r>
+              <a:rPr kumimoji="0" lang="en-US" altLang="en-US" sz="1000" b="0" i="0" u="none" strike="noStrike" cap="none" normalizeH="0" baseline="30000">
+                <a:ln>
+                  <a:noFill/>
+                </a:ln>
+                <a:solidFill>
+                  <a:schemeClr val="tx1"/>
+                </a:solidFill>
+                <a:effectLst/>
+                <a:latin typeface="Arial" panose="020B0604020202020204" pitchFamily="34" charset="0"/>
+                <a:ea typeface="Times New Roman" panose="02020603050405020304" pitchFamily="18" charset="0"/>
+              </a:rPr>
+              <a:t>o</a:t>
+            </a:r>
+            <a:endParaRPr kumimoji="0" lang="en-US" altLang="en-US" sz="1800" b="0" i="0" u="none" strike="noStrike" cap="none" normalizeH="0" baseline="0">
+              <a:ln>
+                <a:noFill/>
+              </a:ln>
+              <a:solidFill>
+                <a:schemeClr val="tx1"/>
+              </a:solidFill>
+              <a:effectLst/>
+              <a:latin typeface="Arial" panose="020B0604020202020204" pitchFamily="34" charset="0"/>
+            </a:endParaRPr>
+          </a:p>
+        </p:txBody>
+      </p:sp>
+      <p:sp>
+        <p:nvSpPr>
+          <p:cNvPr id="6" name="Text Box 4">
+            <a:extLst>
+              <a:ext uri="{FF2B5EF4-FFF2-40B4-BE49-F238E27FC236}">
+                <a16:creationId xmlns:a16="http://schemas.microsoft.com/office/drawing/2014/main" id="{7EEB1FA8-A475-42D0-887D-F7067B7C8194}"/>
+              </a:ext>
+            </a:extLst>
+          </p:cNvPr>
+          <p:cNvSpPr txBox="1">
+            <a:spLocks noChangeArrowheads="1"/>
+          </p:cNvSpPr>
+          <p:nvPr/>
+        </p:nvSpPr>
+        <p:spPr bwMode="auto">
+          <a:xfrm>
+            <a:off x="1668463" y="3151188"/>
+            <a:ext cx="434975" cy="258762"/>
+          </a:xfrm>
+          <a:prstGeom prst="rect">
+            <a:avLst/>
+          </a:prstGeom>
+          <a:noFill/>
+          <a:ln>
+            <a:noFill/>
+          </a:ln>
+          <a:extLst>
+            <a:ext uri="{909E8E84-426E-40DD-AFC4-6F175D3DCCD1}">
+              <a14:hiddenFill xmlns:a14="http://schemas.microsoft.com/office/drawing/2010/main">
+                <a:solidFill>
+                  <a:srgbClr val="FFFFFF"/>
+                </a:solidFill>
+              </a14:hiddenFill>
+            </a:ext>
+            <a:ext uri="{91240B29-F687-4F45-9708-019B960494DF}">
+              <a14:hiddenLine xmlns:a14="http://schemas.microsoft.com/office/drawing/2010/main" w="6350">
+                <a:solidFill>
+                  <a:srgbClr val="000000"/>
+                </a:solidFill>
+                <a:miter lim="800000"/>
+                <a:headEnd/>
+                <a:tailEnd/>
+              </a14:hiddenLine>
+            </a:ext>
+          </a:extLst>
+        </p:spPr>
+        <p:txBody>
+          <a:bodyPr vert="horz" wrap="square" lIns="91440" tIns="45720" rIns="91440" bIns="45720" numCol="1" anchor="t" anchorCtr="0" compatLnSpc="1">
+            <a:prstTxWarp prst="textNoShape">
+              <a:avLst/>
+            </a:prstTxWarp>
+          </a:bodyPr>
+          <a:lstStyle/>
+          <a:p>
+            <a:pPr marL="0" marR="0" lvl="0" indent="0" algn="ctr" defTabSz="914400" rtl="0" eaLnBrk="0" fontAlgn="base" latinLnBrk="0" hangingPunct="0">
+              <a:lnSpc>
+                <a:spcPct val="100000"/>
+              </a:lnSpc>
+              <a:spcBef>
+                <a:spcPct val="0"/>
+              </a:spcBef>
+              <a:spcAft>
+                <a:spcPct val="0"/>
+              </a:spcAft>
+              <a:buClrTx/>
+              <a:buSzTx/>
+              <a:buFontTx/>
+              <a:buNone/>
+              <a:tabLst/>
+            </a:pPr>
+            <a:r>
+              <a:rPr kumimoji="0" lang="en-US" altLang="en-US" sz="1000" b="0" i="0" u="none" strike="noStrike" cap="none" normalizeH="0" baseline="0">
+                <a:ln>
+                  <a:noFill/>
+                </a:ln>
+                <a:solidFill>
+                  <a:schemeClr val="tx1"/>
+                </a:solidFill>
+                <a:effectLst/>
+                <a:latin typeface="Arial" panose="020B0604020202020204" pitchFamily="34" charset="0"/>
+                <a:ea typeface="Times New Roman" panose="02020603050405020304" pitchFamily="18" charset="0"/>
+              </a:rPr>
+              <a:t>270</a:t>
+            </a:r>
+            <a:r>
+              <a:rPr kumimoji="0" lang="en-US" altLang="en-US" sz="1000" b="0" i="0" u="none" strike="noStrike" cap="none" normalizeH="0" baseline="30000">
+                <a:ln>
+                  <a:noFill/>
+                </a:ln>
+                <a:solidFill>
+                  <a:schemeClr val="tx1"/>
+                </a:solidFill>
+                <a:effectLst/>
+                <a:latin typeface="Arial" panose="020B0604020202020204" pitchFamily="34" charset="0"/>
+                <a:ea typeface="Times New Roman" panose="02020603050405020304" pitchFamily="18" charset="0"/>
+              </a:rPr>
+              <a:t>o</a:t>
+            </a:r>
+            <a:endParaRPr kumimoji="0" lang="en-US" altLang="en-US" sz="1800" b="0" i="0" u="none" strike="noStrike" cap="none" normalizeH="0" baseline="0">
+              <a:ln>
+                <a:noFill/>
+              </a:ln>
+              <a:solidFill>
+                <a:schemeClr val="tx1"/>
+              </a:solidFill>
+              <a:effectLst/>
+              <a:latin typeface="Arial" panose="020B0604020202020204" pitchFamily="34" charset="0"/>
+            </a:endParaRPr>
+          </a:p>
+        </p:txBody>
+      </p:sp>
+      <p:sp>
+        <p:nvSpPr>
+          <p:cNvPr id="7" name="Text Box 5">
+            <a:extLst>
+              <a:ext uri="{FF2B5EF4-FFF2-40B4-BE49-F238E27FC236}">
+                <a16:creationId xmlns:a16="http://schemas.microsoft.com/office/drawing/2014/main" id="{5F366531-FB6E-4D3E-9CB7-1FA5D7B707B7}"/>
+              </a:ext>
+            </a:extLst>
+          </p:cNvPr>
+          <p:cNvSpPr txBox="1">
+            <a:spLocks noChangeArrowheads="1"/>
+          </p:cNvSpPr>
+          <p:nvPr/>
+        </p:nvSpPr>
+        <p:spPr bwMode="auto">
+          <a:xfrm>
+            <a:off x="1355725" y="1203325"/>
+            <a:ext cx="434975" cy="258763"/>
+          </a:xfrm>
+          <a:prstGeom prst="rect">
+            <a:avLst/>
+          </a:prstGeom>
+          <a:noFill/>
+          <a:ln>
+            <a:noFill/>
+          </a:ln>
+          <a:extLst>
+            <a:ext uri="{909E8E84-426E-40DD-AFC4-6F175D3DCCD1}">
+              <a14:hiddenFill xmlns:a14="http://schemas.microsoft.com/office/drawing/2010/main">
+                <a:solidFill>
+                  <a:srgbClr val="FFFFFF"/>
+                </a:solidFill>
+              </a14:hiddenFill>
+            </a:ext>
+            <a:ext uri="{91240B29-F687-4F45-9708-019B960494DF}">
+              <a14:hiddenLine xmlns:a14="http://schemas.microsoft.com/office/drawing/2010/main" w="6350">
+                <a:solidFill>
+                  <a:srgbClr val="000000"/>
+                </a:solidFill>
+                <a:miter lim="800000"/>
+                <a:headEnd/>
+                <a:tailEnd/>
+              </a14:hiddenLine>
+            </a:ext>
+          </a:extLst>
+        </p:spPr>
+        <p:txBody>
+          <a:bodyPr vert="horz" wrap="square" lIns="91440" tIns="45720" rIns="91440" bIns="45720" numCol="1" anchor="t" anchorCtr="0" compatLnSpc="1">
+            <a:prstTxWarp prst="textNoShape">
+              <a:avLst/>
+            </a:prstTxWarp>
+          </a:bodyPr>
+          <a:lstStyle/>
+          <a:p>
+            <a:pPr marL="0" marR="0" lvl="0" indent="0" algn="ctr" defTabSz="914400" rtl="0" eaLnBrk="0" fontAlgn="base" latinLnBrk="0" hangingPunct="0">
+              <a:lnSpc>
+                <a:spcPct val="100000"/>
+              </a:lnSpc>
+              <a:spcBef>
+                <a:spcPct val="0"/>
+              </a:spcBef>
+              <a:spcAft>
+                <a:spcPct val="0"/>
+              </a:spcAft>
+              <a:buClrTx/>
+              <a:buSzTx/>
+              <a:buFontTx/>
+              <a:buNone/>
+              <a:tabLst/>
+            </a:pPr>
+            <a:r>
+              <a:rPr kumimoji="0" lang="en-US" altLang="en-US" sz="1000" b="0" i="0" u="none" strike="noStrike" cap="none" normalizeH="0" baseline="0">
+                <a:ln>
+                  <a:noFill/>
+                </a:ln>
+                <a:solidFill>
+                  <a:schemeClr val="tx1"/>
+                </a:solidFill>
+                <a:effectLst/>
+                <a:latin typeface="Arial" panose="020B0604020202020204" pitchFamily="34" charset="0"/>
+                <a:ea typeface="Times New Roman" panose="02020603050405020304" pitchFamily="18" charset="0"/>
+              </a:rPr>
+              <a:t>120</a:t>
+            </a:r>
+            <a:r>
+              <a:rPr kumimoji="0" lang="en-US" altLang="en-US" sz="1000" b="0" i="0" u="none" strike="noStrike" cap="none" normalizeH="0" baseline="30000">
+                <a:ln>
+                  <a:noFill/>
+                </a:ln>
+                <a:solidFill>
+                  <a:schemeClr val="tx1"/>
+                </a:solidFill>
+                <a:effectLst/>
+                <a:latin typeface="Arial" panose="020B0604020202020204" pitchFamily="34" charset="0"/>
+                <a:ea typeface="Times New Roman" panose="02020603050405020304" pitchFamily="18" charset="0"/>
+              </a:rPr>
+              <a:t>o</a:t>
+            </a:r>
+            <a:endParaRPr kumimoji="0" lang="en-US" altLang="en-US" sz="1800" b="0" i="0" u="none" strike="noStrike" cap="none" normalizeH="0" baseline="0">
+              <a:ln>
+                <a:noFill/>
+              </a:ln>
+              <a:solidFill>
+                <a:schemeClr val="tx1"/>
+              </a:solidFill>
+              <a:effectLst/>
+              <a:latin typeface="Arial" panose="020B0604020202020204" pitchFamily="34" charset="0"/>
+            </a:endParaRPr>
+          </a:p>
+        </p:txBody>
+      </p:sp>
+      <p:sp>
+        <p:nvSpPr>
+          <p:cNvPr id="8" name="Text Box 6">
+            <a:extLst>
+              <a:ext uri="{FF2B5EF4-FFF2-40B4-BE49-F238E27FC236}">
+                <a16:creationId xmlns:a16="http://schemas.microsoft.com/office/drawing/2014/main" id="{65E9F9D1-6545-4F15-9A4D-34D35C840EA2}"/>
+              </a:ext>
+            </a:extLst>
+          </p:cNvPr>
+          <p:cNvSpPr txBox="1">
+            <a:spLocks noChangeArrowheads="1"/>
+          </p:cNvSpPr>
+          <p:nvPr/>
+        </p:nvSpPr>
+        <p:spPr bwMode="auto">
+          <a:xfrm>
+            <a:off x="1379538" y="2674938"/>
+            <a:ext cx="434975" cy="258762"/>
+          </a:xfrm>
+          <a:prstGeom prst="rect">
+            <a:avLst/>
+          </a:prstGeom>
+          <a:noFill/>
+          <a:ln>
+            <a:noFill/>
+          </a:ln>
+          <a:extLst>
+            <a:ext uri="{909E8E84-426E-40DD-AFC4-6F175D3DCCD1}">
+              <a14:hiddenFill xmlns:a14="http://schemas.microsoft.com/office/drawing/2010/main">
+                <a:solidFill>
+                  <a:srgbClr val="FFFFFF"/>
+                </a:solidFill>
+              </a14:hiddenFill>
+            </a:ext>
+            <a:ext uri="{91240B29-F687-4F45-9708-019B960494DF}">
+              <a14:hiddenLine xmlns:a14="http://schemas.microsoft.com/office/drawing/2010/main" w="6350">
+                <a:solidFill>
+                  <a:srgbClr val="000000"/>
+                </a:solidFill>
+                <a:miter lim="800000"/>
+                <a:headEnd/>
+                <a:tailEnd/>
+              </a14:hiddenLine>
+            </a:ext>
+          </a:extLst>
+        </p:spPr>
+        <p:txBody>
+          <a:bodyPr vert="horz" wrap="square" lIns="91440" tIns="45720" rIns="91440" bIns="45720" numCol="1" anchor="t" anchorCtr="0" compatLnSpc="1">
+            <a:prstTxWarp prst="textNoShape">
+              <a:avLst/>
+            </a:prstTxWarp>
+          </a:bodyPr>
+          <a:lstStyle/>
+          <a:p>
+            <a:pPr marL="0" marR="0" lvl="0" indent="0" algn="ctr" defTabSz="914400" rtl="0" eaLnBrk="0" fontAlgn="base" latinLnBrk="0" hangingPunct="0">
+              <a:lnSpc>
+                <a:spcPct val="100000"/>
+              </a:lnSpc>
+              <a:spcBef>
+                <a:spcPct val="0"/>
+              </a:spcBef>
+              <a:spcAft>
+                <a:spcPct val="0"/>
+              </a:spcAft>
+              <a:buClrTx/>
+              <a:buSzTx/>
+              <a:buFontTx/>
+              <a:buNone/>
+              <a:tabLst/>
+            </a:pPr>
+            <a:r>
+              <a:rPr kumimoji="0" lang="en-US" altLang="en-US" sz="1000" b="0" i="0" u="none" strike="noStrike" cap="none" normalizeH="0" baseline="0">
+                <a:ln>
+                  <a:noFill/>
+                </a:ln>
+                <a:solidFill>
+                  <a:schemeClr val="tx1"/>
+                </a:solidFill>
+                <a:effectLst/>
+                <a:latin typeface="Arial" panose="020B0604020202020204" pitchFamily="34" charset="0"/>
+                <a:ea typeface="Times New Roman" panose="02020603050405020304" pitchFamily="18" charset="0"/>
+              </a:rPr>
+              <a:t>240</a:t>
+            </a:r>
+            <a:r>
+              <a:rPr kumimoji="0" lang="en-US" altLang="en-US" sz="1000" b="0" i="0" u="none" strike="noStrike" cap="none" normalizeH="0" baseline="30000">
+                <a:ln>
+                  <a:noFill/>
+                </a:ln>
+                <a:solidFill>
+                  <a:schemeClr val="tx1"/>
+                </a:solidFill>
+                <a:effectLst/>
+                <a:latin typeface="Arial" panose="020B0604020202020204" pitchFamily="34" charset="0"/>
+                <a:ea typeface="Times New Roman" panose="02020603050405020304" pitchFamily="18" charset="0"/>
+              </a:rPr>
+              <a:t>o</a:t>
+            </a:r>
+            <a:endParaRPr kumimoji="0" lang="en-US" altLang="en-US" sz="1800" b="0" i="0" u="none" strike="noStrike" cap="none" normalizeH="0" baseline="0">
+              <a:ln>
+                <a:noFill/>
+              </a:ln>
+              <a:solidFill>
+                <a:schemeClr val="tx1"/>
+              </a:solidFill>
+              <a:effectLst/>
+              <a:latin typeface="Arial" panose="020B0604020202020204" pitchFamily="34" charset="0"/>
+            </a:endParaRPr>
+          </a:p>
+        </p:txBody>
+      </p:sp>
+      <p:cxnSp>
+        <p:nvCxnSpPr>
+          <p:cNvPr id="10" name="Straight Arrow Connector 9">
+            <a:extLst>
+              <a:ext uri="{FF2B5EF4-FFF2-40B4-BE49-F238E27FC236}">
+                <a16:creationId xmlns:a16="http://schemas.microsoft.com/office/drawing/2014/main" id="{9D404D96-9260-4E1F-9017-E558BE7B6DE3}"/>
+              </a:ext>
+            </a:extLst>
+          </p:cNvPr>
+          <p:cNvCxnSpPr/>
+          <p:nvPr/>
+        </p:nvCxnSpPr>
+        <p:spPr>
+          <a:xfrm flipV="1">
+            <a:off x="704850" y="1398905"/>
+            <a:ext cx="0" cy="411480"/>
+          </a:xfrm>
+          <a:prstGeom prst="straightConnector1">
+            <a:avLst/>
+          </a:prstGeom>
+          <a:ln>
+            <a:tailEnd type="triangle"/>
+          </a:ln>
+        </p:spPr>
+        <p:style>
+          <a:lnRef idx="1">
+            <a:schemeClr val="dk1"/>
+          </a:lnRef>
+          <a:fillRef idx="0">
+            <a:schemeClr val="dk1"/>
+          </a:fillRef>
+          <a:effectRef idx="0">
+            <a:schemeClr val="dk1"/>
+          </a:effectRef>
+          <a:fontRef idx="minor">
+            <a:schemeClr val="tx1"/>
+          </a:fontRef>
+        </p:style>
+      </p:cxnSp>
+      <p:cxnSp>
+        <p:nvCxnSpPr>
+          <p:cNvPr id="11" name="Straight Arrow Connector 10">
+            <a:extLst>
+              <a:ext uri="{FF2B5EF4-FFF2-40B4-BE49-F238E27FC236}">
+                <a16:creationId xmlns:a16="http://schemas.microsoft.com/office/drawing/2014/main" id="{9383B5D9-0A53-4FE5-8BBA-C3DB930294D1}"/>
+              </a:ext>
+            </a:extLst>
+          </p:cNvPr>
+          <p:cNvCxnSpPr/>
+          <p:nvPr/>
+        </p:nvCxnSpPr>
+        <p:spPr>
+          <a:xfrm>
+            <a:off x="704850" y="1825625"/>
+            <a:ext cx="381000" cy="0"/>
+          </a:xfrm>
+          <a:prstGeom prst="straightConnector1">
+            <a:avLst/>
+          </a:prstGeom>
+          <a:ln>
+            <a:tailEnd type="triangle"/>
+          </a:ln>
+        </p:spPr>
+        <p:style>
+          <a:lnRef idx="1">
+            <a:schemeClr val="dk1"/>
+          </a:lnRef>
+          <a:fillRef idx="0">
+            <a:schemeClr val="dk1"/>
+          </a:fillRef>
+          <a:effectRef idx="0">
+            <a:schemeClr val="dk1"/>
+          </a:effectRef>
+          <a:fontRef idx="minor">
+            <a:schemeClr val="tx1"/>
+          </a:fontRef>
+        </p:style>
+      </p:cxnSp>
+      <p:sp>
+        <p:nvSpPr>
+          <p:cNvPr id="9" name="Text Box 9">
+            <a:extLst>
+              <a:ext uri="{FF2B5EF4-FFF2-40B4-BE49-F238E27FC236}">
+                <a16:creationId xmlns:a16="http://schemas.microsoft.com/office/drawing/2014/main" id="{49C38B4D-8F33-4D67-938D-CEF5917B5FDA}"/>
+              </a:ext>
+            </a:extLst>
+          </p:cNvPr>
+          <p:cNvSpPr txBox="1">
+            <a:spLocks noChangeArrowheads="1"/>
+          </p:cNvSpPr>
+          <p:nvPr/>
+        </p:nvSpPr>
+        <p:spPr bwMode="auto">
+          <a:xfrm>
+            <a:off x="60325" y="573088"/>
+            <a:ext cx="434975" cy="258762"/>
+          </a:xfrm>
+          <a:prstGeom prst="rect">
+            <a:avLst/>
+          </a:prstGeom>
+          <a:noFill/>
+          <a:ln>
+            <a:noFill/>
+          </a:ln>
+          <a:extLst>
+            <a:ext uri="{909E8E84-426E-40DD-AFC4-6F175D3DCCD1}">
+              <a14:hiddenFill xmlns:a14="http://schemas.microsoft.com/office/drawing/2010/main">
+                <a:solidFill>
+                  <a:srgbClr val="FFFFFF"/>
+                </a:solidFill>
+              </a14:hiddenFill>
+            </a:ext>
+            <a:ext uri="{91240B29-F687-4F45-9708-019B960494DF}">
+              <a14:hiddenLine xmlns:a14="http://schemas.microsoft.com/office/drawing/2010/main" w="6350">
+                <a:solidFill>
+                  <a:srgbClr val="000000"/>
+                </a:solidFill>
+                <a:miter lim="800000"/>
+                <a:headEnd/>
+                <a:tailEnd/>
+              </a14:hiddenLine>
+            </a:ext>
+          </a:extLst>
+        </p:spPr>
+        <p:txBody>
+          <a:bodyPr vert="horz" wrap="square" lIns="91440" tIns="45720" rIns="91440" bIns="45720" numCol="1" anchor="t" anchorCtr="0" compatLnSpc="1">
+            <a:prstTxWarp prst="textNoShape">
+              <a:avLst/>
+            </a:prstTxWarp>
+          </a:bodyPr>
+          <a:lstStyle/>
+          <a:p>
+            <a:pPr marL="0" marR="0" lvl="0" indent="0" algn="ctr" defTabSz="914400" rtl="0" eaLnBrk="0" fontAlgn="base" latinLnBrk="0" hangingPunct="0">
+              <a:lnSpc>
+                <a:spcPct val="100000"/>
+              </a:lnSpc>
+              <a:spcBef>
+                <a:spcPct val="0"/>
+              </a:spcBef>
+              <a:spcAft>
+                <a:spcPct val="0"/>
+              </a:spcAft>
+              <a:buClrTx/>
+              <a:buSzTx/>
+              <a:buFontTx/>
+              <a:buNone/>
+              <a:tabLst/>
+            </a:pPr>
+            <a:r>
+              <a:rPr kumimoji="0" lang="en-US" altLang="en-US" sz="1000" b="0" i="0" u="none" strike="noStrike" cap="none" normalizeH="0" baseline="0">
+                <a:ln>
+                  <a:noFill/>
+                </a:ln>
+                <a:solidFill>
+                  <a:schemeClr val="tx1"/>
+                </a:solidFill>
+                <a:effectLst/>
+                <a:latin typeface="Arial" panose="020B0604020202020204" pitchFamily="34" charset="0"/>
+                <a:ea typeface="Times New Roman" panose="02020603050405020304" pitchFamily="18" charset="0"/>
+              </a:rPr>
+              <a:t>+y</a:t>
+            </a:r>
+            <a:endParaRPr kumimoji="0" lang="en-US" altLang="en-US" sz="1800" b="0" i="0" u="none" strike="noStrike" cap="none" normalizeH="0" baseline="0">
+              <a:ln>
+                <a:noFill/>
+              </a:ln>
+              <a:solidFill>
+                <a:schemeClr val="tx1"/>
+              </a:solidFill>
+              <a:effectLst/>
+              <a:latin typeface="Arial" panose="020B0604020202020204" pitchFamily="34" charset="0"/>
+            </a:endParaRPr>
+          </a:p>
+        </p:txBody>
+      </p:sp>
+      <p:sp>
+        <p:nvSpPr>
+          <p:cNvPr id="12" name="Text Box 10">
+            <a:extLst>
+              <a:ext uri="{FF2B5EF4-FFF2-40B4-BE49-F238E27FC236}">
+                <a16:creationId xmlns:a16="http://schemas.microsoft.com/office/drawing/2014/main" id="{784032E7-6291-406D-B7CA-A930EE9CDDF2}"/>
+              </a:ext>
+            </a:extLst>
+          </p:cNvPr>
+          <p:cNvSpPr txBox="1">
+            <a:spLocks noChangeArrowheads="1"/>
+          </p:cNvSpPr>
+          <p:nvPr/>
+        </p:nvSpPr>
+        <p:spPr bwMode="auto">
+          <a:xfrm>
+            <a:off x="525463" y="952500"/>
+            <a:ext cx="434975" cy="258763"/>
+          </a:xfrm>
+          <a:prstGeom prst="rect">
+            <a:avLst/>
+          </a:prstGeom>
+          <a:noFill/>
+          <a:ln>
+            <a:noFill/>
+          </a:ln>
+          <a:extLst>
+            <a:ext uri="{909E8E84-426E-40DD-AFC4-6F175D3DCCD1}">
+              <a14:hiddenFill xmlns:a14="http://schemas.microsoft.com/office/drawing/2010/main">
+                <a:solidFill>
+                  <a:srgbClr val="FFFFFF"/>
+                </a:solidFill>
+              </a14:hiddenFill>
+            </a:ext>
+            <a:ext uri="{91240B29-F687-4F45-9708-019B960494DF}">
+              <a14:hiddenLine xmlns:a14="http://schemas.microsoft.com/office/drawing/2010/main" w="6350">
+                <a:solidFill>
+                  <a:srgbClr val="000000"/>
+                </a:solidFill>
+                <a:miter lim="800000"/>
+                <a:headEnd/>
+                <a:tailEnd/>
+              </a14:hiddenLine>
+            </a:ext>
+          </a:extLst>
+        </p:spPr>
+        <p:txBody>
+          <a:bodyPr vert="horz" wrap="square" lIns="91440" tIns="45720" rIns="91440" bIns="45720" numCol="1" anchor="t" anchorCtr="0" compatLnSpc="1">
+            <a:prstTxWarp prst="textNoShape">
+              <a:avLst/>
+            </a:prstTxWarp>
+          </a:bodyPr>
+          <a:lstStyle/>
+          <a:p>
+            <a:pPr marL="0" marR="0" lvl="0" indent="0" algn="ctr" defTabSz="914400" rtl="0" eaLnBrk="0" fontAlgn="base" latinLnBrk="0" hangingPunct="0">
+              <a:lnSpc>
+                <a:spcPct val="100000"/>
+              </a:lnSpc>
+              <a:spcBef>
+                <a:spcPct val="0"/>
+              </a:spcBef>
+              <a:spcAft>
+                <a:spcPct val="0"/>
+              </a:spcAft>
+              <a:buClrTx/>
+              <a:buSzTx/>
+              <a:buFontTx/>
+              <a:buNone/>
+              <a:tabLst/>
+            </a:pPr>
+            <a:r>
+              <a:rPr kumimoji="0" lang="en-US" altLang="en-US" sz="1000" b="0" i="0" u="none" strike="noStrike" cap="none" normalizeH="0" baseline="0">
+                <a:ln>
+                  <a:noFill/>
+                </a:ln>
+                <a:solidFill>
+                  <a:schemeClr val="tx1"/>
+                </a:solidFill>
+                <a:effectLst/>
+                <a:latin typeface="Arial" panose="020B0604020202020204" pitchFamily="34" charset="0"/>
+                <a:ea typeface="Times New Roman" panose="02020603050405020304" pitchFamily="18" charset="0"/>
+              </a:rPr>
+              <a:t>+x</a:t>
+            </a:r>
+            <a:endParaRPr kumimoji="0" lang="en-US" altLang="en-US" sz="1800" b="0" i="0" u="none" strike="noStrike" cap="none" normalizeH="0" baseline="0">
+              <a:ln>
+                <a:noFill/>
+              </a:ln>
+              <a:solidFill>
+                <a:schemeClr val="tx1"/>
+              </a:solidFill>
+              <a:effectLst/>
+              <a:latin typeface="Arial" panose="020B0604020202020204" pitchFamily="34" charset="0"/>
+            </a:endParaRPr>
+          </a:p>
+        </p:txBody>
+      </p:sp>
+      <p:sp>
+        <p:nvSpPr>
+          <p:cNvPr id="13" name="Rectangle 10">
+            <a:extLst>
+              <a:ext uri="{FF2B5EF4-FFF2-40B4-BE49-F238E27FC236}">
+                <a16:creationId xmlns:a16="http://schemas.microsoft.com/office/drawing/2014/main" id="{DF5C66EA-8BA3-4A28-B44E-0EEBF38A6DDB}"/>
+              </a:ext>
+            </a:extLst>
+          </p:cNvPr>
+          <p:cNvSpPr>
+            <a:spLocks noChangeArrowheads="1"/>
+          </p:cNvSpPr>
+          <p:nvPr/>
+        </p:nvSpPr>
+        <p:spPr bwMode="auto">
+          <a:xfrm>
+            <a:off x="0" y="0"/>
+            <a:ext cx="12192000" cy="457200"/>
+          </a:xfrm>
+          <a:prstGeom prst="rect">
+            <a:avLst/>
+          </a:prstGeom>
+          <a:noFill/>
+          <a:ln>
+            <a:noFill/>
+          </a:ln>
+          <a:effectLst/>
+          <a:extLst>
+            <a:ext uri="{909E8E84-426E-40DD-AFC4-6F175D3DCCD1}">
+              <a14:hiddenFill xmlns:a14="http://schemas.microsoft.com/office/drawing/2010/main">
+                <a:solidFill>
+                  <a:schemeClr val="accent1"/>
+                </a:solidFill>
+              </a14:hiddenFill>
+            </a:ext>
+            <a:ext uri="{91240B29-F687-4F45-9708-019B960494DF}">
+              <a14:hiddenLine xmlns:a14="http://schemas.microsoft.com/office/drawing/2010/main" w="9525">
+                <a:solidFill>
+                  <a:schemeClr val="tx1"/>
+                </a:solidFill>
+                <a:miter lim="800000"/>
+                <a:headEnd/>
+                <a:tailEnd/>
+              </a14:hiddenLine>
+            </a:ext>
+            <a:ext uri="{AF507438-7753-43E0-B8FC-AC1667EBCBE1}">
+              <a14:hiddenEffects xmlns:a14="http://schemas.microsoft.com/office/drawing/2010/main">
+                <a:effectLst>
+                  <a:outerShdw dist="35921" dir="2700000" algn="ctr" rotWithShape="0">
+                    <a:schemeClr val="bg2"/>
+                  </a:outerShdw>
+                </a:effectLst>
+              </a14:hiddenEffects>
+            </a:ext>
+          </a:extLst>
+        </p:spPr>
+        <p:txBody>
+          <a:bodyPr vert="horz" wrap="none" lIns="91440" tIns="45720" rIns="91440" bIns="45720" numCol="1" anchor="ctr" anchorCtr="0" compatLnSpc="1">
+            <a:prstTxWarp prst="textNoShape">
+              <a:avLst/>
+            </a:prstTxWarp>
+            <a:spAutoFit/>
+          </a:bodyPr>
+          <a:lstStyle/>
+          <a:p>
+            <a:endParaRPr lang="en-US"/>
+          </a:p>
+        </p:txBody>
+      </p:sp>
+      <p:sp>
+        <p:nvSpPr>
+          <p:cNvPr id="14" name="Rectangle 13">
+            <a:extLst>
+              <a:ext uri="{FF2B5EF4-FFF2-40B4-BE49-F238E27FC236}">
+                <a16:creationId xmlns:a16="http://schemas.microsoft.com/office/drawing/2014/main" id="{4750B095-868F-4ED5-BCF3-14CCB91AF1D7}"/>
+              </a:ext>
+            </a:extLst>
+          </p:cNvPr>
+          <p:cNvSpPr>
+            <a:spLocks noChangeArrowheads="1"/>
+          </p:cNvSpPr>
+          <p:nvPr/>
+        </p:nvSpPr>
+        <p:spPr bwMode="auto">
+          <a:xfrm>
+            <a:off x="0" y="457200"/>
+            <a:ext cx="12192000" cy="457200"/>
+          </a:xfrm>
+          <a:prstGeom prst="rect">
+            <a:avLst/>
+          </a:prstGeom>
+          <a:noFill/>
+          <a:ln>
+            <a:noFill/>
+          </a:ln>
+          <a:effectLst/>
+          <a:extLst>
+            <a:ext uri="{909E8E84-426E-40DD-AFC4-6F175D3DCCD1}">
+              <a14:hiddenFill xmlns:a14="http://schemas.microsoft.com/office/drawing/2010/main">
+                <a:solidFill>
+                  <a:schemeClr val="accent1"/>
+                </a:solidFill>
+              </a14:hiddenFill>
+            </a:ext>
+            <a:ext uri="{91240B29-F687-4F45-9708-019B960494DF}">
+              <a14:hiddenLine xmlns:a14="http://schemas.microsoft.com/office/drawing/2010/main" w="9525">
+                <a:solidFill>
+                  <a:schemeClr val="tx1"/>
+                </a:solidFill>
+                <a:miter lim="800000"/>
+                <a:headEnd/>
+                <a:tailEnd/>
+              </a14:hiddenLine>
+            </a:ext>
+            <a:ext uri="{AF507438-7753-43E0-B8FC-AC1667EBCBE1}">
+              <a14:hiddenEffects xmlns:a14="http://schemas.microsoft.com/office/drawing/2010/main">
+                <a:effectLst>
+                  <a:outerShdw dist="35921" dir="2700000" algn="ctr" rotWithShape="0">
+                    <a:schemeClr val="bg2"/>
+                  </a:outerShdw>
+                </a:effectLst>
+              </a14:hiddenEffects>
+            </a:ext>
+          </a:extLst>
+        </p:spPr>
+        <p:txBody>
+          <a:bodyPr vert="horz" wrap="none" lIns="91440" tIns="45720" rIns="91440" bIns="45720" numCol="1" anchor="ctr" anchorCtr="0" compatLnSpc="1">
+            <a:prstTxWarp prst="textNoShape">
+              <a:avLst/>
+            </a:prstTxWarp>
+            <a:spAutoFit/>
+          </a:bodyPr>
+          <a:lstStyle/>
+          <a:p>
+            <a:pPr marL="0" marR="0" lvl="0" indent="0" algn="l" defTabSz="914400" rtl="0" eaLnBrk="0" fontAlgn="base" latinLnBrk="0" hangingPunct="0">
+              <a:lnSpc>
+                <a:spcPct val="100000"/>
+              </a:lnSpc>
+              <a:spcBef>
+                <a:spcPct val="0"/>
+              </a:spcBef>
+              <a:spcAft>
+                <a:spcPct val="0"/>
+              </a:spcAft>
+              <a:buClrTx/>
+              <a:buSzTx/>
+              <a:buFontTx/>
+              <a:buNone/>
+              <a:tabLst/>
+            </a:pPr>
+            <a:endParaRPr kumimoji="0" lang="en-US" altLang="en-US" sz="800" b="0" i="0" u="none" strike="noStrike" cap="none" normalizeH="0" baseline="0">
+              <a:ln>
+                <a:noFill/>
+              </a:ln>
+              <a:solidFill>
+                <a:schemeClr val="tx1"/>
+              </a:solidFill>
+              <a:effectLst/>
+              <a:latin typeface="Arial" panose="020B0604020202020204" pitchFamily="34" charset="0"/>
+            </a:endParaRPr>
+          </a:p>
+          <a:p>
+            <a:pPr marL="0" marR="0" lvl="0" indent="0" algn="l" defTabSz="914400" rtl="0" eaLnBrk="0" fontAlgn="base" latinLnBrk="0" hangingPunct="0">
+              <a:lnSpc>
+                <a:spcPct val="100000"/>
+              </a:lnSpc>
+              <a:spcBef>
+                <a:spcPct val="0"/>
+              </a:spcBef>
+              <a:spcAft>
+                <a:spcPct val="0"/>
+              </a:spcAft>
+              <a:buClrTx/>
+              <a:buSzTx/>
+              <a:buFontTx/>
+              <a:buNone/>
+              <a:tabLst/>
+            </a:pPr>
+            <a:br>
+              <a:rPr kumimoji="0" lang="en-US" altLang="en-US" sz="1800" b="0" i="0" u="none" strike="noStrike" cap="none" normalizeH="0" baseline="0">
+                <a:ln>
+                  <a:noFill/>
+                </a:ln>
+                <a:solidFill>
+                  <a:schemeClr val="tx1"/>
+                </a:solidFill>
+                <a:effectLst/>
+                <a:latin typeface="Arial" panose="020B0604020202020204" pitchFamily="34" charset="0"/>
+              </a:rPr>
+            </a:br>
+            <a:endParaRPr kumimoji="0" lang="en-US" altLang="en-US" sz="1800" b="0" i="0" u="none" strike="noStrike" cap="none" normalizeH="0" baseline="0">
+              <a:ln>
+                <a:noFill/>
+              </a:ln>
+              <a:solidFill>
+                <a:schemeClr val="tx1"/>
+              </a:solidFill>
+              <a:effectLst/>
+              <a:latin typeface="Arial" panose="020B0604020202020204" pitchFamily="34" charset="0"/>
+            </a:endParaRPr>
+          </a:p>
+          <a:p>
+            <a:pPr marL="0" marR="0" lvl="0" indent="0" algn="l" defTabSz="914400" rtl="0" eaLnBrk="0" fontAlgn="base" latinLnBrk="0" hangingPunct="0">
+              <a:lnSpc>
+                <a:spcPct val="100000"/>
+              </a:lnSpc>
+              <a:spcBef>
+                <a:spcPct val="0"/>
+              </a:spcBef>
+              <a:spcAft>
+                <a:spcPct val="0"/>
+              </a:spcAft>
+              <a:buClrTx/>
+              <a:buSzTx/>
+              <a:buFontTx/>
+              <a:buNone/>
+              <a:tabLst/>
+            </a:pPr>
+            <a:endParaRPr kumimoji="0" lang="en-US" altLang="en-US" sz="1800" b="0" i="0" u="none" strike="noStrike" cap="none" normalizeH="0" baseline="0">
+              <a:ln>
+                <a:noFill/>
+              </a:ln>
+              <a:solidFill>
+                <a:schemeClr val="tx1"/>
+              </a:solidFill>
+              <a:effectLst/>
+              <a:latin typeface="Arial" panose="020B0604020202020204" pitchFamily="34" charset="0"/>
+            </a:endParaRPr>
+          </a:p>
+        </p:txBody>
+      </p:sp>
+      <p:sp>
+        <p:nvSpPr>
+          <p:cNvPr id="15" name="Rectangle 17">
+            <a:extLst>
+              <a:ext uri="{FF2B5EF4-FFF2-40B4-BE49-F238E27FC236}">
+                <a16:creationId xmlns:a16="http://schemas.microsoft.com/office/drawing/2014/main" id="{C1B0FBEA-2263-4E3F-A1B8-5174F26642CB}"/>
+              </a:ext>
+            </a:extLst>
+          </p:cNvPr>
+          <p:cNvSpPr>
+            <a:spLocks noChangeArrowheads="1"/>
+          </p:cNvSpPr>
+          <p:nvPr/>
+        </p:nvSpPr>
+        <p:spPr bwMode="auto">
+          <a:xfrm>
+            <a:off x="0" y="914400"/>
+            <a:ext cx="12192000" cy="0"/>
+          </a:xfrm>
+          <a:prstGeom prst="rect">
+            <a:avLst/>
+          </a:prstGeom>
+          <a:noFill/>
+          <a:ln>
+            <a:noFill/>
+          </a:ln>
+          <a:effectLst/>
+          <a:extLst>
+            <a:ext uri="{909E8E84-426E-40DD-AFC4-6F175D3DCCD1}">
+              <a14:hiddenFill xmlns:a14="http://schemas.microsoft.com/office/drawing/2010/main">
+                <a:solidFill>
+                  <a:schemeClr val="accent1"/>
+                </a:solidFill>
+              </a14:hiddenFill>
+            </a:ext>
+            <a:ext uri="{91240B29-F687-4F45-9708-019B960494DF}">
+              <a14:hiddenLine xmlns:a14="http://schemas.microsoft.com/office/drawing/2010/main" w="9525">
+                <a:solidFill>
+                  <a:schemeClr val="tx1"/>
+                </a:solidFill>
+                <a:miter lim="800000"/>
+                <a:headEnd/>
+                <a:tailEnd/>
+              </a14:hiddenLine>
+            </a:ext>
+            <a:ext uri="{AF507438-7753-43E0-B8FC-AC1667EBCBE1}">
+              <a14:hiddenEffects xmlns:a14="http://schemas.microsoft.com/office/drawing/2010/main">
+                <a:effectLst>
+                  <a:outerShdw dist="35921" dir="2700000" algn="ctr" rotWithShape="0">
+                    <a:schemeClr val="bg2"/>
+                  </a:outerShdw>
+                </a:effectLst>
+              </a14:hiddenEffects>
+            </a:ext>
+          </a:extLst>
+        </p:spPr>
+        <p:txBody>
+          <a:bodyPr vert="horz" wrap="none" lIns="91440" tIns="45720" rIns="91440" bIns="45720" numCol="1" anchor="ctr" anchorCtr="0" compatLnSpc="1">
+            <a:prstTxWarp prst="textNoShape">
+              <a:avLst/>
+            </a:prstTxWarp>
+            <a:spAutoFit/>
+          </a:bodyPr>
+          <a:lstStyle/>
+          <a:p>
+            <a:endParaRPr lang="en-US"/>
+          </a:p>
+        </p:txBody>
+      </p:sp>
+      <p:sp>
+        <p:nvSpPr>
+          <p:cNvPr id="16" name="Rectangle 18">
+            <a:extLst>
+              <a:ext uri="{FF2B5EF4-FFF2-40B4-BE49-F238E27FC236}">
+                <a16:creationId xmlns:a16="http://schemas.microsoft.com/office/drawing/2014/main" id="{8BD9D2AD-3D91-4EAB-97CC-1970F15D55DF}"/>
+              </a:ext>
+            </a:extLst>
+          </p:cNvPr>
+          <p:cNvSpPr>
+            <a:spLocks noChangeArrowheads="1"/>
+          </p:cNvSpPr>
+          <p:nvPr/>
+        </p:nvSpPr>
+        <p:spPr bwMode="auto">
+          <a:xfrm>
+            <a:off x="0" y="3140075"/>
+            <a:ext cx="12192000" cy="0"/>
+          </a:xfrm>
+          <a:prstGeom prst="rect">
+            <a:avLst/>
+          </a:prstGeom>
+          <a:noFill/>
+          <a:ln>
+            <a:noFill/>
+          </a:ln>
+          <a:effectLst/>
+          <a:extLst>
+            <a:ext uri="{909E8E84-426E-40DD-AFC4-6F175D3DCCD1}">
+              <a14:hiddenFill xmlns:a14="http://schemas.microsoft.com/office/drawing/2010/main">
+                <a:solidFill>
+                  <a:schemeClr val="accent1"/>
+                </a:solidFill>
+              </a14:hiddenFill>
+            </a:ext>
+            <a:ext uri="{91240B29-F687-4F45-9708-019B960494DF}">
+              <a14:hiddenLine xmlns:a14="http://schemas.microsoft.com/office/drawing/2010/main" w="9525">
+                <a:solidFill>
+                  <a:schemeClr val="tx1"/>
+                </a:solidFill>
+                <a:miter lim="800000"/>
+                <a:headEnd/>
+                <a:tailEnd/>
+              </a14:hiddenLine>
+            </a:ext>
+            <a:ext uri="{AF507438-7753-43E0-B8FC-AC1667EBCBE1}">
+              <a14:hiddenEffects xmlns:a14="http://schemas.microsoft.com/office/drawing/2010/main">
+                <a:effectLst>
+                  <a:outerShdw dist="35921" dir="2700000" algn="ctr" rotWithShape="0">
+                    <a:schemeClr val="bg2"/>
+                  </a:outerShdw>
+                </a:effectLst>
+              </a14:hiddenEffects>
+            </a:ext>
+          </a:extLst>
+        </p:spPr>
+        <p:txBody>
+          <a:bodyPr vert="horz" wrap="none" lIns="91440" tIns="45720" rIns="91440" bIns="45720" numCol="1" anchor="ctr" anchorCtr="0" compatLnSpc="1">
+            <a:prstTxWarp prst="textNoShape">
+              <a:avLst/>
+            </a:prstTxWarp>
+            <a:spAutoFit/>
+          </a:bodyPr>
+          <a:lstStyle/>
+          <a:p>
+            <a:pPr marL="0" marR="0" lvl="0" indent="0" algn="l" defTabSz="914400" rtl="0" eaLnBrk="0" fontAlgn="base" latinLnBrk="0" hangingPunct="0">
+              <a:lnSpc>
+                <a:spcPct val="100000"/>
+              </a:lnSpc>
+              <a:spcBef>
+                <a:spcPct val="0"/>
+              </a:spcBef>
+              <a:spcAft>
+                <a:spcPct val="0"/>
+              </a:spcAft>
+              <a:buClrTx/>
+              <a:buSzTx/>
+              <a:buFontTx/>
+              <a:buNone/>
+              <a:tabLst/>
+            </a:pPr>
+            <a:endParaRPr kumimoji="0" lang="en-US" altLang="en-US" sz="800" b="0" i="0" u="none" strike="noStrike" cap="none" normalizeH="0" baseline="0">
+              <a:ln>
+                <a:noFill/>
+              </a:ln>
+              <a:solidFill>
+                <a:schemeClr val="tx1"/>
+              </a:solidFill>
+              <a:effectLst/>
+              <a:latin typeface="Arial" panose="020B0604020202020204" pitchFamily="34" charset="0"/>
+            </a:endParaRPr>
+          </a:p>
+          <a:p>
+            <a:pPr marL="0" marR="0" lvl="0" indent="0" algn="l" defTabSz="914400" rtl="0" eaLnBrk="0" fontAlgn="base" latinLnBrk="0" hangingPunct="0">
+              <a:lnSpc>
+                <a:spcPct val="100000"/>
+              </a:lnSpc>
+              <a:spcBef>
+                <a:spcPct val="0"/>
+              </a:spcBef>
+              <a:spcAft>
+                <a:spcPct val="0"/>
+              </a:spcAft>
+              <a:buClrTx/>
+              <a:buSzTx/>
+              <a:buFontTx/>
+              <a:buNone/>
+              <a:tabLst/>
+            </a:pPr>
+            <a:endParaRPr kumimoji="0" lang="en-US" altLang="en-US" sz="1800" b="0" i="0" u="none" strike="noStrike" cap="none" normalizeH="0" baseline="0">
+              <a:ln>
+                <a:noFill/>
+              </a:ln>
+              <a:solidFill>
+                <a:schemeClr val="tx1"/>
+              </a:solidFill>
+              <a:effectLst/>
+              <a:latin typeface="Arial" panose="020B0604020202020204" pitchFamily="34" charset="0"/>
+            </a:endParaRPr>
+          </a:p>
+        </p:txBody>
+      </p:sp>
+    </p:spTree>
+    <p:extLst>
+      <p:ext uri="{BB962C8B-B14F-4D97-AF65-F5344CB8AC3E}">
+        <p14:creationId xmlns:p14="http://schemas.microsoft.com/office/powerpoint/2010/main" val="836125161"/>
+      </p:ext>
+    </p:extLst>
+  </p:cSld>
+  <p:clrMapOvr>
+    <a:masterClrMapping/>
+  </p:clrMapOvr>
+</p:sld>
+</file>
+
+<file path=ppt/slides/slide8.xml><?xml version="1.0" encoding="utf-8"?>
+<p:sld xmlns:a="http://schemas.openxmlformats.org/drawingml/2006/main" xmlns:r="http://schemas.openxmlformats.org/officeDocument/2006/relationships" xmlns:p="http://schemas.openxmlformats.org/presentationml/2006/main">
+  <p:cSld>
+    <p:spTree>
+      <p:nvGrpSpPr>
+        <p:cNvPr id="1" name=""/>
+        <p:cNvGrpSpPr/>
+        <p:nvPr/>
+      </p:nvGrpSpPr>
+      <p:grpSpPr>
+        <a:xfrm>
+          <a:off x="0" y="0"/>
+          <a:ext cx="0" cy="0"/>
+          <a:chOff x="0" y="0"/>
+          <a:chExt cx="0" cy="0"/>
+        </a:xfrm>
+      </p:grpSpPr>
+      <p:pic>
+        <p:nvPicPr>
+          <p:cNvPr id="5" name="Picture 4">
+            <a:extLst>
+              <a:ext uri="{FF2B5EF4-FFF2-40B4-BE49-F238E27FC236}">
+                <a16:creationId xmlns:a16="http://schemas.microsoft.com/office/drawing/2014/main" id="{7B359057-61DB-465A-8306-58D1D3FA98EB}"/>
+              </a:ext>
+            </a:extLst>
+          </p:cNvPr>
+          <p:cNvPicPr>
+            <a:picLocks noChangeAspect="1"/>
+          </p:cNvPicPr>
+          <p:nvPr/>
+        </p:nvPicPr>
+        <p:blipFill>
+          <a:blip r:embed="rId2"/>
+          <a:stretch>
+            <a:fillRect/>
+          </a:stretch>
+        </p:blipFill>
+        <p:spPr>
+          <a:xfrm>
+            <a:off x="5447691" y="660433"/>
+            <a:ext cx="2857500" cy="4229100"/>
+          </a:xfrm>
+          <a:prstGeom prst="rect">
+            <a:avLst/>
+          </a:prstGeom>
+        </p:spPr>
+      </p:pic>
+      <p:sp>
+        <p:nvSpPr>
+          <p:cNvPr id="2" name="Title 1">
+            <a:extLst>
+              <a:ext uri="{FF2B5EF4-FFF2-40B4-BE49-F238E27FC236}">
+                <a16:creationId xmlns:a16="http://schemas.microsoft.com/office/drawing/2014/main" id="{FFC0C1DF-4366-47C5-B9D9-1A1F67526A11}"/>
+              </a:ext>
+            </a:extLst>
+          </p:cNvPr>
+          <p:cNvSpPr>
+            <a:spLocks noGrp="1"/>
+          </p:cNvSpPr>
+          <p:nvPr>
+            <p:ph type="title"/>
+          </p:nvPr>
+        </p:nvSpPr>
+        <p:spPr>
+          <a:xfrm>
+            <a:off x="2866416" y="365125"/>
+            <a:ext cx="6555227" cy="5092092"/>
+          </a:xfrm>
+        </p:spPr>
+        <p:txBody>
+          <a:bodyPr/>
+          <a:lstStyle/>
+          <a:p>
+            <a:br>
+              <a:rPr lang="en-US" dirty="0"/>
+            </a:br>
+            <a:endParaRPr lang="en-US" dirty="0"/>
+          </a:p>
+        </p:txBody>
+      </p:sp>
+      <mc:AlternateContent xmlns:mc="http://schemas.openxmlformats.org/markup-compatibility/2006" xmlns:a14="http://schemas.microsoft.com/office/drawing/2010/main">
+        <mc:Choice Requires="a14">
+          <p:sp>
+            <p:nvSpPr>
+              <p:cNvPr id="9" name="TextBox 8">
+                <a:extLst>
+                  <a:ext uri="{FF2B5EF4-FFF2-40B4-BE49-F238E27FC236}">
+                    <a16:creationId xmlns:a16="http://schemas.microsoft.com/office/drawing/2014/main" id="{5E9EF778-5BD0-4C66-B6FB-A81A4672A190}"/>
+                  </a:ext>
+                </a:extLst>
+              </p:cNvPr>
+              <p:cNvSpPr txBox="1"/>
+              <p:nvPr/>
+            </p:nvSpPr>
+            <p:spPr>
+              <a:xfrm>
+                <a:off x="10627440" y="2190750"/>
+                <a:ext cx="1362076" cy="369332"/>
+              </a:xfrm>
+              <a:prstGeom prst="rect">
+                <a:avLst/>
+              </a:prstGeom>
+              <a:noFill/>
+            </p:spPr>
+            <p:txBody>
+              <a:bodyPr wrap="square" rtlCol="0">
+                <a:spAutoFit/>
+              </a:bodyPr>
+              <a:lstStyle/>
+              <a:p>
+                <a:pPr/>
+                <a14:m>
+                  <m:oMathPara xmlns:m="http://schemas.openxmlformats.org/officeDocument/2006/math">
+                    <m:oMathParaPr>
+                      <m:jc m:val="centerGroup"/>
+                    </m:oMathParaPr>
+                    <m:oMath xmlns:m="http://schemas.openxmlformats.org/officeDocument/2006/math">
+                      <m:r>
+                        <a:rPr lang="en-US" b="0" i="1" smtClean="0">
+                          <a:latin typeface="Cambria Math" panose="02040503050406030204" pitchFamily="18" charset="0"/>
+                        </a:rPr>
+                        <m:t>𝜃</m:t>
+                      </m:r>
+                      <m:r>
+                        <a:rPr lang="en-US" b="0" i="1" smtClean="0">
+                          <a:latin typeface="Cambria Math" panose="02040503050406030204" pitchFamily="18" charset="0"/>
+                        </a:rPr>
+                        <m:t>=</m:t>
+                      </m:r>
+                      <m:sSup>
+                        <m:sSupPr>
+                          <m:ctrlPr>
+                            <a:rPr lang="en-US" b="0" i="1" smtClean="0">
+                              <a:latin typeface="Cambria Math" panose="02040503050406030204" pitchFamily="18" charset="0"/>
+                            </a:rPr>
+                          </m:ctrlPr>
+                        </m:sSupPr>
+                        <m:e>
+                          <m:r>
+                            <a:rPr lang="en-US" b="0" i="1" smtClean="0">
+                              <a:latin typeface="Cambria Math" panose="02040503050406030204" pitchFamily="18" charset="0"/>
+                            </a:rPr>
+                            <m:t>150</m:t>
+                          </m:r>
+                        </m:e>
+                        <m:sup>
+                          <m:r>
+                            <a:rPr lang="en-US" b="0" i="1" smtClean="0">
+                              <a:latin typeface="Cambria Math" panose="02040503050406030204" pitchFamily="18" charset="0"/>
+                            </a:rPr>
+                            <m:t>𝑜</m:t>
+                          </m:r>
+                        </m:sup>
+                      </m:sSup>
+                    </m:oMath>
+                  </m:oMathPara>
+                </a14:m>
+                <a:endParaRPr lang="en-US" dirty="0"/>
+              </a:p>
+            </p:txBody>
+          </p:sp>
+        </mc:Choice>
+        <mc:Fallback xmlns="">
+          <p:sp>
+            <p:nvSpPr>
+              <p:cNvPr id="9" name="TextBox 8">
+                <a:extLst>
+                  <a:ext uri="{FF2B5EF4-FFF2-40B4-BE49-F238E27FC236}">
+                    <a16:creationId xmlns:a16="http://schemas.microsoft.com/office/drawing/2014/main" id="{5E9EF778-5BD0-4C66-B6FB-A81A4672A190}"/>
+                  </a:ext>
+                </a:extLst>
+              </p:cNvPr>
+              <p:cNvSpPr txBox="1">
+                <a:spLocks noRot="1" noChangeAspect="1" noMove="1" noResize="1" noEditPoints="1" noAdjustHandles="1" noChangeArrowheads="1" noChangeShapeType="1" noTextEdit="1"/>
+              </p:cNvSpPr>
+              <p:nvPr/>
+            </p:nvSpPr>
+            <p:spPr>
+              <a:xfrm>
+                <a:off x="10627440" y="2190750"/>
+                <a:ext cx="1362076" cy="369332"/>
+              </a:xfrm>
+              <a:prstGeom prst="rect">
+                <a:avLst/>
+              </a:prstGeom>
+              <a:blipFill>
+                <a:blip r:embed="rId3"/>
+                <a:stretch>
+                  <a:fillRect/>
+                </a:stretch>
+              </a:blipFill>
+            </p:spPr>
+            <p:txBody>
+              <a:bodyPr/>
+              <a:lstStyle/>
+              <a:p>
+                <a:r>
+                  <a:rPr lang="en-US">
+                    <a:noFill/>
+                  </a:rPr>
+                  <a:t> </a:t>
+                </a:r>
+              </a:p>
+            </p:txBody>
+          </p:sp>
+        </mc:Fallback>
+      </mc:AlternateContent>
+      <p:pic>
+        <p:nvPicPr>
+          <p:cNvPr id="10" name="Picture 9">
+            <a:extLst>
+              <a:ext uri="{FF2B5EF4-FFF2-40B4-BE49-F238E27FC236}">
+                <a16:creationId xmlns:a16="http://schemas.microsoft.com/office/drawing/2014/main" id="{67BF13C9-C872-4768-899C-3B07E7F9071F}"/>
+              </a:ext>
+            </a:extLst>
+          </p:cNvPr>
+          <p:cNvPicPr>
+            <a:picLocks noChangeAspect="1"/>
+          </p:cNvPicPr>
+          <p:nvPr/>
+        </p:nvPicPr>
+        <p:blipFill>
+          <a:blip r:embed="rId4"/>
+          <a:stretch>
+            <a:fillRect/>
+          </a:stretch>
+        </p:blipFill>
+        <p:spPr>
+          <a:xfrm>
+            <a:off x="878524" y="365125"/>
+            <a:ext cx="4969826" cy="5286375"/>
+          </a:xfrm>
+          <a:prstGeom prst="rect">
+            <a:avLst/>
+          </a:prstGeom>
+        </p:spPr>
+      </p:pic>
+    </p:spTree>
+    <p:extLst>
+      <p:ext uri="{BB962C8B-B14F-4D97-AF65-F5344CB8AC3E}">
+        <p14:creationId xmlns:p14="http://schemas.microsoft.com/office/powerpoint/2010/main" val="2515395982"/>
+      </p:ext>
+    </p:extLst>
+  </p:cSld>
+  <p:clrMapOvr>
+    <a:masterClrMapping/>
+  </p:clrMapOvr>
+</p:sld>
+</file>
+
+<file path=ppt/slides/slide9.xml><?xml version="1.0" encoding="utf-8"?>
+<p:sld xmlns:a="http://schemas.openxmlformats.org/drawingml/2006/main" xmlns:r="http://schemas.openxmlformats.org/officeDocument/2006/relationships" xmlns:p="http://schemas.openxmlformats.org/presentationml/2006/main">
+  <p:cSld>
+    <p:spTree>
+      <p:nvGrpSpPr>
+        <p:cNvPr id="1" name=""/>
+        <p:cNvGrpSpPr/>
+        <p:nvPr/>
+      </p:nvGrpSpPr>
+      <p:grpSpPr>
+        <a:xfrm>
+          <a:off x="0" y="0"/>
+          <a:ext cx="0" cy="0"/>
+          <a:chOff x="0" y="0"/>
+          <a:chExt cx="0" cy="0"/>
+        </a:xfrm>
+      </p:grpSpPr>
+      <p:pic>
+        <p:nvPicPr>
+          <p:cNvPr id="4" name="Picture 3">
+            <a:extLst>
+              <a:ext uri="{FF2B5EF4-FFF2-40B4-BE49-F238E27FC236}">
+                <a16:creationId xmlns:a16="http://schemas.microsoft.com/office/drawing/2014/main" id="{76FFAD47-46C7-4CA0-8B56-AFA69DE4D671}"/>
+              </a:ext>
+            </a:extLst>
+          </p:cNvPr>
+          <p:cNvPicPr/>
+          <p:nvPr/>
+        </p:nvPicPr>
+        <p:blipFill rotWithShape="1">
+          <a:blip r:embed="rId2" cstate="print">
+            <a:extLst>
+              <a:ext uri="{28A0092B-C50C-407E-A947-70E740481C1C}">
+                <a14:useLocalDpi xmlns:a14="http://schemas.microsoft.com/office/drawing/2010/main" val="0"/>
+              </a:ext>
+            </a:extLst>
+          </a:blip>
+          <a:srcRect l="22413" t="18687" r="35703" b="10929"/>
+          <a:stretch/>
+        </p:blipFill>
+        <p:spPr bwMode="auto">
+          <a:xfrm>
+            <a:off x="2734310" y="2309812"/>
+            <a:ext cx="2202180" cy="2081213"/>
+          </a:xfrm>
+          <a:prstGeom prst="rect">
+            <a:avLst/>
+          </a:prstGeom>
+          <a:noFill/>
+          <a:ln>
+            <a:noFill/>
+          </a:ln>
+          <a:extLst>
+            <a:ext uri="{53640926-AAD7-44D8-BBD7-CCE9431645EC}">
+              <a14:shadowObscured xmlns:a14="http://schemas.microsoft.com/office/drawing/2010/main"/>
+            </a:ext>
+          </a:extLst>
+        </p:spPr>
+      </p:pic>
+      <p:pic>
+        <p:nvPicPr>
+          <p:cNvPr id="5" name="Picture 4">
+            <a:extLst>
+              <a:ext uri="{FF2B5EF4-FFF2-40B4-BE49-F238E27FC236}">
+                <a16:creationId xmlns:a16="http://schemas.microsoft.com/office/drawing/2014/main" id="{4952E48B-07D6-495B-B6FF-1928DAEBBCD9}"/>
+              </a:ext>
+            </a:extLst>
+          </p:cNvPr>
+          <p:cNvPicPr/>
+          <p:nvPr/>
+        </p:nvPicPr>
+        <p:blipFill rotWithShape="1">
+          <a:blip r:embed="rId3" cstate="print">
+            <a:extLst>
+              <a:ext uri="{28A0092B-C50C-407E-A947-70E740481C1C}">
+                <a14:useLocalDpi xmlns:a14="http://schemas.microsoft.com/office/drawing/2010/main" val="0"/>
+              </a:ext>
+            </a:extLst>
+          </a:blip>
+          <a:srcRect l="17595" t="15385" r="31813" b="11850"/>
+          <a:stretch/>
+        </p:blipFill>
+        <p:spPr bwMode="auto">
+          <a:xfrm>
+            <a:off x="5126514" y="2138045"/>
+            <a:ext cx="2598738" cy="2252980"/>
+          </a:xfrm>
+          <a:prstGeom prst="rect">
+            <a:avLst/>
+          </a:prstGeom>
+          <a:noFill/>
+          <a:ln>
+            <a:noFill/>
+          </a:ln>
+          <a:extLst>
+            <a:ext uri="{53640926-AAD7-44D8-BBD7-CCE9431645EC}">
+              <a14:shadowObscured xmlns:a14="http://schemas.microsoft.com/office/drawing/2010/main"/>
+            </a:ext>
+          </a:extLst>
+        </p:spPr>
+      </p:pic>
+      <mc:AlternateContent xmlns:mc="http://schemas.openxmlformats.org/markup-compatibility/2006" xmlns:a14="http://schemas.microsoft.com/office/drawing/2010/main">
+        <mc:Choice Requires="a14">
+          <p:sp>
+            <p:nvSpPr>
+              <p:cNvPr id="6" name="TextBox 5">
+                <a:extLst>
+                  <a:ext uri="{FF2B5EF4-FFF2-40B4-BE49-F238E27FC236}">
+                    <a16:creationId xmlns:a16="http://schemas.microsoft.com/office/drawing/2014/main" id="{0E6354DD-B5D6-49E1-81DA-91B4878DE273}"/>
+                  </a:ext>
+                </a:extLst>
+              </p:cNvPr>
+              <p:cNvSpPr txBox="1"/>
+              <p:nvPr/>
+            </p:nvSpPr>
+            <p:spPr>
+              <a:xfrm>
+                <a:off x="7915276" y="2971800"/>
+                <a:ext cx="723083" cy="369332"/>
+              </a:xfrm>
+              <a:prstGeom prst="rect">
+                <a:avLst/>
+              </a:prstGeom>
+              <a:noFill/>
+            </p:spPr>
+            <p:txBody>
+              <a:bodyPr wrap="none" lIns="0" tIns="0" rIns="0" bIns="0" rtlCol="0">
+                <a:spAutoFit/>
+              </a:bodyPr>
+              <a:lstStyle/>
+              <a:p>
+                <a:pPr/>
+                <a14:m>
+                  <m:oMathPara xmlns:m="http://schemas.openxmlformats.org/officeDocument/2006/math">
+                    <m:oMathParaPr>
+                      <m:jc m:val="centerGroup"/>
+                    </m:oMathParaPr>
+                    <m:oMath xmlns:m="http://schemas.openxmlformats.org/officeDocument/2006/math">
+                      <m:sSub>
+                        <m:sSubPr>
+                          <m:ctrlPr>
+                            <a:rPr lang="en-US" sz="2400" b="0" i="1" smtClean="0">
+                              <a:latin typeface="Cambria Math" panose="02040503050406030204" pitchFamily="18" charset="0"/>
+                            </a:rPr>
+                          </m:ctrlPr>
+                        </m:sSubPr>
+                        <m:e>
+                          <m:r>
+                            <a:rPr lang="en-US" sz="2400" b="0" i="1" smtClean="0">
+                              <a:latin typeface="Cambria Math" panose="02040503050406030204" pitchFamily="18" charset="0"/>
+                            </a:rPr>
+                            <m:t>𝑇</m:t>
+                          </m:r>
+                        </m:e>
+                        <m:sub>
+                          <m:r>
+                            <a:rPr lang="en-US" sz="2400" b="0" i="1" smtClean="0">
+                              <a:latin typeface="Cambria Math" panose="02040503050406030204" pitchFamily="18" charset="0"/>
+                            </a:rPr>
+                            <m:t>𝑎𝑚𝑏</m:t>
+                          </m:r>
+                        </m:sub>
+                      </m:sSub>
+                    </m:oMath>
+                  </m:oMathPara>
+                </a14:m>
+                <a:endParaRPr lang="en-US" sz="2400" dirty="0"/>
+              </a:p>
+            </p:txBody>
+          </p:sp>
+        </mc:Choice>
+        <mc:Fallback xmlns="">
+          <p:sp>
+            <p:nvSpPr>
+              <p:cNvPr id="6" name="TextBox 5">
+                <a:extLst>
+                  <a:ext uri="{FF2B5EF4-FFF2-40B4-BE49-F238E27FC236}">
+                    <a16:creationId xmlns:a16="http://schemas.microsoft.com/office/drawing/2014/main" id="{0E6354DD-B5D6-49E1-81DA-91B4878DE273}"/>
+                  </a:ext>
+                </a:extLst>
+              </p:cNvPr>
+              <p:cNvSpPr txBox="1">
+                <a:spLocks noRot="1" noChangeAspect="1" noMove="1" noResize="1" noEditPoints="1" noAdjustHandles="1" noChangeArrowheads="1" noChangeShapeType="1" noTextEdit="1"/>
+              </p:cNvSpPr>
+              <p:nvPr/>
+            </p:nvSpPr>
+            <p:spPr>
+              <a:xfrm>
+                <a:off x="7915276" y="2971800"/>
+                <a:ext cx="723083" cy="369332"/>
+              </a:xfrm>
+              <a:prstGeom prst="rect">
+                <a:avLst/>
+              </a:prstGeom>
+              <a:blipFill>
+                <a:blip r:embed="rId4"/>
+                <a:stretch>
+                  <a:fillRect l="-9244" r="-3361" b="-15000"/>
+                </a:stretch>
+              </a:blipFill>
+            </p:spPr>
+            <p:txBody>
+              <a:bodyPr/>
+              <a:lstStyle/>
+              <a:p>
+                <a:r>
+                  <a:rPr lang="en-US">
+                    <a:noFill/>
+                  </a:rPr>
+                  <a:t> </a:t>
+                </a:r>
+              </a:p>
+            </p:txBody>
+          </p:sp>
+        </mc:Fallback>
+      </mc:AlternateContent>
+      <mc:AlternateContent xmlns:mc="http://schemas.openxmlformats.org/markup-compatibility/2006" xmlns:a14="http://schemas.microsoft.com/office/drawing/2010/main">
+        <mc:Choice Requires="a14">
+          <p:sp>
+            <p:nvSpPr>
+              <p:cNvPr id="7" name="TextBox 6">
+                <a:extLst>
+                  <a:ext uri="{FF2B5EF4-FFF2-40B4-BE49-F238E27FC236}">
+                    <a16:creationId xmlns:a16="http://schemas.microsoft.com/office/drawing/2014/main" id="{0BAADABA-49DC-4B2A-AE45-906C5AA4878B}"/>
+                  </a:ext>
+                </a:extLst>
+              </p:cNvPr>
+              <p:cNvSpPr txBox="1"/>
+              <p:nvPr/>
+            </p:nvSpPr>
+            <p:spPr>
+              <a:xfrm>
+                <a:off x="3473858" y="4391025"/>
+                <a:ext cx="723083" cy="369332"/>
+              </a:xfrm>
+              <a:prstGeom prst="rect">
+                <a:avLst/>
+              </a:prstGeom>
+              <a:noFill/>
+            </p:spPr>
+            <p:txBody>
+              <a:bodyPr wrap="none" lIns="0" tIns="0" rIns="0" bIns="0" rtlCol="0">
+                <a:spAutoFit/>
+              </a:bodyPr>
+              <a:lstStyle/>
+              <a:p>
+                <a:pPr/>
+                <a14:m>
+                  <m:oMathPara xmlns:m="http://schemas.openxmlformats.org/officeDocument/2006/math">
+                    <m:oMathParaPr>
+                      <m:jc m:val="centerGroup"/>
+                    </m:oMathParaPr>
+                    <m:oMath xmlns:m="http://schemas.openxmlformats.org/officeDocument/2006/math">
+                      <m:sSub>
+                        <m:sSubPr>
+                          <m:ctrlPr>
+                            <a:rPr lang="en-US" sz="2400" b="0" i="1" smtClean="0">
+                              <a:latin typeface="Cambria Math" panose="02040503050406030204" pitchFamily="18" charset="0"/>
+                            </a:rPr>
+                          </m:ctrlPr>
+                        </m:sSubPr>
+                        <m:e>
+                          <m:r>
+                            <a:rPr lang="en-US" sz="2400" b="0" i="1" smtClean="0">
+                              <a:latin typeface="Cambria Math" panose="02040503050406030204" pitchFamily="18" charset="0"/>
+                            </a:rPr>
+                            <m:t>𝑇</m:t>
+                          </m:r>
+                        </m:e>
+                        <m:sub>
+                          <m:r>
+                            <a:rPr lang="en-US" sz="2400" b="0" i="1" smtClean="0">
+                              <a:latin typeface="Cambria Math" panose="02040503050406030204" pitchFamily="18" charset="0"/>
+                            </a:rPr>
+                            <m:t>𝑎𝑚𝑏</m:t>
+                          </m:r>
+                        </m:sub>
+                      </m:sSub>
+                    </m:oMath>
+                  </m:oMathPara>
+                </a14:m>
+                <a:endParaRPr lang="en-US" sz="2400" dirty="0"/>
+              </a:p>
+            </p:txBody>
+          </p:sp>
+        </mc:Choice>
+        <mc:Fallback xmlns="">
+          <p:sp>
+            <p:nvSpPr>
+              <p:cNvPr id="7" name="TextBox 6">
+                <a:extLst>
+                  <a:ext uri="{FF2B5EF4-FFF2-40B4-BE49-F238E27FC236}">
+                    <a16:creationId xmlns:a16="http://schemas.microsoft.com/office/drawing/2014/main" id="{0BAADABA-49DC-4B2A-AE45-906C5AA4878B}"/>
+                  </a:ext>
+                </a:extLst>
+              </p:cNvPr>
+              <p:cNvSpPr txBox="1">
+                <a:spLocks noRot="1" noChangeAspect="1" noMove="1" noResize="1" noEditPoints="1" noAdjustHandles="1" noChangeArrowheads="1" noChangeShapeType="1" noTextEdit="1"/>
+              </p:cNvSpPr>
+              <p:nvPr/>
+            </p:nvSpPr>
+            <p:spPr>
+              <a:xfrm>
+                <a:off x="3473858" y="4391025"/>
+                <a:ext cx="723083" cy="369332"/>
+              </a:xfrm>
+              <a:prstGeom prst="rect">
+                <a:avLst/>
+              </a:prstGeom>
+              <a:blipFill>
+                <a:blip r:embed="rId5"/>
+                <a:stretch>
+                  <a:fillRect l="-10169" r="-4237" b="-14754"/>
+                </a:stretch>
+              </a:blipFill>
+            </p:spPr>
+            <p:txBody>
+              <a:bodyPr/>
+              <a:lstStyle/>
+              <a:p>
+                <a:r>
+                  <a:rPr lang="en-US">
+                    <a:noFill/>
+                  </a:rPr>
+                  <a:t> </a:t>
+                </a:r>
+              </a:p>
+            </p:txBody>
+          </p:sp>
+        </mc:Fallback>
+      </mc:AlternateContent>
+    </p:spTree>
+    <p:extLst>
+      <p:ext uri="{BB962C8B-B14F-4D97-AF65-F5344CB8AC3E}">
+        <p14:creationId xmlns:p14="http://schemas.microsoft.com/office/powerpoint/2010/main" val="2998206243"/>
       </p:ext>
     </p:extLst>
   </p:cSld>
